--- a/output/topic_rtos.pptx
+++ b/output/topic_rtos.pptx
@@ -2,7 +2,7 @@
 <file path=ppt/presentation.xml><?xml version="1.0" encoding="utf-8"?>
 <p:presentation xmlns:a="http://schemas.openxmlformats.org/drawingml/2006/main" xmlns:r="http://schemas.openxmlformats.org/officeDocument/2006/relationships" xmlns:p="http://schemas.openxmlformats.org/presentationml/2006/main" saveSubsetFonts="1">
   <p:sldMasterIdLst>
-    <p:sldMasterId id="2147483741" r:id="rId1"/>
+    <p:sldMasterId id="2147483804" r:id="rId1"/>
   </p:sldMasterIdLst>
   <p:sldIdLst>
     <p:sldId id="256" r:id="rId2"/>
@@ -15,6 +15,13 @@
     <p:sldId id="263" r:id="rId13"/>
     <p:sldId id="264" r:id="rId14"/>
     <p:sldId id="265" r:id="rId15"/>
+    <p:sldId id="266" r:id="rId16"/>
+    <p:sldId id="267" r:id="rId17"/>
+    <p:sldId id="268" r:id="rId18"/>
+    <p:sldId id="269" r:id="rId19"/>
+    <p:sldId id="270" r:id="rId20"/>
+    <p:sldId id="271" r:id="rId21"/>
+    <p:sldId id="272" r:id="rId22"/>
   </p:sldIdLst>
   <p:sldSz cx="12192000" cy="6858000"/>
   <p:notesSz cx="6858000" cy="9144000"/>
@@ -122,7 +129,7 @@
 </file>
 
 <file path=ppt/slideLayouts/slideLayout1.xml><?xml version="1.0" encoding="utf-8"?>
-<p:sldLayout xmlns:a="http://schemas.openxmlformats.org/drawingml/2006/main" xmlns:r="http://schemas.openxmlformats.org/officeDocument/2006/relationships" xmlns:p="http://schemas.openxmlformats.org/presentationml/2006/main" type="title" preserve="1">
+<p:sldLayout xmlns:a="http://schemas.openxmlformats.org/drawingml/2006/main" xmlns:r="http://schemas.openxmlformats.org/officeDocument/2006/relationships" xmlns:p="http://schemas.openxmlformats.org/presentationml/2006/main" showMasterSp="0" type="title" preserve="1">
   <p:cSld name="Title Slide">
     <p:spTree>
       <p:nvGrpSpPr>
@@ -138,110 +145,536 @@
           <a:chExt cx="0" cy="0"/>
         </a:xfrm>
       </p:grpSpPr>
-      <p:sp>
-        <p:nvSpPr>
-          <p:cNvPr id="11" name="Freeform 6"/>
-          <p:cNvSpPr/>
+      <p:grpSp>
+        <p:nvGrpSpPr>
+          <p:cNvPr id="7" name="Group 6"/>
+          <p:cNvGrpSpPr/>
           <p:nvPr/>
-        </p:nvSpPr>
-        <p:spPr bwMode="auto">
+        </p:nvGrpSpPr>
+        <p:grpSpPr>
           <a:xfrm>
-            <a:off x="0" y="-3175"/>
-            <a:ext cx="12192000" cy="5203825"/>
+            <a:off x="0" y="-8467"/>
+            <a:ext cx="12192000" cy="6866467"/>
+            <a:chOff x="0" y="-8467"/>
+            <a:chExt cx="12192000" cy="6866467"/>
           </a:xfrm>
-          <a:custGeom>
-            <a:avLst/>
-            <a:gdLst/>
-            <a:ahLst/>
-            <a:cxnLst/>
-            <a:rect l="0" t="0" r="r" b="b"/>
-            <a:pathLst>
-              <a:path w="5760" h="3278">
-                <a:moveTo>
-                  <a:pt x="5760" y="0"/>
-                </a:moveTo>
-                <a:lnTo>
-                  <a:pt x="0" y="0"/>
-                </a:lnTo>
-                <a:lnTo>
-                  <a:pt x="0" y="3090"/>
-                </a:lnTo>
-                <a:lnTo>
-                  <a:pt x="943" y="3090"/>
-                </a:lnTo>
-                <a:lnTo>
-                  <a:pt x="1123" y="3270"/>
-                </a:lnTo>
-                <a:lnTo>
-                  <a:pt x="1123" y="3270"/>
-                </a:lnTo>
-                <a:lnTo>
-                  <a:pt x="1127" y="3272"/>
-                </a:lnTo>
-                <a:lnTo>
-                  <a:pt x="1133" y="3275"/>
-                </a:lnTo>
-                <a:lnTo>
-                  <a:pt x="1139" y="3278"/>
-                </a:lnTo>
-                <a:lnTo>
-                  <a:pt x="1144" y="3278"/>
-                </a:lnTo>
-                <a:lnTo>
-                  <a:pt x="1150" y="3278"/>
-                </a:lnTo>
-                <a:lnTo>
-                  <a:pt x="1155" y="3275"/>
-                </a:lnTo>
-                <a:lnTo>
-                  <a:pt x="1161" y="3272"/>
-                </a:lnTo>
-                <a:lnTo>
-                  <a:pt x="1165" y="3270"/>
-                </a:lnTo>
-                <a:lnTo>
-                  <a:pt x="1345" y="3090"/>
-                </a:lnTo>
-                <a:lnTo>
-                  <a:pt x="5760" y="3090"/>
-                </a:lnTo>
-                <a:lnTo>
-                  <a:pt x="5760" y="0"/>
-                </a:lnTo>
-                <a:close/>
-              </a:path>
-            </a:pathLst>
-          </a:custGeom>
-          <a:ln/>
-          <a:effectLst/>
-          <a:extLst>
-            <a:ext uri="{91240B29-F687-4f45-9708-019B960494DF}">
-              <a14:hiddenLine xmlns:a14="http://schemas.microsoft.com/office/drawing/2010/main" xmlns="" w="9525">
-                <a:solidFill>
-                  <a:srgbClr val="000000"/>
-                </a:solidFill>
-                <a:round/>
-                <a:headEnd/>
-                <a:tailEnd/>
-              </a14:hiddenLine>
-            </a:ext>
-          </a:extLst>
-        </p:spPr>
-        <p:style>
-          <a:lnRef idx="1">
-            <a:schemeClr val="accent1"/>
-          </a:lnRef>
-          <a:fillRef idx="3">
-            <a:schemeClr val="accent1"/>
-          </a:fillRef>
-          <a:effectRef idx="2">
-            <a:schemeClr val="accent1"/>
-          </a:effectRef>
-          <a:fontRef idx="minor">
-            <a:schemeClr val="lt1"/>
-          </a:fontRef>
-        </p:style>
-      </p:sp>
+        </p:grpSpPr>
+        <p:cxnSp>
+          <p:nvCxnSpPr>
+            <p:cNvPr id="32" name="Straight Connector 31"/>
+            <p:cNvCxnSpPr/>
+            <p:nvPr/>
+          </p:nvCxnSpPr>
+          <p:spPr>
+            <a:xfrm>
+              <a:off x="9371012" y="0"/>
+              <a:ext cx="1219200" cy="6858000"/>
+            </a:xfrm>
+            <a:prstGeom prst="line">
+              <a:avLst/>
+            </a:prstGeom>
+            <a:ln w="9525">
+              <a:solidFill>
+                <a:schemeClr val="bg1">
+                  <a:lumMod val="75000"/>
+                </a:schemeClr>
+              </a:solidFill>
+            </a:ln>
+          </p:spPr>
+          <p:style>
+            <a:lnRef idx="2">
+              <a:schemeClr val="accent1"/>
+            </a:lnRef>
+            <a:fillRef idx="0">
+              <a:schemeClr val="accent1"/>
+            </a:fillRef>
+            <a:effectRef idx="1">
+              <a:schemeClr val="accent1"/>
+            </a:effectRef>
+            <a:fontRef idx="minor">
+              <a:schemeClr val="tx1"/>
+            </a:fontRef>
+          </p:style>
+        </p:cxnSp>
+        <p:cxnSp>
+          <p:nvCxnSpPr>
+            <p:cNvPr id="21" name="Straight Connector 20"/>
+            <p:cNvCxnSpPr/>
+            <p:nvPr/>
+          </p:nvCxnSpPr>
+          <p:spPr>
+            <a:xfrm flipH="1">
+              <a:off x="7425267" y="3681413"/>
+              <a:ext cx="4763558" cy="3176587"/>
+            </a:xfrm>
+            <a:prstGeom prst="line">
+              <a:avLst/>
+            </a:prstGeom>
+            <a:ln w="9525">
+              <a:solidFill>
+                <a:schemeClr val="bg1">
+                  <a:lumMod val="85000"/>
+                </a:schemeClr>
+              </a:solidFill>
+            </a:ln>
+          </p:spPr>
+          <p:style>
+            <a:lnRef idx="2">
+              <a:schemeClr val="accent1"/>
+            </a:lnRef>
+            <a:fillRef idx="0">
+              <a:schemeClr val="accent1"/>
+            </a:fillRef>
+            <a:effectRef idx="1">
+              <a:schemeClr val="accent1"/>
+            </a:effectRef>
+            <a:fontRef idx="minor">
+              <a:schemeClr val="tx1"/>
+            </a:fontRef>
+          </p:style>
+        </p:cxnSp>
+        <p:sp>
+          <p:nvSpPr>
+            <p:cNvPr id="24" name="Rectangle 23"/>
+            <p:cNvSpPr/>
+            <p:nvPr/>
+          </p:nvSpPr>
+          <p:spPr>
+            <a:xfrm>
+              <a:off x="9181476" y="-8467"/>
+              <a:ext cx="3007349" cy="6866467"/>
+            </a:xfrm>
+            <a:custGeom>
+              <a:avLst/>
+              <a:gdLst/>
+              <a:ahLst/>
+              <a:cxnLst/>
+              <a:rect l="l" t="t" r="r" b="b"/>
+              <a:pathLst>
+                <a:path w="3007349" h="6866467">
+                  <a:moveTo>
+                    <a:pt x="2045532" y="0"/>
+                  </a:moveTo>
+                  <a:lnTo>
+                    <a:pt x="3007349" y="0"/>
+                  </a:lnTo>
+                  <a:lnTo>
+                    <a:pt x="3007349" y="6866467"/>
+                  </a:lnTo>
+                  <a:lnTo>
+                    <a:pt x="0" y="6866467"/>
+                  </a:lnTo>
+                  <a:lnTo>
+                    <a:pt x="2045532" y="0"/>
+                  </a:lnTo>
+                  <a:close/>
+                </a:path>
+              </a:pathLst>
+            </a:custGeom>
+            <a:solidFill>
+              <a:schemeClr val="accent1">
+                <a:alpha val="30000"/>
+              </a:schemeClr>
+            </a:solidFill>
+            <a:ln>
+              <a:noFill/>
+            </a:ln>
+            <a:effectLst/>
+          </p:spPr>
+          <p:style>
+            <a:lnRef idx="1">
+              <a:schemeClr val="accent1"/>
+            </a:lnRef>
+            <a:fillRef idx="3">
+              <a:schemeClr val="accent1"/>
+            </a:fillRef>
+            <a:effectRef idx="2">
+              <a:schemeClr val="accent1"/>
+            </a:effectRef>
+            <a:fontRef idx="minor">
+              <a:schemeClr val="lt1"/>
+            </a:fontRef>
+          </p:style>
+        </p:sp>
+        <p:sp>
+          <p:nvSpPr>
+            <p:cNvPr id="26" name="Rectangle 25"/>
+            <p:cNvSpPr/>
+            <p:nvPr/>
+          </p:nvSpPr>
+          <p:spPr>
+            <a:xfrm>
+              <a:off x="9603442" y="-8467"/>
+              <a:ext cx="2588558" cy="6866467"/>
+            </a:xfrm>
+            <a:custGeom>
+              <a:avLst/>
+              <a:gdLst/>
+              <a:ahLst/>
+              <a:cxnLst/>
+              <a:rect l="l" t="t" r="r" b="b"/>
+              <a:pathLst>
+                <a:path w="2573311" h="6866467">
+                  <a:moveTo>
+                    <a:pt x="0" y="0"/>
+                  </a:moveTo>
+                  <a:lnTo>
+                    <a:pt x="2573311" y="0"/>
+                  </a:lnTo>
+                  <a:lnTo>
+                    <a:pt x="2573311" y="6866467"/>
+                  </a:lnTo>
+                  <a:lnTo>
+                    <a:pt x="1202336" y="6866467"/>
+                  </a:lnTo>
+                  <a:lnTo>
+                    <a:pt x="0" y="0"/>
+                  </a:lnTo>
+                  <a:close/>
+                </a:path>
+              </a:pathLst>
+            </a:custGeom>
+            <a:solidFill>
+              <a:schemeClr val="accent1">
+                <a:alpha val="20000"/>
+              </a:schemeClr>
+            </a:solidFill>
+            <a:ln>
+              <a:noFill/>
+            </a:ln>
+            <a:effectLst/>
+          </p:spPr>
+          <p:style>
+            <a:lnRef idx="1">
+              <a:schemeClr val="accent1"/>
+            </a:lnRef>
+            <a:fillRef idx="3">
+              <a:schemeClr val="accent1"/>
+            </a:fillRef>
+            <a:effectRef idx="2">
+              <a:schemeClr val="accent1"/>
+            </a:effectRef>
+            <a:fontRef idx="minor">
+              <a:schemeClr val="lt1"/>
+            </a:fontRef>
+          </p:style>
+        </p:sp>
+        <p:sp>
+          <p:nvSpPr>
+            <p:cNvPr id="27" name="Isosceles Triangle 26"/>
+            <p:cNvSpPr/>
+            <p:nvPr/>
+          </p:nvSpPr>
+          <p:spPr>
+            <a:xfrm>
+              <a:off x="8932333" y="3048000"/>
+              <a:ext cx="3259667" cy="3810000"/>
+            </a:xfrm>
+            <a:prstGeom prst="triangle">
+              <a:avLst>
+                <a:gd name="adj" fmla="val 100000"/>
+              </a:avLst>
+            </a:prstGeom>
+            <a:solidFill>
+              <a:schemeClr val="accent2">
+                <a:alpha val="72000"/>
+              </a:schemeClr>
+            </a:solidFill>
+            <a:ln>
+              <a:noFill/>
+            </a:ln>
+            <a:effectLst/>
+          </p:spPr>
+          <p:style>
+            <a:lnRef idx="1">
+              <a:schemeClr val="accent1"/>
+            </a:lnRef>
+            <a:fillRef idx="3">
+              <a:schemeClr val="accent1"/>
+            </a:fillRef>
+            <a:effectRef idx="2">
+              <a:schemeClr val="accent1"/>
+            </a:effectRef>
+            <a:fontRef idx="minor">
+              <a:schemeClr val="lt1"/>
+            </a:fontRef>
+          </p:style>
+        </p:sp>
+        <p:sp>
+          <p:nvSpPr>
+            <p:cNvPr id="28" name="Rectangle 27"/>
+            <p:cNvSpPr/>
+            <p:nvPr/>
+          </p:nvSpPr>
+          <p:spPr>
+            <a:xfrm>
+              <a:off x="9334500" y="-8467"/>
+              <a:ext cx="2854326" cy="6866467"/>
+            </a:xfrm>
+            <a:custGeom>
+              <a:avLst/>
+              <a:gdLst/>
+              <a:ahLst/>
+              <a:cxnLst/>
+              <a:rect l="l" t="t" r="r" b="b"/>
+              <a:pathLst>
+                <a:path w="2858013" h="6866467">
+                  <a:moveTo>
+                    <a:pt x="0" y="0"/>
+                  </a:moveTo>
+                  <a:lnTo>
+                    <a:pt x="2858013" y="0"/>
+                  </a:lnTo>
+                  <a:lnTo>
+                    <a:pt x="2858013" y="6866467"/>
+                  </a:lnTo>
+                  <a:lnTo>
+                    <a:pt x="2473942" y="6866467"/>
+                  </a:lnTo>
+                  <a:lnTo>
+                    <a:pt x="0" y="0"/>
+                  </a:lnTo>
+                  <a:close/>
+                </a:path>
+              </a:pathLst>
+            </a:custGeom>
+            <a:solidFill>
+              <a:schemeClr val="accent2">
+                <a:lumMod val="75000"/>
+                <a:alpha val="70000"/>
+              </a:schemeClr>
+            </a:solidFill>
+            <a:ln>
+              <a:noFill/>
+            </a:ln>
+            <a:effectLst/>
+          </p:spPr>
+          <p:style>
+            <a:lnRef idx="1">
+              <a:schemeClr val="accent1"/>
+            </a:lnRef>
+            <a:fillRef idx="3">
+              <a:schemeClr val="accent1"/>
+            </a:fillRef>
+            <a:effectRef idx="2">
+              <a:schemeClr val="accent1"/>
+            </a:effectRef>
+            <a:fontRef idx="minor">
+              <a:schemeClr val="lt1"/>
+            </a:fontRef>
+          </p:style>
+        </p:sp>
+        <p:sp>
+          <p:nvSpPr>
+            <p:cNvPr id="29" name="Rectangle 28"/>
+            <p:cNvSpPr/>
+            <p:nvPr/>
+          </p:nvSpPr>
+          <p:spPr>
+            <a:xfrm>
+              <a:off x="10898730" y="-8467"/>
+              <a:ext cx="1290094" cy="6866467"/>
+            </a:xfrm>
+            <a:custGeom>
+              <a:avLst/>
+              <a:gdLst/>
+              <a:ahLst/>
+              <a:cxnLst/>
+              <a:rect l="l" t="t" r="r" b="b"/>
+              <a:pathLst>
+                <a:path w="1290094" h="6858000">
+                  <a:moveTo>
+                    <a:pt x="1019735" y="0"/>
+                  </a:moveTo>
+                  <a:lnTo>
+                    <a:pt x="1290094" y="0"/>
+                  </a:lnTo>
+                  <a:lnTo>
+                    <a:pt x="1290094" y="6858000"/>
+                  </a:lnTo>
+                  <a:lnTo>
+                    <a:pt x="0" y="6858000"/>
+                  </a:lnTo>
+                  <a:lnTo>
+                    <a:pt x="1019735" y="0"/>
+                  </a:lnTo>
+                  <a:close/>
+                </a:path>
+              </a:pathLst>
+            </a:custGeom>
+            <a:solidFill>
+              <a:schemeClr val="accent1">
+                <a:lumMod val="60000"/>
+                <a:lumOff val="40000"/>
+                <a:alpha val="70000"/>
+              </a:schemeClr>
+            </a:solidFill>
+            <a:ln>
+              <a:noFill/>
+            </a:ln>
+            <a:effectLst/>
+          </p:spPr>
+          <p:style>
+            <a:lnRef idx="1">
+              <a:schemeClr val="accent1"/>
+            </a:lnRef>
+            <a:fillRef idx="3">
+              <a:schemeClr val="accent1"/>
+            </a:fillRef>
+            <a:effectRef idx="2">
+              <a:schemeClr val="accent1"/>
+            </a:effectRef>
+            <a:fontRef idx="minor">
+              <a:schemeClr val="lt1"/>
+            </a:fontRef>
+          </p:style>
+        </p:sp>
+        <p:sp>
+          <p:nvSpPr>
+            <p:cNvPr id="30" name="Rectangle 29"/>
+            <p:cNvSpPr/>
+            <p:nvPr/>
+          </p:nvSpPr>
+          <p:spPr>
+            <a:xfrm>
+              <a:off x="10938999" y="-8467"/>
+              <a:ext cx="1249825" cy="6866467"/>
+            </a:xfrm>
+            <a:custGeom>
+              <a:avLst/>
+              <a:gdLst/>
+              <a:ahLst/>
+              <a:cxnLst/>
+              <a:rect l="l" t="t" r="r" b="b"/>
+              <a:pathLst>
+                <a:path w="1249825" h="6858000">
+                  <a:moveTo>
+                    <a:pt x="0" y="0"/>
+                  </a:moveTo>
+                  <a:lnTo>
+                    <a:pt x="1249825" y="0"/>
+                  </a:lnTo>
+                  <a:lnTo>
+                    <a:pt x="1249825" y="6858000"/>
+                  </a:lnTo>
+                  <a:lnTo>
+                    <a:pt x="1109382" y="6858000"/>
+                  </a:lnTo>
+                  <a:lnTo>
+                    <a:pt x="0" y="0"/>
+                  </a:lnTo>
+                  <a:close/>
+                </a:path>
+              </a:pathLst>
+            </a:custGeom>
+            <a:solidFill>
+              <a:schemeClr val="accent1">
+                <a:alpha val="65000"/>
+              </a:schemeClr>
+            </a:solidFill>
+            <a:ln>
+              <a:noFill/>
+            </a:ln>
+            <a:effectLst/>
+          </p:spPr>
+          <p:style>
+            <a:lnRef idx="1">
+              <a:schemeClr val="accent1"/>
+            </a:lnRef>
+            <a:fillRef idx="3">
+              <a:schemeClr val="accent1"/>
+            </a:fillRef>
+            <a:effectRef idx="2">
+              <a:schemeClr val="accent1"/>
+            </a:effectRef>
+            <a:fontRef idx="minor">
+              <a:schemeClr val="lt1"/>
+            </a:fontRef>
+          </p:style>
+        </p:sp>
+        <p:sp>
+          <p:nvSpPr>
+            <p:cNvPr id="31" name="Isosceles Triangle 30"/>
+            <p:cNvSpPr/>
+            <p:nvPr/>
+          </p:nvSpPr>
+          <p:spPr>
+            <a:xfrm>
+              <a:off x="10371666" y="3589867"/>
+              <a:ext cx="1817159" cy="3268133"/>
+            </a:xfrm>
+            <a:prstGeom prst="triangle">
+              <a:avLst>
+                <a:gd name="adj" fmla="val 100000"/>
+              </a:avLst>
+            </a:prstGeom>
+            <a:solidFill>
+              <a:schemeClr val="accent1">
+                <a:alpha val="80000"/>
+              </a:schemeClr>
+            </a:solidFill>
+            <a:ln>
+              <a:noFill/>
+            </a:ln>
+            <a:effectLst/>
+          </p:spPr>
+          <p:style>
+            <a:lnRef idx="1">
+              <a:schemeClr val="accent1"/>
+            </a:lnRef>
+            <a:fillRef idx="3">
+              <a:schemeClr val="accent1"/>
+            </a:fillRef>
+            <a:effectRef idx="2">
+              <a:schemeClr val="accent1"/>
+            </a:effectRef>
+            <a:fontRef idx="minor">
+              <a:schemeClr val="lt1"/>
+            </a:fontRef>
+          </p:style>
+        </p:sp>
+        <p:sp>
+          <p:nvSpPr>
+            <p:cNvPr id="19" name="Isosceles Triangle 18"/>
+            <p:cNvSpPr/>
+            <p:nvPr/>
+          </p:nvSpPr>
+          <p:spPr>
+            <a:xfrm rot="10800000">
+              <a:off x="0" y="0"/>
+              <a:ext cx="842596" cy="5666154"/>
+            </a:xfrm>
+            <a:prstGeom prst="triangle">
+              <a:avLst>
+                <a:gd name="adj" fmla="val 100000"/>
+              </a:avLst>
+            </a:prstGeom>
+            <a:solidFill>
+              <a:schemeClr val="accent1">
+                <a:alpha val="85000"/>
+              </a:schemeClr>
+            </a:solidFill>
+            <a:ln>
+              <a:noFill/>
+            </a:ln>
+            <a:effectLst/>
+          </p:spPr>
+          <p:style>
+            <a:lnRef idx="1">
+              <a:schemeClr val="accent1"/>
+            </a:lnRef>
+            <a:fillRef idx="3">
+              <a:schemeClr val="accent1"/>
+            </a:fillRef>
+            <a:effectRef idx="2">
+              <a:schemeClr val="accent1"/>
+            </a:effectRef>
+            <a:fontRef idx="minor">
+              <a:schemeClr val="lt1"/>
+            </a:fontRef>
+          </p:style>
+        </p:sp>
+      </p:grpSp>
       <p:sp>
         <p:nvSpPr>
           <p:cNvPr id="2" name="Title 1"/>
@@ -254,15 +687,21 @@
         </p:nvSpPr>
         <p:spPr>
           <a:xfrm>
-            <a:off x="810001" y="1449147"/>
-            <a:ext cx="10572000" cy="2971051"/>
+            <a:off x="1507067" y="2404534"/>
+            <a:ext cx="7766936" cy="1646302"/>
           </a:xfrm>
         </p:spPr>
         <p:txBody>
-          <a:bodyPr/>
+          <a:bodyPr anchor="b">
+            <a:noAutofit/>
+          </a:bodyPr>
           <a:lstStyle>
-            <a:lvl1pPr>
-              <a:defRPr sz="5400"/>
+            <a:lvl1pPr algn="r">
+              <a:defRPr sz="5400">
+                <a:solidFill>
+                  <a:schemeClr val="accent1"/>
+                </a:solidFill>
+              </a:defRPr>
             </a:lvl1pPr>
           </a:lstStyle>
           <a:p>
@@ -286,18 +725,21 @@
         </p:nvSpPr>
         <p:spPr>
           <a:xfrm>
-            <a:off x="810001" y="5280847"/>
-            <a:ext cx="10572000" cy="434974"/>
+            <a:off x="1507067" y="4050833"/>
+            <a:ext cx="7766936" cy="1096899"/>
           </a:xfrm>
         </p:spPr>
         <p:txBody>
           <a:bodyPr anchor="t"/>
           <a:lstStyle>
-            <a:lvl1pPr marL="0" indent="0" algn="l">
+            <a:lvl1pPr marL="0" indent="0" algn="r">
               <a:buNone/>
               <a:defRPr>
                 <a:solidFill>
-                  <a:schemeClr val="tx1"/>
+                  <a:schemeClr val="tx1">
+                    <a:lumMod val="50000"/>
+                    <a:lumOff val="50000"/>
+                  </a:schemeClr>
                 </a:solidFill>
               </a:defRPr>
             </a:lvl1pPr>
@@ -459,7 +901,7 @@
     </p:spTree>
     <p:extLst>
       <p:ext uri="{BB962C8B-B14F-4D97-AF65-F5344CB8AC3E}">
-        <p14:creationId xmlns:p14="http://schemas.microsoft.com/office/powerpoint/2010/main" val="2539989243"/>
+        <p14:creationId xmlns:p14="http://schemas.microsoft.com/office/powerpoint/2010/main" val="2539772685"/>
       </p:ext>
     </p:extLst>
   </p:cSld>
@@ -471,7 +913,7 @@
 
 <file path=ppt/slideLayouts/slideLayout10.xml><?xml version="1.0" encoding="utf-8"?>
 <p:sldLayout xmlns:a="http://schemas.openxmlformats.org/drawingml/2006/main" xmlns:r="http://schemas.openxmlformats.org/officeDocument/2006/relationships" xmlns:p="http://schemas.openxmlformats.org/presentationml/2006/main" preserve="1">
-  <p:cSld name="Panoramic Picture with Caption">
+  <p:cSld name="Title and Caption">
     <p:spTree>
       <p:nvGrpSpPr>
         <p:cNvPr id="1" name=""/>
@@ -498,17 +940,17 @@
         </p:nvSpPr>
         <p:spPr>
           <a:xfrm>
-            <a:off x="810000" y="4800600"/>
-            <a:ext cx="10561418" cy="566738"/>
+            <a:off x="677335" y="609600"/>
+            <a:ext cx="8596668" cy="3403600"/>
           </a:xfrm>
         </p:spPr>
         <p:txBody>
-          <a:bodyPr anchor="b">
+          <a:bodyPr anchor="ctr">
             <a:normAutofit/>
           </a:bodyPr>
           <a:lstStyle>
             <a:lvl1pPr algn="l">
-              <a:defRPr sz="2400" b="0"/>
+              <a:defRPr sz="4400" b="0" cap="none"/>
             </a:lvl1pPr>
           </a:lstStyle>
           <a:p>
@@ -522,182 +964,115 @@
       </p:sp>
       <p:sp>
         <p:nvSpPr>
-          <p:cNvPr id="15" name="Picture Placeholder 14"/>
-          <p:cNvSpPr>
-            <a:spLocks noGrp="1" noChangeAspect="1"/>
-          </p:cNvSpPr>
-          <p:nvPr>
-            <p:ph type="pic" sz="quarter" idx="13"/>
-          </p:nvPr>
-        </p:nvSpPr>
-        <p:spPr bwMode="auto">
+          <p:cNvPr id="3" name="Text Placeholder 2"/>
+          <p:cNvSpPr>
+            <a:spLocks noGrp="1"/>
+          </p:cNvSpPr>
+          <p:nvPr>
+            <p:ph type="body" idx="1"/>
+          </p:nvPr>
+        </p:nvSpPr>
+        <p:spPr>
           <a:xfrm>
-            <a:off x="0" y="0"/>
-            <a:ext cx="12192000" cy="4800600"/>
+            <a:off x="677335" y="4470400"/>
+            <a:ext cx="8596668" cy="1570962"/>
           </a:xfrm>
-          <a:custGeom>
-            <a:avLst/>
-            <a:gdLst/>
-            <a:ahLst/>
-            <a:cxnLst/>
-            <a:rect l="0" t="0" r="r" b="b"/>
-            <a:pathLst>
-              <a:path w="5760" h="3289">
-                <a:moveTo>
-                  <a:pt x="5760" y="0"/>
-                </a:moveTo>
-                <a:lnTo>
-                  <a:pt x="0" y="0"/>
-                </a:lnTo>
-                <a:lnTo>
-                  <a:pt x="0" y="3100"/>
-                </a:lnTo>
-                <a:lnTo>
-                  <a:pt x="943" y="3100"/>
-                </a:lnTo>
-                <a:lnTo>
-                  <a:pt x="1123" y="3281"/>
-                </a:lnTo>
-                <a:lnTo>
-                  <a:pt x="1123" y="3281"/>
-                </a:lnTo>
-                <a:lnTo>
-                  <a:pt x="1127" y="3283"/>
-                </a:lnTo>
-                <a:lnTo>
-                  <a:pt x="1133" y="3286"/>
-                </a:lnTo>
-                <a:lnTo>
-                  <a:pt x="1139" y="3289"/>
-                </a:lnTo>
-                <a:lnTo>
-                  <a:pt x="1144" y="3289"/>
-                </a:lnTo>
-                <a:lnTo>
-                  <a:pt x="1150" y="3289"/>
-                </a:lnTo>
-                <a:lnTo>
-                  <a:pt x="1155" y="3286"/>
-                </a:lnTo>
-                <a:lnTo>
-                  <a:pt x="1161" y="3283"/>
-                </a:lnTo>
-                <a:lnTo>
-                  <a:pt x="1165" y="3281"/>
-                </a:lnTo>
-                <a:lnTo>
-                  <a:pt x="1345" y="3100"/>
-                </a:lnTo>
-                <a:lnTo>
-                  <a:pt x="5760" y="3100"/>
-                </a:lnTo>
-                <a:lnTo>
-                  <a:pt x="5760" y="0"/>
-                </a:lnTo>
-                <a:close/>
-              </a:path>
-            </a:pathLst>
-          </a:custGeom>
-          <a:noFill/>
-          <a:ln>
-            <a:solidFill>
-              <a:schemeClr val="tx2"/>
-            </a:solidFill>
-          </a:ln>
         </p:spPr>
-        <p:style>
-          <a:lnRef idx="1">
-            <a:schemeClr val="accent1"/>
-          </a:lnRef>
-          <a:fillRef idx="3">
-            <a:schemeClr val="accent1"/>
-          </a:fillRef>
-          <a:effectRef idx="2">
-            <a:schemeClr val="accent1"/>
-          </a:effectRef>
-          <a:fontRef idx="minor">
-            <a:schemeClr val="lt1"/>
-          </a:fontRef>
-        </p:style>
-        <p:txBody>
-          <a:bodyPr wrap="square" numCol="1" anchor="t" anchorCtr="0" compatLnSpc="1">
-            <a:prstTxWarp prst="textNoShape">
-              <a:avLst/>
-            </a:prstTxWarp>
+        <p:txBody>
+          <a:bodyPr anchor="ctr">
             <a:normAutofit/>
           </a:bodyPr>
           <a:lstStyle>
-            <a:lvl1pPr marL="0" indent="0" algn="ctr">
-              <a:buFontTx/>
-              <a:buNone/>
-              <a:defRPr sz="1600"/>
-            </a:lvl1pPr>
-          </a:lstStyle>
-          <a:p>
-            <a:r>
-              <a:rPr lang="en-US"/>
-              <a:t>Click icon to add picture</a:t>
-            </a:r>
-            <a:endParaRPr lang="en-US" dirty="0"/>
-          </a:p>
-        </p:txBody>
-      </p:sp>
-      <p:sp>
-        <p:nvSpPr>
-          <p:cNvPr id="4" name="Text Placeholder 3"/>
-          <p:cNvSpPr>
-            <a:spLocks noGrp="1"/>
-          </p:cNvSpPr>
-          <p:nvPr>
-            <p:ph type="body" sz="half" idx="2"/>
-          </p:nvPr>
-        </p:nvSpPr>
-        <p:spPr>
-          <a:xfrm>
-            <a:off x="810000" y="5367338"/>
-            <a:ext cx="10561418" cy="493712"/>
-          </a:xfrm>
-        </p:spPr>
-        <p:txBody>
-          <a:bodyPr>
-            <a:normAutofit/>
-          </a:bodyPr>
-          <a:lstStyle>
-            <a:lvl1pPr marL="0" indent="0">
-              <a:buNone/>
-              <a:defRPr sz="1200"/>
+            <a:lvl1pPr marL="0" indent="0" algn="l">
+              <a:buNone/>
+              <a:defRPr sz="1800">
+                <a:solidFill>
+                  <a:schemeClr val="tx1">
+                    <a:lumMod val="75000"/>
+                    <a:lumOff val="25000"/>
+                  </a:schemeClr>
+                </a:solidFill>
+              </a:defRPr>
             </a:lvl1pPr>
             <a:lvl2pPr marL="457200" indent="0">
               <a:buNone/>
-              <a:defRPr sz="1200"/>
+              <a:defRPr sz="1800">
+                <a:solidFill>
+                  <a:schemeClr val="tx1">
+                    <a:tint val="75000"/>
+                  </a:schemeClr>
+                </a:solidFill>
+              </a:defRPr>
             </a:lvl2pPr>
             <a:lvl3pPr marL="914400" indent="0">
               <a:buNone/>
-              <a:defRPr sz="1000"/>
+              <a:defRPr sz="1600">
+                <a:solidFill>
+                  <a:schemeClr val="tx1">
+                    <a:tint val="75000"/>
+                  </a:schemeClr>
+                </a:solidFill>
+              </a:defRPr>
             </a:lvl3pPr>
             <a:lvl4pPr marL="1371600" indent="0">
               <a:buNone/>
-              <a:defRPr sz="900"/>
+              <a:defRPr sz="1400">
+                <a:solidFill>
+                  <a:schemeClr val="tx1">
+                    <a:tint val="75000"/>
+                  </a:schemeClr>
+                </a:solidFill>
+              </a:defRPr>
             </a:lvl4pPr>
             <a:lvl5pPr marL="1828800" indent="0">
               <a:buNone/>
-              <a:defRPr sz="900"/>
+              <a:defRPr sz="1400">
+                <a:solidFill>
+                  <a:schemeClr val="tx1">
+                    <a:tint val="75000"/>
+                  </a:schemeClr>
+                </a:solidFill>
+              </a:defRPr>
             </a:lvl5pPr>
             <a:lvl6pPr marL="2286000" indent="0">
               <a:buNone/>
-              <a:defRPr sz="900"/>
+              <a:defRPr sz="1400">
+                <a:solidFill>
+                  <a:schemeClr val="tx1">
+                    <a:tint val="75000"/>
+                  </a:schemeClr>
+                </a:solidFill>
+              </a:defRPr>
             </a:lvl6pPr>
             <a:lvl7pPr marL="2743200" indent="0">
               <a:buNone/>
-              <a:defRPr sz="900"/>
+              <a:defRPr sz="1400">
+                <a:solidFill>
+                  <a:schemeClr val="tx1">
+                    <a:tint val="75000"/>
+                  </a:schemeClr>
+                </a:solidFill>
+              </a:defRPr>
             </a:lvl7pPr>
             <a:lvl8pPr marL="3200400" indent="0">
               <a:buNone/>
-              <a:defRPr sz="900"/>
+              <a:defRPr sz="1400">
+                <a:solidFill>
+                  <a:schemeClr val="tx1">
+                    <a:tint val="75000"/>
+                  </a:schemeClr>
+                </a:solidFill>
+              </a:defRPr>
             </a:lvl8pPr>
             <a:lvl9pPr marL="3657600" indent="0">
               <a:buNone/>
-              <a:defRPr sz="900"/>
+              <a:defRPr sz="1400">
+                <a:solidFill>
+                  <a:schemeClr val="tx1">
+                    <a:tint val="75000"/>
+                  </a:schemeClr>
+                </a:solidFill>
+              </a:defRPr>
             </a:lvl9pPr>
           </a:lstStyle>
           <a:p>
@@ -711,7 +1086,7 @@
       </p:sp>
       <p:sp>
         <p:nvSpPr>
-          <p:cNvPr id="5" name="Date Placeholder 4"/>
+          <p:cNvPr id="4" name="Date Placeholder 3"/>
           <p:cNvSpPr>
             <a:spLocks noGrp="1"/>
           </p:cNvSpPr>
@@ -734,7 +1109,7 @@
       </p:sp>
       <p:sp>
         <p:nvSpPr>
-          <p:cNvPr id="6" name="Footer Placeholder 5"/>
+          <p:cNvPr id="5" name="Footer Placeholder 4"/>
           <p:cNvSpPr>
             <a:spLocks noGrp="1"/>
           </p:cNvSpPr>
@@ -753,7 +1128,7 @@
       </p:sp>
       <p:sp>
         <p:nvSpPr>
-          <p:cNvPr id="7" name="Slide Number Placeholder 6"/>
+          <p:cNvPr id="6" name="Slide Number Placeholder 5"/>
           <p:cNvSpPr>
             <a:spLocks noGrp="1"/>
           </p:cNvSpPr>
@@ -777,7 +1152,7 @@
     </p:spTree>
     <p:extLst>
       <p:ext uri="{BB962C8B-B14F-4D97-AF65-F5344CB8AC3E}">
-        <p14:creationId xmlns:p14="http://schemas.microsoft.com/office/powerpoint/2010/main" val="2815518654"/>
+        <p14:creationId xmlns:p14="http://schemas.microsoft.com/office/powerpoint/2010/main" val="594993472"/>
       </p:ext>
     </p:extLst>
   </p:cSld>
@@ -806,214 +1181,6 @@
       </p:grpSpPr>
       <p:sp>
         <p:nvSpPr>
-          <p:cNvPr id="8" name="Freeform 6"/>
-          <p:cNvSpPr>
-            <a:spLocks noChangeAspect="1"/>
-          </p:cNvSpPr>
-          <p:nvPr/>
-        </p:nvSpPr>
-        <p:spPr bwMode="auto">
-          <a:xfrm>
-            <a:off x="631697" y="1081456"/>
-            <a:ext cx="6332416" cy="3239188"/>
-          </a:xfrm>
-          <a:custGeom>
-            <a:avLst/>
-            <a:gdLst/>
-            <a:ahLst/>
-            <a:cxnLst/>
-            <a:rect l="0" t="0" r="r" b="b"/>
-            <a:pathLst>
-              <a:path w="3384" h="2308">
-                <a:moveTo>
-                  <a:pt x="3340" y="0"/>
-                </a:moveTo>
-                <a:lnTo>
-                  <a:pt x="44" y="0"/>
-                </a:lnTo>
-                <a:lnTo>
-                  <a:pt x="44" y="0"/>
-                </a:lnTo>
-                <a:lnTo>
-                  <a:pt x="34" y="0"/>
-                </a:lnTo>
-                <a:lnTo>
-                  <a:pt x="26" y="4"/>
-                </a:lnTo>
-                <a:lnTo>
-                  <a:pt x="20" y="8"/>
-                </a:lnTo>
-                <a:lnTo>
-                  <a:pt x="12" y="12"/>
-                </a:lnTo>
-                <a:lnTo>
-                  <a:pt x="8" y="20"/>
-                </a:lnTo>
-                <a:lnTo>
-                  <a:pt x="4" y="26"/>
-                </a:lnTo>
-                <a:lnTo>
-                  <a:pt x="0" y="34"/>
-                </a:lnTo>
-                <a:lnTo>
-                  <a:pt x="0" y="44"/>
-                </a:lnTo>
-                <a:lnTo>
-                  <a:pt x="0" y="2076"/>
-                </a:lnTo>
-                <a:lnTo>
-                  <a:pt x="0" y="2076"/>
-                </a:lnTo>
-                <a:lnTo>
-                  <a:pt x="0" y="2086"/>
-                </a:lnTo>
-                <a:lnTo>
-                  <a:pt x="4" y="2094"/>
-                </a:lnTo>
-                <a:lnTo>
-                  <a:pt x="8" y="2100"/>
-                </a:lnTo>
-                <a:lnTo>
-                  <a:pt x="12" y="2108"/>
-                </a:lnTo>
-                <a:lnTo>
-                  <a:pt x="20" y="2112"/>
-                </a:lnTo>
-                <a:lnTo>
-                  <a:pt x="26" y="2116"/>
-                </a:lnTo>
-                <a:lnTo>
-                  <a:pt x="34" y="2120"/>
-                </a:lnTo>
-                <a:lnTo>
-                  <a:pt x="44" y="2120"/>
-                </a:lnTo>
-                <a:lnTo>
-                  <a:pt x="474" y="2120"/>
-                </a:lnTo>
-                <a:lnTo>
-                  <a:pt x="650" y="2296"/>
-                </a:lnTo>
-                <a:lnTo>
-                  <a:pt x="650" y="2296"/>
-                </a:lnTo>
-                <a:lnTo>
-                  <a:pt x="656" y="2300"/>
-                </a:lnTo>
-                <a:lnTo>
-                  <a:pt x="664" y="2304"/>
-                </a:lnTo>
-                <a:lnTo>
-                  <a:pt x="672" y="2308"/>
-                </a:lnTo>
-                <a:lnTo>
-                  <a:pt x="680" y="2308"/>
-                </a:lnTo>
-                <a:lnTo>
-                  <a:pt x="688" y="2308"/>
-                </a:lnTo>
-                <a:lnTo>
-                  <a:pt x="696" y="2304"/>
-                </a:lnTo>
-                <a:lnTo>
-                  <a:pt x="704" y="2300"/>
-                </a:lnTo>
-                <a:lnTo>
-                  <a:pt x="710" y="2296"/>
-                </a:lnTo>
-                <a:lnTo>
-                  <a:pt x="886" y="2120"/>
-                </a:lnTo>
-                <a:lnTo>
-                  <a:pt x="3340" y="2120"/>
-                </a:lnTo>
-                <a:lnTo>
-                  <a:pt x="3340" y="2120"/>
-                </a:lnTo>
-                <a:lnTo>
-                  <a:pt x="3350" y="2120"/>
-                </a:lnTo>
-                <a:lnTo>
-                  <a:pt x="3358" y="2116"/>
-                </a:lnTo>
-                <a:lnTo>
-                  <a:pt x="3364" y="2112"/>
-                </a:lnTo>
-                <a:lnTo>
-                  <a:pt x="3372" y="2108"/>
-                </a:lnTo>
-                <a:lnTo>
-                  <a:pt x="3376" y="2100"/>
-                </a:lnTo>
-                <a:lnTo>
-                  <a:pt x="3380" y="2094"/>
-                </a:lnTo>
-                <a:lnTo>
-                  <a:pt x="3384" y="2086"/>
-                </a:lnTo>
-                <a:lnTo>
-                  <a:pt x="3384" y="2076"/>
-                </a:lnTo>
-                <a:lnTo>
-                  <a:pt x="3384" y="44"/>
-                </a:lnTo>
-                <a:lnTo>
-                  <a:pt x="3384" y="44"/>
-                </a:lnTo>
-                <a:lnTo>
-                  <a:pt x="3384" y="34"/>
-                </a:lnTo>
-                <a:lnTo>
-                  <a:pt x="3380" y="26"/>
-                </a:lnTo>
-                <a:lnTo>
-                  <a:pt x="3376" y="20"/>
-                </a:lnTo>
-                <a:lnTo>
-                  <a:pt x="3372" y="12"/>
-                </a:lnTo>
-                <a:lnTo>
-                  <a:pt x="3364" y="8"/>
-                </a:lnTo>
-                <a:lnTo>
-                  <a:pt x="3358" y="4"/>
-                </a:lnTo>
-                <a:lnTo>
-                  <a:pt x="3350" y="0"/>
-                </a:lnTo>
-                <a:lnTo>
-                  <a:pt x="3340" y="0"/>
-                </a:lnTo>
-                <a:lnTo>
-                  <a:pt x="3340" y="0"/>
-                </a:lnTo>
-                <a:close/>
-              </a:path>
-            </a:pathLst>
-          </a:custGeom>
-          <a:ln>
-            <a:solidFill>
-              <a:schemeClr val="accent1"/>
-            </a:solidFill>
-          </a:ln>
-        </p:spPr>
-        <p:style>
-          <a:lnRef idx="1">
-            <a:schemeClr val="accent1"/>
-          </a:lnRef>
-          <a:fillRef idx="3">
-            <a:schemeClr val="accent1"/>
-          </a:fillRef>
-          <a:effectRef idx="2">
-            <a:schemeClr val="accent1"/>
-          </a:effectRef>
-          <a:fontRef idx="minor">
-            <a:schemeClr val="lt1"/>
-          </a:fontRef>
-        </p:style>
-      </p:sp>
-      <p:sp>
-        <p:nvSpPr>
           <p:cNvPr id="2" name="Title 1"/>
           <p:cNvSpPr>
             <a:spLocks noGrp="1"/>
@@ -1024,15 +1191,17 @@
         </p:nvSpPr>
         <p:spPr>
           <a:xfrm>
-            <a:off x="850985" y="1238502"/>
-            <a:ext cx="5893840" cy="2645912"/>
+            <a:off x="931334" y="609600"/>
+            <a:ext cx="8094134" cy="3022600"/>
           </a:xfrm>
         </p:spPr>
         <p:txBody>
-          <a:bodyPr anchor="b"/>
+          <a:bodyPr anchor="ctr">
+            <a:normAutofit/>
+          </a:bodyPr>
           <a:lstStyle>
             <a:lvl1pPr algn="l">
-              <a:defRPr sz="4200" b="1" cap="none"/>
+              <a:defRPr sz="4400" b="0" cap="none"/>
             </a:lvl1pPr>
           </a:lstStyle>
           <a:p>
@@ -1046,30 +1215,96 @@
       </p:sp>
       <p:sp>
         <p:nvSpPr>
-          <p:cNvPr id="3" name="Text Placeholder 2"/>
-          <p:cNvSpPr>
-            <a:spLocks noGrp="1"/>
-          </p:cNvSpPr>
-          <p:nvPr>
-            <p:ph type="body" idx="1"/>
+          <p:cNvPr id="23" name="Text Placeholder 9"/>
+          <p:cNvSpPr>
+            <a:spLocks noGrp="1"/>
+          </p:cNvSpPr>
+          <p:nvPr>
+            <p:ph type="body" sz="quarter" idx="13"/>
           </p:nvPr>
         </p:nvSpPr>
         <p:spPr>
           <a:xfrm>
-            <a:off x="853190" y="4443680"/>
-            <a:ext cx="5891636" cy="713241"/>
+            <a:off x="1366139" y="3632200"/>
+            <a:ext cx="7224524" cy="381000"/>
           </a:xfrm>
         </p:spPr>
         <p:txBody>
-          <a:bodyPr anchor="t">
+          <a:bodyPr anchor="ctr">
             <a:noAutofit/>
           </a:bodyPr>
           <a:lstStyle>
+            <a:lvl1pPr marL="0" indent="0">
+              <a:buFontTx/>
+              <a:buNone/>
+              <a:defRPr sz="1600">
+                <a:solidFill>
+                  <a:schemeClr val="tx1">
+                    <a:lumMod val="50000"/>
+                    <a:lumOff val="50000"/>
+                  </a:schemeClr>
+                </a:solidFill>
+              </a:defRPr>
+            </a:lvl1pPr>
+            <a:lvl2pPr marL="457200" indent="0">
+              <a:buFontTx/>
+              <a:buNone/>
+              <a:defRPr/>
+            </a:lvl2pPr>
+            <a:lvl3pPr marL="914400" indent="0">
+              <a:buFontTx/>
+              <a:buNone/>
+              <a:defRPr/>
+            </a:lvl3pPr>
+            <a:lvl4pPr marL="1371600" indent="0">
+              <a:buFontTx/>
+              <a:buNone/>
+              <a:defRPr/>
+            </a:lvl4pPr>
+            <a:lvl5pPr marL="1828800" indent="0">
+              <a:buFontTx/>
+              <a:buNone/>
+              <a:defRPr/>
+            </a:lvl5pPr>
+          </a:lstStyle>
+          <a:p>
+            <a:pPr lvl="0"/>
+            <a:r>
+              <a:rPr lang="en-US"/>
+              <a:t>Click to edit Master text styles</a:t>
+            </a:r>
+          </a:p>
+        </p:txBody>
+      </p:sp>
+      <p:sp>
+        <p:nvSpPr>
+          <p:cNvPr id="3" name="Text Placeholder 2"/>
+          <p:cNvSpPr>
+            <a:spLocks noGrp="1"/>
+          </p:cNvSpPr>
+          <p:nvPr>
+            <p:ph type="body" idx="1"/>
+          </p:nvPr>
+        </p:nvSpPr>
+        <p:spPr>
+          <a:xfrm>
+            <a:off x="677335" y="4470400"/>
+            <a:ext cx="8596668" cy="1570962"/>
+          </a:xfrm>
+        </p:spPr>
+        <p:txBody>
+          <a:bodyPr anchor="ctr">
+            <a:normAutofit/>
+          </a:bodyPr>
+          <a:lstStyle>
             <a:lvl1pPr marL="0" indent="0" algn="l">
               <a:buNone/>
               <a:defRPr sz="1800">
                 <a:solidFill>
-                  <a:schemeClr val="tx1"/>
+                  <a:schemeClr val="tx1">
+                    <a:lumMod val="75000"/>
+                    <a:lumOff val="25000"/>
+                  </a:schemeClr>
                 </a:solidFill>
               </a:defRPr>
             </a:lvl1pPr>
@@ -1165,40 +1400,6 @@
       </p:sp>
       <p:sp>
         <p:nvSpPr>
-          <p:cNvPr id="9" name="Text Placeholder 5"/>
-          <p:cNvSpPr>
-            <a:spLocks noGrp="1"/>
-          </p:cNvSpPr>
-          <p:nvPr>
-            <p:ph type="body" sz="quarter" idx="16"/>
-          </p:nvPr>
-        </p:nvSpPr>
-        <p:spPr>
-          <a:xfrm>
-            <a:off x="7574642" y="1081456"/>
-            <a:ext cx="3810001" cy="4075465"/>
-          </a:xfrm>
-        </p:spPr>
-        <p:txBody>
-          <a:bodyPr anchor="t"/>
-          <a:lstStyle>
-            <a:lvl1pPr marL="0" indent="0">
-              <a:buFontTx/>
-              <a:buNone/>
-              <a:defRPr/>
-            </a:lvl1pPr>
-          </a:lstStyle>
-          <a:p>
-            <a:pPr lvl="0"/>
-            <a:r>
-              <a:rPr lang="en-US"/>
-              <a:t>Click to edit Master text styles</a:t>
-            </a:r>
-          </a:p>
-        </p:txBody>
-      </p:sp>
-      <p:sp>
-        <p:nvSpPr>
           <p:cNvPr id="4" name="Date Placeholder 3"/>
           <p:cNvSpPr>
             <a:spLocks noGrp="1"/>
@@ -1262,10 +1463,100 @@
           </a:p>
         </p:txBody>
       </p:sp>
+      <p:sp>
+        <p:nvSpPr>
+          <p:cNvPr id="20" name="TextBox 19"/>
+          <p:cNvSpPr txBox="1"/>
+          <p:nvPr/>
+        </p:nvSpPr>
+        <p:spPr>
+          <a:xfrm>
+            <a:off x="541870" y="790378"/>
+            <a:ext cx="609600" cy="584776"/>
+          </a:xfrm>
+          <a:prstGeom prst="rect">
+            <a:avLst/>
+          </a:prstGeom>
+        </p:spPr>
+        <p:txBody>
+          <a:bodyPr vert="horz" lIns="91440" tIns="45720" rIns="91440" bIns="45720" rtlCol="0" anchor="ctr">
+            <a:noAutofit/>
+          </a:bodyPr>
+          <a:lstStyle/>
+          <a:p>
+            <a:pPr lvl="0"/>
+            <a:r>
+              <a:rPr lang="en-US" sz="8000" baseline="0" dirty="0">
+                <a:ln w="3175" cmpd="sng">
+                  <a:noFill/>
+                </a:ln>
+                <a:solidFill>
+                  <a:schemeClr val="accent1">
+                    <a:lumMod val="60000"/>
+                    <a:lumOff val="40000"/>
+                  </a:schemeClr>
+                </a:solidFill>
+                <a:effectLst/>
+                <a:latin typeface="Arial"/>
+              </a:rPr>
+              <a:t>“</a:t>
+            </a:r>
+          </a:p>
+        </p:txBody>
+      </p:sp>
+      <p:sp>
+        <p:nvSpPr>
+          <p:cNvPr id="22" name="TextBox 21"/>
+          <p:cNvSpPr txBox="1"/>
+          <p:nvPr/>
+        </p:nvSpPr>
+        <p:spPr>
+          <a:xfrm>
+            <a:off x="8893011" y="2886556"/>
+            <a:ext cx="609600" cy="584776"/>
+          </a:xfrm>
+          <a:prstGeom prst="rect">
+            <a:avLst/>
+          </a:prstGeom>
+        </p:spPr>
+        <p:txBody>
+          <a:bodyPr vert="horz" lIns="91440" tIns="45720" rIns="91440" bIns="45720" rtlCol="0" anchor="ctr">
+            <a:noAutofit/>
+          </a:bodyPr>
+          <a:lstStyle/>
+          <a:p>
+            <a:pPr lvl="0"/>
+            <a:r>
+              <a:rPr lang="en-US" sz="8000" baseline="0" dirty="0">
+                <a:ln w="3175" cmpd="sng">
+                  <a:noFill/>
+                </a:ln>
+                <a:solidFill>
+                  <a:schemeClr val="accent1">
+                    <a:lumMod val="60000"/>
+                    <a:lumOff val="40000"/>
+                  </a:schemeClr>
+                </a:solidFill>
+                <a:latin typeface="Arial"/>
+              </a:rPr>
+              <a:t>”</a:t>
+            </a:r>
+            <a:endParaRPr lang="en-US" dirty="0">
+              <a:solidFill>
+                <a:schemeClr val="accent1">
+                  <a:lumMod val="60000"/>
+                  <a:lumOff val="40000"/>
+                </a:schemeClr>
+              </a:solidFill>
+              <a:latin typeface="Arial"/>
+            </a:endParaRPr>
+          </a:p>
+        </p:txBody>
+      </p:sp>
     </p:spTree>
     <p:extLst>
       <p:ext uri="{BB962C8B-B14F-4D97-AF65-F5344CB8AC3E}">
-        <p14:creationId xmlns:p14="http://schemas.microsoft.com/office/powerpoint/2010/main" val="389527662"/>
+        <p14:creationId xmlns:p14="http://schemas.microsoft.com/office/powerpoint/2010/main" val="1758881227"/>
       </p:ext>
     </p:extLst>
   </p:cSld>
@@ -1294,215 +1585,7 @@
       </p:grpSpPr>
       <p:sp>
         <p:nvSpPr>
-          <p:cNvPr id="9" name="Freeform 6"/>
-          <p:cNvSpPr>
-            <a:spLocks noChangeAspect="1"/>
-          </p:cNvSpPr>
-          <p:nvPr/>
-        </p:nvSpPr>
-        <p:spPr bwMode="auto">
-          <a:xfrm>
-            <a:off x="1140884" y="2286585"/>
-            <a:ext cx="4895115" cy="2503972"/>
-          </a:xfrm>
-          <a:custGeom>
-            <a:avLst/>
-            <a:gdLst/>
-            <a:ahLst/>
-            <a:cxnLst/>
-            <a:rect l="0" t="0" r="r" b="b"/>
-            <a:pathLst>
-              <a:path w="3384" h="2308">
-                <a:moveTo>
-                  <a:pt x="3340" y="0"/>
-                </a:moveTo>
-                <a:lnTo>
-                  <a:pt x="44" y="0"/>
-                </a:lnTo>
-                <a:lnTo>
-                  <a:pt x="44" y="0"/>
-                </a:lnTo>
-                <a:lnTo>
-                  <a:pt x="34" y="0"/>
-                </a:lnTo>
-                <a:lnTo>
-                  <a:pt x="26" y="4"/>
-                </a:lnTo>
-                <a:lnTo>
-                  <a:pt x="20" y="8"/>
-                </a:lnTo>
-                <a:lnTo>
-                  <a:pt x="12" y="12"/>
-                </a:lnTo>
-                <a:lnTo>
-                  <a:pt x="8" y="20"/>
-                </a:lnTo>
-                <a:lnTo>
-                  <a:pt x="4" y="26"/>
-                </a:lnTo>
-                <a:lnTo>
-                  <a:pt x="0" y="34"/>
-                </a:lnTo>
-                <a:lnTo>
-                  <a:pt x="0" y="44"/>
-                </a:lnTo>
-                <a:lnTo>
-                  <a:pt x="0" y="2076"/>
-                </a:lnTo>
-                <a:lnTo>
-                  <a:pt x="0" y="2076"/>
-                </a:lnTo>
-                <a:lnTo>
-                  <a:pt x="0" y="2086"/>
-                </a:lnTo>
-                <a:lnTo>
-                  <a:pt x="4" y="2094"/>
-                </a:lnTo>
-                <a:lnTo>
-                  <a:pt x="8" y="2100"/>
-                </a:lnTo>
-                <a:lnTo>
-                  <a:pt x="12" y="2108"/>
-                </a:lnTo>
-                <a:lnTo>
-                  <a:pt x="20" y="2112"/>
-                </a:lnTo>
-                <a:lnTo>
-                  <a:pt x="26" y="2116"/>
-                </a:lnTo>
-                <a:lnTo>
-                  <a:pt x="34" y="2120"/>
-                </a:lnTo>
-                <a:lnTo>
-                  <a:pt x="44" y="2120"/>
-                </a:lnTo>
-                <a:lnTo>
-                  <a:pt x="474" y="2120"/>
-                </a:lnTo>
-                <a:lnTo>
-                  <a:pt x="650" y="2296"/>
-                </a:lnTo>
-                <a:lnTo>
-                  <a:pt x="650" y="2296"/>
-                </a:lnTo>
-                <a:lnTo>
-                  <a:pt x="656" y="2300"/>
-                </a:lnTo>
-                <a:lnTo>
-                  <a:pt x="664" y="2304"/>
-                </a:lnTo>
-                <a:lnTo>
-                  <a:pt x="672" y="2308"/>
-                </a:lnTo>
-                <a:lnTo>
-                  <a:pt x="680" y="2308"/>
-                </a:lnTo>
-                <a:lnTo>
-                  <a:pt x="688" y="2308"/>
-                </a:lnTo>
-                <a:lnTo>
-                  <a:pt x="696" y="2304"/>
-                </a:lnTo>
-                <a:lnTo>
-                  <a:pt x="704" y="2300"/>
-                </a:lnTo>
-                <a:lnTo>
-                  <a:pt x="710" y="2296"/>
-                </a:lnTo>
-                <a:lnTo>
-                  <a:pt x="886" y="2120"/>
-                </a:lnTo>
-                <a:lnTo>
-                  <a:pt x="3340" y="2120"/>
-                </a:lnTo>
-                <a:lnTo>
-                  <a:pt x="3340" y="2120"/>
-                </a:lnTo>
-                <a:lnTo>
-                  <a:pt x="3350" y="2120"/>
-                </a:lnTo>
-                <a:lnTo>
-                  <a:pt x="3358" y="2116"/>
-                </a:lnTo>
-                <a:lnTo>
-                  <a:pt x="3364" y="2112"/>
-                </a:lnTo>
-                <a:lnTo>
-                  <a:pt x="3372" y="2108"/>
-                </a:lnTo>
-                <a:lnTo>
-                  <a:pt x="3376" y="2100"/>
-                </a:lnTo>
-                <a:lnTo>
-                  <a:pt x="3380" y="2094"/>
-                </a:lnTo>
-                <a:lnTo>
-                  <a:pt x="3384" y="2086"/>
-                </a:lnTo>
-                <a:lnTo>
-                  <a:pt x="3384" y="2076"/>
-                </a:lnTo>
-                <a:lnTo>
-                  <a:pt x="3384" y="44"/>
-                </a:lnTo>
-                <a:lnTo>
-                  <a:pt x="3384" y="44"/>
-                </a:lnTo>
-                <a:lnTo>
-                  <a:pt x="3384" y="34"/>
-                </a:lnTo>
-                <a:lnTo>
-                  <a:pt x="3380" y="26"/>
-                </a:lnTo>
-                <a:lnTo>
-                  <a:pt x="3376" y="20"/>
-                </a:lnTo>
-                <a:lnTo>
-                  <a:pt x="3372" y="12"/>
-                </a:lnTo>
-                <a:lnTo>
-                  <a:pt x="3364" y="8"/>
-                </a:lnTo>
-                <a:lnTo>
-                  <a:pt x="3358" y="4"/>
-                </a:lnTo>
-                <a:lnTo>
-                  <a:pt x="3350" y="0"/>
-                </a:lnTo>
-                <a:lnTo>
-                  <a:pt x="3340" y="0"/>
-                </a:lnTo>
-                <a:lnTo>
-                  <a:pt x="3340" y="0"/>
-                </a:lnTo>
-                <a:close/>
-              </a:path>
-            </a:pathLst>
-          </a:custGeom>
-          <a:ln>
-            <a:solidFill>
-              <a:schemeClr val="accent1"/>
-            </a:solidFill>
-          </a:ln>
-        </p:spPr>
-        <p:style>
-          <a:lnRef idx="1">
-            <a:schemeClr val="accent1"/>
-          </a:lnRef>
-          <a:fillRef idx="3">
-            <a:schemeClr val="accent1"/>
-          </a:fillRef>
-          <a:effectRef idx="2">
-            <a:schemeClr val="accent1"/>
-          </a:effectRef>
-          <a:fontRef idx="minor">
-            <a:schemeClr val="lt1"/>
-          </a:fontRef>
-        </p:style>
-      </p:sp>
-      <p:sp>
-        <p:nvSpPr>
-          <p:cNvPr id="38" name="Title 1"/>
+          <p:cNvPr id="2" name="Title 1"/>
           <p:cNvSpPr>
             <a:spLocks noGrp="1"/>
           </p:cNvSpPr>
@@ -1512,15 +1595,17 @@
         </p:nvSpPr>
         <p:spPr>
           <a:xfrm>
-            <a:off x="1357089" y="2435957"/>
-            <a:ext cx="4382521" cy="2007789"/>
+            <a:off x="677335" y="1931988"/>
+            <a:ext cx="8596668" cy="2595460"/>
           </a:xfrm>
         </p:spPr>
         <p:txBody>
-          <a:bodyPr/>
+          <a:bodyPr anchor="b">
+            <a:normAutofit/>
+          </a:bodyPr>
           <a:lstStyle>
-            <a:lvl1pPr>
-              <a:defRPr sz="3200"/>
+            <a:lvl1pPr algn="l">
+              <a:defRPr sz="4400" b="0" cap="none"/>
             </a:lvl1pPr>
           </a:lstStyle>
           <a:p>
@@ -1534,28 +1619,116 @@
       </p:sp>
       <p:sp>
         <p:nvSpPr>
-          <p:cNvPr id="6" name="Text Placeholder 5"/>
-          <p:cNvSpPr>
-            <a:spLocks noGrp="1"/>
-          </p:cNvSpPr>
-          <p:nvPr>
-            <p:ph type="body" sz="quarter" idx="16"/>
+          <p:cNvPr id="3" name="Text Placeholder 2"/>
+          <p:cNvSpPr>
+            <a:spLocks noGrp="1"/>
+          </p:cNvSpPr>
+          <p:nvPr>
+            <p:ph type="body" idx="1"/>
           </p:nvPr>
         </p:nvSpPr>
         <p:spPr>
           <a:xfrm>
-            <a:off x="6156000" y="2286000"/>
-            <a:ext cx="4880300" cy="2295525"/>
+            <a:off x="677335" y="4527448"/>
+            <a:ext cx="8596668" cy="1513914"/>
           </a:xfrm>
         </p:spPr>
         <p:txBody>
-          <a:bodyPr anchor="t"/>
+          <a:bodyPr anchor="t">
+            <a:normAutofit/>
+          </a:bodyPr>
           <a:lstStyle>
-            <a:lvl1pPr marL="0" indent="0">
-              <a:buFontTx/>
-              <a:buNone/>
-              <a:defRPr/>
+            <a:lvl1pPr marL="0" indent="0" algn="l">
+              <a:buNone/>
+              <a:defRPr sz="1800">
+                <a:solidFill>
+                  <a:schemeClr val="tx1">
+                    <a:lumMod val="75000"/>
+                    <a:lumOff val="25000"/>
+                  </a:schemeClr>
+                </a:solidFill>
+              </a:defRPr>
             </a:lvl1pPr>
+            <a:lvl2pPr marL="457200" indent="0">
+              <a:buNone/>
+              <a:defRPr sz="1800">
+                <a:solidFill>
+                  <a:schemeClr val="tx1">
+                    <a:tint val="75000"/>
+                  </a:schemeClr>
+                </a:solidFill>
+              </a:defRPr>
+            </a:lvl2pPr>
+            <a:lvl3pPr marL="914400" indent="0">
+              <a:buNone/>
+              <a:defRPr sz="1600">
+                <a:solidFill>
+                  <a:schemeClr val="tx1">
+                    <a:tint val="75000"/>
+                  </a:schemeClr>
+                </a:solidFill>
+              </a:defRPr>
+            </a:lvl3pPr>
+            <a:lvl4pPr marL="1371600" indent="0">
+              <a:buNone/>
+              <a:defRPr sz="1400">
+                <a:solidFill>
+                  <a:schemeClr val="tx1">
+                    <a:tint val="75000"/>
+                  </a:schemeClr>
+                </a:solidFill>
+              </a:defRPr>
+            </a:lvl4pPr>
+            <a:lvl5pPr marL="1828800" indent="0">
+              <a:buNone/>
+              <a:defRPr sz="1400">
+                <a:solidFill>
+                  <a:schemeClr val="tx1">
+                    <a:tint val="75000"/>
+                  </a:schemeClr>
+                </a:solidFill>
+              </a:defRPr>
+            </a:lvl5pPr>
+            <a:lvl6pPr marL="2286000" indent="0">
+              <a:buNone/>
+              <a:defRPr sz="1400">
+                <a:solidFill>
+                  <a:schemeClr val="tx1">
+                    <a:tint val="75000"/>
+                  </a:schemeClr>
+                </a:solidFill>
+              </a:defRPr>
+            </a:lvl6pPr>
+            <a:lvl7pPr marL="2743200" indent="0">
+              <a:buNone/>
+              <a:defRPr sz="1400">
+                <a:solidFill>
+                  <a:schemeClr val="tx1">
+                    <a:tint val="75000"/>
+                  </a:schemeClr>
+                </a:solidFill>
+              </a:defRPr>
+            </a:lvl7pPr>
+            <a:lvl8pPr marL="3200400" indent="0">
+              <a:buNone/>
+              <a:defRPr sz="1400">
+                <a:solidFill>
+                  <a:schemeClr val="tx1">
+                    <a:tint val="75000"/>
+                  </a:schemeClr>
+                </a:solidFill>
+              </a:defRPr>
+            </a:lvl8pPr>
+            <a:lvl9pPr marL="3657600" indent="0">
+              <a:buNone/>
+              <a:defRPr sz="1400">
+                <a:solidFill>
+                  <a:schemeClr val="tx1">
+                    <a:tint val="75000"/>
+                  </a:schemeClr>
+                </a:solidFill>
+              </a:defRPr>
+            </a:lvl9pPr>
           </a:lstStyle>
           <a:p>
             <a:pPr lvl="0"/>
@@ -1568,7 +1741,7 @@
       </p:sp>
       <p:sp>
         <p:nvSpPr>
-          <p:cNvPr id="2" name="Date Placeholder 1"/>
+          <p:cNvPr id="4" name="Date Placeholder 3"/>
           <p:cNvSpPr>
             <a:spLocks noGrp="1"/>
           </p:cNvSpPr>
@@ -1591,7 +1764,7 @@
       </p:sp>
       <p:sp>
         <p:nvSpPr>
-          <p:cNvPr id="3" name="Footer Placeholder 2"/>
+          <p:cNvPr id="5" name="Footer Placeholder 4"/>
           <p:cNvSpPr>
             <a:spLocks noGrp="1"/>
           </p:cNvSpPr>
@@ -1610,7 +1783,7 @@
       </p:sp>
       <p:sp>
         <p:nvSpPr>
-          <p:cNvPr id="4" name="Slide Number Placeholder 3"/>
+          <p:cNvPr id="6" name="Slide Number Placeholder 5"/>
           <p:cNvSpPr>
             <a:spLocks noGrp="1"/>
           </p:cNvSpPr>
@@ -1634,7 +1807,7 @@
     </p:spTree>
     <p:extLst>
       <p:ext uri="{BB962C8B-B14F-4D97-AF65-F5344CB8AC3E}">
-        <p14:creationId xmlns:p14="http://schemas.microsoft.com/office/powerpoint/2010/main" val="3969112102"/>
+        <p14:creationId xmlns:p14="http://schemas.microsoft.com/office/powerpoint/2010/main" val="2645008418"/>
       </p:ext>
     </p:extLst>
   </p:cSld>
@@ -1645,6 +1818,713 @@
 </file>
 
 <file path=ppt/slideLayouts/slideLayout13.xml><?xml version="1.0" encoding="utf-8"?>
+<p:sldLayout xmlns:a="http://schemas.openxmlformats.org/drawingml/2006/main" xmlns:r="http://schemas.openxmlformats.org/officeDocument/2006/relationships" xmlns:p="http://schemas.openxmlformats.org/presentationml/2006/main" preserve="1">
+  <p:cSld name="Quote Name Card">
+    <p:spTree>
+      <p:nvGrpSpPr>
+        <p:cNvPr id="1" name=""/>
+        <p:cNvGrpSpPr/>
+        <p:nvPr/>
+      </p:nvGrpSpPr>
+      <p:grpSpPr>
+        <a:xfrm>
+          <a:off x="0" y="0"/>
+          <a:ext cx="0" cy="0"/>
+          <a:chOff x="0" y="0"/>
+          <a:chExt cx="0" cy="0"/>
+        </a:xfrm>
+      </p:grpSpPr>
+      <p:sp>
+        <p:nvSpPr>
+          <p:cNvPr id="2" name="Title 1"/>
+          <p:cNvSpPr>
+            <a:spLocks noGrp="1"/>
+          </p:cNvSpPr>
+          <p:nvPr>
+            <p:ph type="title"/>
+          </p:nvPr>
+        </p:nvSpPr>
+        <p:spPr>
+          <a:xfrm>
+            <a:off x="931334" y="609600"/>
+            <a:ext cx="8094134" cy="3022600"/>
+          </a:xfrm>
+        </p:spPr>
+        <p:txBody>
+          <a:bodyPr anchor="ctr">
+            <a:normAutofit/>
+          </a:bodyPr>
+          <a:lstStyle>
+            <a:lvl1pPr algn="l">
+              <a:defRPr sz="4400" b="0" cap="none"/>
+            </a:lvl1pPr>
+          </a:lstStyle>
+          <a:p>
+            <a:r>
+              <a:rPr lang="en-US"/>
+              <a:t>Click to edit Master title style</a:t>
+            </a:r>
+            <a:endParaRPr lang="en-US" dirty="0"/>
+          </a:p>
+        </p:txBody>
+      </p:sp>
+      <p:sp>
+        <p:nvSpPr>
+          <p:cNvPr id="23" name="Text Placeholder 9"/>
+          <p:cNvSpPr>
+            <a:spLocks noGrp="1"/>
+          </p:cNvSpPr>
+          <p:nvPr>
+            <p:ph type="body" sz="quarter" idx="13"/>
+          </p:nvPr>
+        </p:nvSpPr>
+        <p:spPr>
+          <a:xfrm>
+            <a:off x="677332" y="4013200"/>
+            <a:ext cx="8596669" cy="514248"/>
+          </a:xfrm>
+        </p:spPr>
+        <p:txBody>
+          <a:bodyPr anchor="b">
+            <a:noAutofit/>
+          </a:bodyPr>
+          <a:lstStyle>
+            <a:lvl1pPr marL="0" indent="0">
+              <a:buFontTx/>
+              <a:buNone/>
+              <a:defRPr sz="2400">
+                <a:solidFill>
+                  <a:schemeClr val="tx1">
+                    <a:lumMod val="75000"/>
+                    <a:lumOff val="25000"/>
+                  </a:schemeClr>
+                </a:solidFill>
+              </a:defRPr>
+            </a:lvl1pPr>
+            <a:lvl2pPr marL="457200" indent="0">
+              <a:buFontTx/>
+              <a:buNone/>
+              <a:defRPr/>
+            </a:lvl2pPr>
+            <a:lvl3pPr marL="914400" indent="0">
+              <a:buFontTx/>
+              <a:buNone/>
+              <a:defRPr/>
+            </a:lvl3pPr>
+            <a:lvl4pPr marL="1371600" indent="0">
+              <a:buFontTx/>
+              <a:buNone/>
+              <a:defRPr/>
+            </a:lvl4pPr>
+            <a:lvl5pPr marL="1828800" indent="0">
+              <a:buFontTx/>
+              <a:buNone/>
+              <a:defRPr/>
+            </a:lvl5pPr>
+          </a:lstStyle>
+          <a:p>
+            <a:pPr lvl="0"/>
+            <a:r>
+              <a:rPr lang="en-US"/>
+              <a:t>Click to edit Master text styles</a:t>
+            </a:r>
+          </a:p>
+        </p:txBody>
+      </p:sp>
+      <p:sp>
+        <p:nvSpPr>
+          <p:cNvPr id="3" name="Text Placeholder 2"/>
+          <p:cNvSpPr>
+            <a:spLocks noGrp="1"/>
+          </p:cNvSpPr>
+          <p:nvPr>
+            <p:ph type="body" idx="1"/>
+          </p:nvPr>
+        </p:nvSpPr>
+        <p:spPr>
+          <a:xfrm>
+            <a:off x="677335" y="4527448"/>
+            <a:ext cx="8596668" cy="1513914"/>
+          </a:xfrm>
+        </p:spPr>
+        <p:txBody>
+          <a:bodyPr anchor="t">
+            <a:normAutofit/>
+          </a:bodyPr>
+          <a:lstStyle>
+            <a:lvl1pPr marL="0" indent="0" algn="l">
+              <a:buNone/>
+              <a:defRPr sz="1800">
+                <a:solidFill>
+                  <a:schemeClr val="tx1">
+                    <a:lumMod val="50000"/>
+                    <a:lumOff val="50000"/>
+                  </a:schemeClr>
+                </a:solidFill>
+              </a:defRPr>
+            </a:lvl1pPr>
+            <a:lvl2pPr marL="457200" indent="0">
+              <a:buNone/>
+              <a:defRPr sz="1800">
+                <a:solidFill>
+                  <a:schemeClr val="tx1">
+                    <a:tint val="75000"/>
+                  </a:schemeClr>
+                </a:solidFill>
+              </a:defRPr>
+            </a:lvl2pPr>
+            <a:lvl3pPr marL="914400" indent="0">
+              <a:buNone/>
+              <a:defRPr sz="1600">
+                <a:solidFill>
+                  <a:schemeClr val="tx1">
+                    <a:tint val="75000"/>
+                  </a:schemeClr>
+                </a:solidFill>
+              </a:defRPr>
+            </a:lvl3pPr>
+            <a:lvl4pPr marL="1371600" indent="0">
+              <a:buNone/>
+              <a:defRPr sz="1400">
+                <a:solidFill>
+                  <a:schemeClr val="tx1">
+                    <a:tint val="75000"/>
+                  </a:schemeClr>
+                </a:solidFill>
+              </a:defRPr>
+            </a:lvl4pPr>
+            <a:lvl5pPr marL="1828800" indent="0">
+              <a:buNone/>
+              <a:defRPr sz="1400">
+                <a:solidFill>
+                  <a:schemeClr val="tx1">
+                    <a:tint val="75000"/>
+                  </a:schemeClr>
+                </a:solidFill>
+              </a:defRPr>
+            </a:lvl5pPr>
+            <a:lvl6pPr marL="2286000" indent="0">
+              <a:buNone/>
+              <a:defRPr sz="1400">
+                <a:solidFill>
+                  <a:schemeClr val="tx1">
+                    <a:tint val="75000"/>
+                  </a:schemeClr>
+                </a:solidFill>
+              </a:defRPr>
+            </a:lvl6pPr>
+            <a:lvl7pPr marL="2743200" indent="0">
+              <a:buNone/>
+              <a:defRPr sz="1400">
+                <a:solidFill>
+                  <a:schemeClr val="tx1">
+                    <a:tint val="75000"/>
+                  </a:schemeClr>
+                </a:solidFill>
+              </a:defRPr>
+            </a:lvl7pPr>
+            <a:lvl8pPr marL="3200400" indent="0">
+              <a:buNone/>
+              <a:defRPr sz="1400">
+                <a:solidFill>
+                  <a:schemeClr val="tx1">
+                    <a:tint val="75000"/>
+                  </a:schemeClr>
+                </a:solidFill>
+              </a:defRPr>
+            </a:lvl8pPr>
+            <a:lvl9pPr marL="3657600" indent="0">
+              <a:buNone/>
+              <a:defRPr sz="1400">
+                <a:solidFill>
+                  <a:schemeClr val="tx1">
+                    <a:tint val="75000"/>
+                  </a:schemeClr>
+                </a:solidFill>
+              </a:defRPr>
+            </a:lvl9pPr>
+          </a:lstStyle>
+          <a:p>
+            <a:pPr lvl="0"/>
+            <a:r>
+              <a:rPr lang="en-US"/>
+              <a:t>Click to edit Master text styles</a:t>
+            </a:r>
+          </a:p>
+        </p:txBody>
+      </p:sp>
+      <p:sp>
+        <p:nvSpPr>
+          <p:cNvPr id="4" name="Date Placeholder 3"/>
+          <p:cNvSpPr>
+            <a:spLocks noGrp="1"/>
+          </p:cNvSpPr>
+          <p:nvPr>
+            <p:ph type="dt" sz="half" idx="10"/>
+          </p:nvPr>
+        </p:nvSpPr>
+        <p:spPr/>
+        <p:txBody>
+          <a:bodyPr/>
+          <a:lstStyle/>
+          <a:p>
+            <a:fld id="{874FFE33-465F-4E9E-89CE-5F79E84B8B4B}" type="datetimeFigureOut">
+              <a:rPr lang="en-IN" smtClean="0"/>
+              <a:t>28-02-2025</a:t>
+            </a:fld>
+            <a:endParaRPr lang="en-IN"/>
+          </a:p>
+        </p:txBody>
+      </p:sp>
+      <p:sp>
+        <p:nvSpPr>
+          <p:cNvPr id="5" name="Footer Placeholder 4"/>
+          <p:cNvSpPr>
+            <a:spLocks noGrp="1"/>
+          </p:cNvSpPr>
+          <p:nvPr>
+            <p:ph type="ftr" sz="quarter" idx="11"/>
+          </p:nvPr>
+        </p:nvSpPr>
+        <p:spPr/>
+        <p:txBody>
+          <a:bodyPr/>
+          <a:lstStyle/>
+          <a:p>
+            <a:endParaRPr lang="en-IN"/>
+          </a:p>
+        </p:txBody>
+      </p:sp>
+      <p:sp>
+        <p:nvSpPr>
+          <p:cNvPr id="6" name="Slide Number Placeholder 5"/>
+          <p:cNvSpPr>
+            <a:spLocks noGrp="1"/>
+          </p:cNvSpPr>
+          <p:nvPr>
+            <p:ph type="sldNum" sz="quarter" idx="12"/>
+          </p:nvPr>
+        </p:nvSpPr>
+        <p:spPr/>
+        <p:txBody>
+          <a:bodyPr/>
+          <a:lstStyle/>
+          <a:p>
+            <a:fld id="{54BE194E-5C1C-4569-9491-10264D79D787}" type="slidenum">
+              <a:rPr lang="en-IN" smtClean="0"/>
+              <a:t>‹#›</a:t>
+            </a:fld>
+            <a:endParaRPr lang="en-IN"/>
+          </a:p>
+        </p:txBody>
+      </p:sp>
+      <p:sp>
+        <p:nvSpPr>
+          <p:cNvPr id="24" name="TextBox 23"/>
+          <p:cNvSpPr txBox="1"/>
+          <p:nvPr/>
+        </p:nvSpPr>
+        <p:spPr>
+          <a:xfrm>
+            <a:off x="541870" y="790378"/>
+            <a:ext cx="609600" cy="584776"/>
+          </a:xfrm>
+          <a:prstGeom prst="rect">
+            <a:avLst/>
+          </a:prstGeom>
+        </p:spPr>
+        <p:txBody>
+          <a:bodyPr vert="horz" lIns="91440" tIns="45720" rIns="91440" bIns="45720" rtlCol="0" anchor="ctr">
+            <a:noAutofit/>
+          </a:bodyPr>
+          <a:lstStyle/>
+          <a:p>
+            <a:pPr lvl="0"/>
+            <a:r>
+              <a:rPr lang="en-US" sz="8000" baseline="0" dirty="0">
+                <a:ln w="3175" cmpd="sng">
+                  <a:noFill/>
+                </a:ln>
+                <a:solidFill>
+                  <a:schemeClr val="accent1">
+                    <a:lumMod val="60000"/>
+                    <a:lumOff val="40000"/>
+                  </a:schemeClr>
+                </a:solidFill>
+                <a:effectLst/>
+                <a:latin typeface="Arial"/>
+              </a:rPr>
+              <a:t>“</a:t>
+            </a:r>
+          </a:p>
+        </p:txBody>
+      </p:sp>
+      <p:sp>
+        <p:nvSpPr>
+          <p:cNvPr id="25" name="TextBox 24"/>
+          <p:cNvSpPr txBox="1"/>
+          <p:nvPr/>
+        </p:nvSpPr>
+        <p:spPr>
+          <a:xfrm>
+            <a:off x="8893011" y="2886556"/>
+            <a:ext cx="609600" cy="584776"/>
+          </a:xfrm>
+          <a:prstGeom prst="rect">
+            <a:avLst/>
+          </a:prstGeom>
+        </p:spPr>
+        <p:txBody>
+          <a:bodyPr vert="horz" lIns="91440" tIns="45720" rIns="91440" bIns="45720" rtlCol="0" anchor="ctr">
+            <a:noAutofit/>
+          </a:bodyPr>
+          <a:lstStyle/>
+          <a:p>
+            <a:pPr lvl="0"/>
+            <a:r>
+              <a:rPr lang="en-US" sz="8000" baseline="0" dirty="0">
+                <a:ln w="3175" cmpd="sng">
+                  <a:noFill/>
+                </a:ln>
+                <a:solidFill>
+                  <a:schemeClr val="accent1">
+                    <a:lumMod val="60000"/>
+                    <a:lumOff val="40000"/>
+                  </a:schemeClr>
+                </a:solidFill>
+                <a:effectLst/>
+                <a:latin typeface="Arial"/>
+              </a:rPr>
+              <a:t>”</a:t>
+            </a:r>
+          </a:p>
+        </p:txBody>
+      </p:sp>
+    </p:spTree>
+    <p:extLst>
+      <p:ext uri="{BB962C8B-B14F-4D97-AF65-F5344CB8AC3E}">
+        <p14:creationId xmlns:p14="http://schemas.microsoft.com/office/powerpoint/2010/main" val="207095162"/>
+      </p:ext>
+    </p:extLst>
+  </p:cSld>
+  <p:clrMapOvr>
+    <a:masterClrMapping/>
+  </p:clrMapOvr>
+</p:sldLayout>
+</file>
+
+<file path=ppt/slideLayouts/slideLayout14.xml><?xml version="1.0" encoding="utf-8"?>
+<p:sldLayout xmlns:a="http://schemas.openxmlformats.org/drawingml/2006/main" xmlns:r="http://schemas.openxmlformats.org/officeDocument/2006/relationships" xmlns:p="http://schemas.openxmlformats.org/presentationml/2006/main" preserve="1">
+  <p:cSld name="True or False">
+    <p:spTree>
+      <p:nvGrpSpPr>
+        <p:cNvPr id="1" name=""/>
+        <p:cNvGrpSpPr/>
+        <p:nvPr/>
+      </p:nvGrpSpPr>
+      <p:grpSpPr>
+        <a:xfrm>
+          <a:off x="0" y="0"/>
+          <a:ext cx="0" cy="0"/>
+          <a:chOff x="0" y="0"/>
+          <a:chExt cx="0" cy="0"/>
+        </a:xfrm>
+      </p:grpSpPr>
+      <p:sp>
+        <p:nvSpPr>
+          <p:cNvPr id="2" name="Title 1"/>
+          <p:cNvSpPr>
+            <a:spLocks noGrp="1"/>
+          </p:cNvSpPr>
+          <p:nvPr>
+            <p:ph type="title"/>
+          </p:nvPr>
+        </p:nvSpPr>
+        <p:spPr>
+          <a:xfrm>
+            <a:off x="685799" y="609600"/>
+            <a:ext cx="8588203" cy="3022600"/>
+          </a:xfrm>
+        </p:spPr>
+        <p:txBody>
+          <a:bodyPr anchor="ctr">
+            <a:normAutofit/>
+          </a:bodyPr>
+          <a:lstStyle>
+            <a:lvl1pPr algn="l">
+              <a:defRPr sz="4400" b="0" cap="none"/>
+            </a:lvl1pPr>
+          </a:lstStyle>
+          <a:p>
+            <a:r>
+              <a:rPr lang="en-US"/>
+              <a:t>Click to edit Master title style</a:t>
+            </a:r>
+            <a:endParaRPr lang="en-US" dirty="0"/>
+          </a:p>
+        </p:txBody>
+      </p:sp>
+      <p:sp>
+        <p:nvSpPr>
+          <p:cNvPr id="23" name="Text Placeholder 9"/>
+          <p:cNvSpPr>
+            <a:spLocks noGrp="1"/>
+          </p:cNvSpPr>
+          <p:nvPr>
+            <p:ph type="body" sz="quarter" idx="13"/>
+          </p:nvPr>
+        </p:nvSpPr>
+        <p:spPr>
+          <a:xfrm>
+            <a:off x="677332" y="4013200"/>
+            <a:ext cx="8596669" cy="514248"/>
+          </a:xfrm>
+        </p:spPr>
+        <p:txBody>
+          <a:bodyPr anchor="b">
+            <a:noAutofit/>
+          </a:bodyPr>
+          <a:lstStyle>
+            <a:lvl1pPr marL="0" indent="0">
+              <a:buFontTx/>
+              <a:buNone/>
+              <a:defRPr sz="2400">
+                <a:solidFill>
+                  <a:schemeClr val="accent1"/>
+                </a:solidFill>
+              </a:defRPr>
+            </a:lvl1pPr>
+            <a:lvl2pPr marL="457200" indent="0">
+              <a:buFontTx/>
+              <a:buNone/>
+              <a:defRPr/>
+            </a:lvl2pPr>
+            <a:lvl3pPr marL="914400" indent="0">
+              <a:buFontTx/>
+              <a:buNone/>
+              <a:defRPr/>
+            </a:lvl3pPr>
+            <a:lvl4pPr marL="1371600" indent="0">
+              <a:buFontTx/>
+              <a:buNone/>
+              <a:defRPr/>
+            </a:lvl4pPr>
+            <a:lvl5pPr marL="1828800" indent="0">
+              <a:buFontTx/>
+              <a:buNone/>
+              <a:defRPr/>
+            </a:lvl5pPr>
+          </a:lstStyle>
+          <a:p>
+            <a:pPr lvl="0"/>
+            <a:r>
+              <a:rPr lang="en-US"/>
+              <a:t>Click to edit Master text styles</a:t>
+            </a:r>
+          </a:p>
+        </p:txBody>
+      </p:sp>
+      <p:sp>
+        <p:nvSpPr>
+          <p:cNvPr id="3" name="Text Placeholder 2"/>
+          <p:cNvSpPr>
+            <a:spLocks noGrp="1"/>
+          </p:cNvSpPr>
+          <p:nvPr>
+            <p:ph type="body" idx="1"/>
+          </p:nvPr>
+        </p:nvSpPr>
+        <p:spPr>
+          <a:xfrm>
+            <a:off x="677335" y="4527448"/>
+            <a:ext cx="8596668" cy="1513914"/>
+          </a:xfrm>
+        </p:spPr>
+        <p:txBody>
+          <a:bodyPr anchor="t">
+            <a:normAutofit/>
+          </a:bodyPr>
+          <a:lstStyle>
+            <a:lvl1pPr marL="0" indent="0" algn="l">
+              <a:buNone/>
+              <a:defRPr sz="1800">
+                <a:solidFill>
+                  <a:schemeClr val="tx1">
+                    <a:lumMod val="50000"/>
+                    <a:lumOff val="50000"/>
+                  </a:schemeClr>
+                </a:solidFill>
+              </a:defRPr>
+            </a:lvl1pPr>
+            <a:lvl2pPr marL="457200" indent="0">
+              <a:buNone/>
+              <a:defRPr sz="1800">
+                <a:solidFill>
+                  <a:schemeClr val="tx1">
+                    <a:tint val="75000"/>
+                  </a:schemeClr>
+                </a:solidFill>
+              </a:defRPr>
+            </a:lvl2pPr>
+            <a:lvl3pPr marL="914400" indent="0">
+              <a:buNone/>
+              <a:defRPr sz="1600">
+                <a:solidFill>
+                  <a:schemeClr val="tx1">
+                    <a:tint val="75000"/>
+                  </a:schemeClr>
+                </a:solidFill>
+              </a:defRPr>
+            </a:lvl3pPr>
+            <a:lvl4pPr marL="1371600" indent="0">
+              <a:buNone/>
+              <a:defRPr sz="1400">
+                <a:solidFill>
+                  <a:schemeClr val="tx1">
+                    <a:tint val="75000"/>
+                  </a:schemeClr>
+                </a:solidFill>
+              </a:defRPr>
+            </a:lvl4pPr>
+            <a:lvl5pPr marL="1828800" indent="0">
+              <a:buNone/>
+              <a:defRPr sz="1400">
+                <a:solidFill>
+                  <a:schemeClr val="tx1">
+                    <a:tint val="75000"/>
+                  </a:schemeClr>
+                </a:solidFill>
+              </a:defRPr>
+            </a:lvl5pPr>
+            <a:lvl6pPr marL="2286000" indent="0">
+              <a:buNone/>
+              <a:defRPr sz="1400">
+                <a:solidFill>
+                  <a:schemeClr val="tx1">
+                    <a:tint val="75000"/>
+                  </a:schemeClr>
+                </a:solidFill>
+              </a:defRPr>
+            </a:lvl6pPr>
+            <a:lvl7pPr marL="2743200" indent="0">
+              <a:buNone/>
+              <a:defRPr sz="1400">
+                <a:solidFill>
+                  <a:schemeClr val="tx1">
+                    <a:tint val="75000"/>
+                  </a:schemeClr>
+                </a:solidFill>
+              </a:defRPr>
+            </a:lvl7pPr>
+            <a:lvl8pPr marL="3200400" indent="0">
+              <a:buNone/>
+              <a:defRPr sz="1400">
+                <a:solidFill>
+                  <a:schemeClr val="tx1">
+                    <a:tint val="75000"/>
+                  </a:schemeClr>
+                </a:solidFill>
+              </a:defRPr>
+            </a:lvl8pPr>
+            <a:lvl9pPr marL="3657600" indent="0">
+              <a:buNone/>
+              <a:defRPr sz="1400">
+                <a:solidFill>
+                  <a:schemeClr val="tx1">
+                    <a:tint val="75000"/>
+                  </a:schemeClr>
+                </a:solidFill>
+              </a:defRPr>
+            </a:lvl9pPr>
+          </a:lstStyle>
+          <a:p>
+            <a:pPr lvl="0"/>
+            <a:r>
+              <a:rPr lang="en-US"/>
+              <a:t>Click to edit Master text styles</a:t>
+            </a:r>
+          </a:p>
+        </p:txBody>
+      </p:sp>
+      <p:sp>
+        <p:nvSpPr>
+          <p:cNvPr id="4" name="Date Placeholder 3"/>
+          <p:cNvSpPr>
+            <a:spLocks noGrp="1"/>
+          </p:cNvSpPr>
+          <p:nvPr>
+            <p:ph type="dt" sz="half" idx="10"/>
+          </p:nvPr>
+        </p:nvSpPr>
+        <p:spPr/>
+        <p:txBody>
+          <a:bodyPr/>
+          <a:lstStyle/>
+          <a:p>
+            <a:fld id="{874FFE33-465F-4E9E-89CE-5F79E84B8B4B}" type="datetimeFigureOut">
+              <a:rPr lang="en-IN" smtClean="0"/>
+              <a:t>28-02-2025</a:t>
+            </a:fld>
+            <a:endParaRPr lang="en-IN"/>
+          </a:p>
+        </p:txBody>
+      </p:sp>
+      <p:sp>
+        <p:nvSpPr>
+          <p:cNvPr id="5" name="Footer Placeholder 4"/>
+          <p:cNvSpPr>
+            <a:spLocks noGrp="1"/>
+          </p:cNvSpPr>
+          <p:nvPr>
+            <p:ph type="ftr" sz="quarter" idx="11"/>
+          </p:nvPr>
+        </p:nvSpPr>
+        <p:spPr/>
+        <p:txBody>
+          <a:bodyPr/>
+          <a:lstStyle/>
+          <a:p>
+            <a:endParaRPr lang="en-IN"/>
+          </a:p>
+        </p:txBody>
+      </p:sp>
+      <p:sp>
+        <p:nvSpPr>
+          <p:cNvPr id="6" name="Slide Number Placeholder 5"/>
+          <p:cNvSpPr>
+            <a:spLocks noGrp="1"/>
+          </p:cNvSpPr>
+          <p:nvPr>
+            <p:ph type="sldNum" sz="quarter" idx="12"/>
+          </p:nvPr>
+        </p:nvSpPr>
+        <p:spPr/>
+        <p:txBody>
+          <a:bodyPr/>
+          <a:lstStyle/>
+          <a:p>
+            <a:fld id="{54BE194E-5C1C-4569-9491-10264D79D787}" type="slidenum">
+              <a:rPr lang="en-IN" smtClean="0"/>
+              <a:t>‹#›</a:t>
+            </a:fld>
+            <a:endParaRPr lang="en-IN"/>
+          </a:p>
+        </p:txBody>
+      </p:sp>
+    </p:spTree>
+    <p:extLst>
+      <p:ext uri="{BB962C8B-B14F-4D97-AF65-F5344CB8AC3E}">
+        <p14:creationId xmlns:p14="http://schemas.microsoft.com/office/powerpoint/2010/main" val="3811713108"/>
+      </p:ext>
+    </p:extLst>
+  </p:cSld>
+  <p:clrMapOvr>
+    <a:masterClrMapping/>
+  </p:clrMapOvr>
+</p:sldLayout>
+</file>
+
+<file path=ppt/slideLayouts/slideLayout15.xml><?xml version="1.0" encoding="utf-8"?>
 <p:sldLayout xmlns:a="http://schemas.openxmlformats.org/drawingml/2006/main" xmlns:r="http://schemas.openxmlformats.org/officeDocument/2006/relationships" xmlns:p="http://schemas.openxmlformats.org/presentationml/2006/main" type="vertTx" preserve="1">
   <p:cSld name="Title and Vertical Text">
     <p:spTree>
@@ -1663,109 +2543,6 @@
       </p:grpSpPr>
       <p:sp>
         <p:nvSpPr>
-          <p:cNvPr id="7" name="Freeform 6"/>
-          <p:cNvSpPr/>
-          <p:nvPr/>
-        </p:nvSpPr>
-        <p:spPr bwMode="auto">
-          <a:xfrm>
-            <a:off x="0" y="0"/>
-            <a:ext cx="12192000" cy="2185988"/>
-          </a:xfrm>
-          <a:custGeom>
-            <a:avLst/>
-            <a:gdLst/>
-            <a:ahLst/>
-            <a:cxnLst/>
-            <a:rect l="0" t="0" r="r" b="b"/>
-            <a:pathLst>
-              <a:path w="5760" h="1377">
-                <a:moveTo>
-                  <a:pt x="5760" y="0"/>
-                </a:moveTo>
-                <a:lnTo>
-                  <a:pt x="0" y="0"/>
-                </a:lnTo>
-                <a:lnTo>
-                  <a:pt x="0" y="1189"/>
-                </a:lnTo>
-                <a:lnTo>
-                  <a:pt x="943" y="1189"/>
-                </a:lnTo>
-                <a:lnTo>
-                  <a:pt x="1123" y="1369"/>
-                </a:lnTo>
-                <a:lnTo>
-                  <a:pt x="1123" y="1369"/>
-                </a:lnTo>
-                <a:lnTo>
-                  <a:pt x="1127" y="1371"/>
-                </a:lnTo>
-                <a:lnTo>
-                  <a:pt x="1133" y="1374"/>
-                </a:lnTo>
-                <a:lnTo>
-                  <a:pt x="1139" y="1377"/>
-                </a:lnTo>
-                <a:lnTo>
-                  <a:pt x="1144" y="1377"/>
-                </a:lnTo>
-                <a:lnTo>
-                  <a:pt x="1150" y="1377"/>
-                </a:lnTo>
-                <a:lnTo>
-                  <a:pt x="1155" y="1374"/>
-                </a:lnTo>
-                <a:lnTo>
-                  <a:pt x="1161" y="1371"/>
-                </a:lnTo>
-                <a:lnTo>
-                  <a:pt x="1165" y="1369"/>
-                </a:lnTo>
-                <a:lnTo>
-                  <a:pt x="1345" y="1189"/>
-                </a:lnTo>
-                <a:lnTo>
-                  <a:pt x="5760" y="1189"/>
-                </a:lnTo>
-                <a:lnTo>
-                  <a:pt x="5760" y="0"/>
-                </a:lnTo>
-                <a:close/>
-              </a:path>
-            </a:pathLst>
-          </a:custGeom>
-          <a:ln/>
-          <a:extLst>
-            <a:ext uri="{91240B29-F687-4f45-9708-019B960494DF}">
-              <a14:hiddenLine xmlns:a14="http://schemas.microsoft.com/office/drawing/2010/main" xmlns="" w="9525">
-                <a:solidFill>
-                  <a:srgbClr val="000000"/>
-                </a:solidFill>
-                <a:round/>
-                <a:headEnd/>
-                <a:tailEnd/>
-              </a14:hiddenLine>
-            </a:ext>
-          </a:extLst>
-        </p:spPr>
-        <p:style>
-          <a:lnRef idx="1">
-            <a:schemeClr val="accent1"/>
-          </a:lnRef>
-          <a:fillRef idx="3">
-            <a:schemeClr val="accent1"/>
-          </a:fillRef>
-          <a:effectRef idx="2">
-            <a:schemeClr val="accent1"/>
-          </a:effectRef>
-          <a:fontRef idx="minor">
-            <a:schemeClr val="lt1"/>
-          </a:fontRef>
-        </p:style>
-      </p:sp>
-      <p:sp>
-        <p:nvSpPr>
           <p:cNvPr id="2" name="Title 1"/>
           <p:cNvSpPr>
             <a:spLocks noGrp="1"/>
@@ -1799,7 +2576,7 @@
         </p:nvSpPr>
         <p:spPr/>
         <p:txBody>
-          <a:bodyPr vert="eaVert" anchor="t"/>
+          <a:bodyPr vert="eaVert"/>
           <a:lstStyle/>
           <a:p>
             <a:pPr lvl="0"/>
@@ -1907,7 +2684,7 @@
     </p:spTree>
     <p:extLst>
       <p:ext uri="{BB962C8B-B14F-4D97-AF65-F5344CB8AC3E}">
-        <p14:creationId xmlns:p14="http://schemas.microsoft.com/office/powerpoint/2010/main" val="3474655510"/>
+        <p14:creationId xmlns:p14="http://schemas.microsoft.com/office/powerpoint/2010/main" val="2137150987"/>
       </p:ext>
     </p:extLst>
   </p:cSld>
@@ -1917,7 +2694,7 @@
 </p:sldLayout>
 </file>
 
-<file path=ppt/slideLayouts/slideLayout14.xml><?xml version="1.0" encoding="utf-8"?>
+<file path=ppt/slideLayouts/slideLayout16.xml><?xml version="1.0" encoding="utf-8"?>
 <p:sldLayout xmlns:a="http://schemas.openxmlformats.org/drawingml/2006/main" xmlns:r="http://schemas.openxmlformats.org/officeDocument/2006/relationships" xmlns:p="http://schemas.openxmlformats.org/presentationml/2006/main" type="vertTitleAndTx" preserve="1">
   <p:cSld name="Vertical Title and Text">
     <p:spTree>
@@ -1936,111 +2713,6 @@
       </p:grpSpPr>
       <p:sp>
         <p:nvSpPr>
-          <p:cNvPr id="12" name="Freeform 6"/>
-          <p:cNvSpPr>
-            <a:spLocks noChangeAspect="1"/>
-          </p:cNvSpPr>
-          <p:nvPr/>
-        </p:nvSpPr>
-        <p:spPr bwMode="auto">
-          <a:xfrm>
-            <a:off x="7669651" y="446089"/>
-            <a:ext cx="4522349" cy="5414962"/>
-          </a:xfrm>
-          <a:custGeom>
-            <a:avLst/>
-            <a:gdLst/>
-            <a:ahLst/>
-            <a:cxnLst/>
-            <a:rect l="0" t="0" r="r" b="b"/>
-            <a:pathLst>
-              <a:path w="2879" h="4320">
-                <a:moveTo>
-                  <a:pt x="183" y="0"/>
-                </a:moveTo>
-                <a:lnTo>
-                  <a:pt x="183" y="1197"/>
-                </a:lnTo>
-                <a:lnTo>
-                  <a:pt x="8" y="1372"/>
-                </a:lnTo>
-                <a:lnTo>
-                  <a:pt x="8" y="1372"/>
-                </a:lnTo>
-                <a:lnTo>
-                  <a:pt x="6" y="1376"/>
-                </a:lnTo>
-                <a:lnTo>
-                  <a:pt x="3" y="1382"/>
-                </a:lnTo>
-                <a:lnTo>
-                  <a:pt x="0" y="1387"/>
-                </a:lnTo>
-                <a:lnTo>
-                  <a:pt x="0" y="1393"/>
-                </a:lnTo>
-                <a:lnTo>
-                  <a:pt x="0" y="1399"/>
-                </a:lnTo>
-                <a:lnTo>
-                  <a:pt x="3" y="1404"/>
-                </a:lnTo>
-                <a:lnTo>
-                  <a:pt x="6" y="1410"/>
-                </a:lnTo>
-                <a:lnTo>
-                  <a:pt x="8" y="1414"/>
-                </a:lnTo>
-                <a:lnTo>
-                  <a:pt x="183" y="1589"/>
-                </a:lnTo>
-                <a:lnTo>
-                  <a:pt x="183" y="4320"/>
-                </a:lnTo>
-                <a:lnTo>
-                  <a:pt x="2879" y="4320"/>
-                </a:lnTo>
-                <a:lnTo>
-                  <a:pt x="2879" y="0"/>
-                </a:lnTo>
-                <a:lnTo>
-                  <a:pt x="183" y="0"/>
-                </a:lnTo>
-                <a:close/>
-              </a:path>
-            </a:pathLst>
-          </a:custGeom>
-          <a:ln/>
-          <a:extLst>
-            <a:ext uri="{91240B29-F687-4f45-9708-019B960494DF}">
-              <a14:hiddenLine xmlns:a14="http://schemas.microsoft.com/office/drawing/2010/main" xmlns="" w="9525">
-                <a:solidFill>
-                  <a:srgbClr val="000000"/>
-                </a:solidFill>
-                <a:round/>
-                <a:headEnd/>
-                <a:tailEnd/>
-              </a14:hiddenLine>
-            </a:ext>
-          </a:extLst>
-        </p:spPr>
-        <p:style>
-          <a:lnRef idx="1">
-            <a:schemeClr val="accent1"/>
-          </a:lnRef>
-          <a:fillRef idx="3">
-            <a:schemeClr val="accent1"/>
-          </a:fillRef>
-          <a:effectRef idx="2">
-            <a:schemeClr val="accent1"/>
-          </a:effectRef>
-          <a:fontRef idx="minor">
-            <a:schemeClr val="lt1"/>
-          </a:fontRef>
-        </p:style>
-      </p:sp>
-      <p:sp>
-        <p:nvSpPr>
           <p:cNvPr id="2" name="Vertical Title 1"/>
           <p:cNvSpPr>
             <a:spLocks noGrp="1"/>
@@ -2051,12 +2723,12 @@
         </p:nvSpPr>
         <p:spPr>
           <a:xfrm>
-            <a:off x="8183540" y="586171"/>
-            <a:ext cx="2494791" cy="5134798"/>
+            <a:off x="7967673" y="609599"/>
+            <a:ext cx="1304743" cy="5251451"/>
           </a:xfrm>
         </p:spPr>
         <p:txBody>
-          <a:bodyPr vert="eaVert"/>
+          <a:bodyPr vert="eaVert" anchor="ctr"/>
           <a:lstStyle/>
           <a:p>
             <a:r>
@@ -2079,12 +2751,12 @@
         </p:nvSpPr>
         <p:spPr>
           <a:xfrm>
-            <a:off x="810001" y="446089"/>
-            <a:ext cx="6611540" cy="5414962"/>
+            <a:off x="677335" y="609600"/>
+            <a:ext cx="7060150" cy="5251450"/>
           </a:xfrm>
         </p:spPr>
         <p:txBody>
-          <a:bodyPr vert="eaVert" anchor="t"/>
+          <a:bodyPr vert="eaVert"/>
           <a:lstStyle/>
           <a:p>
             <a:pPr lvl="0"/>
@@ -2192,7 +2864,7 @@
     </p:spTree>
     <p:extLst>
       <p:ext uri="{BB962C8B-B14F-4D97-AF65-F5344CB8AC3E}">
-        <p14:creationId xmlns:p14="http://schemas.microsoft.com/office/powerpoint/2010/main" val="1204946290"/>
+        <p14:creationId xmlns:p14="http://schemas.microsoft.com/office/powerpoint/2010/main" val="2258256051"/>
       </p:ext>
     </p:extLst>
   </p:cSld>
@@ -2221,109 +2893,6 @@
       </p:grpSpPr>
       <p:sp>
         <p:nvSpPr>
-          <p:cNvPr id="11" name="Freeform 6"/>
-          <p:cNvSpPr/>
-          <p:nvPr/>
-        </p:nvSpPr>
-        <p:spPr bwMode="auto">
-          <a:xfrm>
-            <a:off x="0" y="0"/>
-            <a:ext cx="12192000" cy="2185988"/>
-          </a:xfrm>
-          <a:custGeom>
-            <a:avLst/>
-            <a:gdLst/>
-            <a:ahLst/>
-            <a:cxnLst/>
-            <a:rect l="0" t="0" r="r" b="b"/>
-            <a:pathLst>
-              <a:path w="5760" h="1377">
-                <a:moveTo>
-                  <a:pt x="5760" y="0"/>
-                </a:moveTo>
-                <a:lnTo>
-                  <a:pt x="0" y="0"/>
-                </a:lnTo>
-                <a:lnTo>
-                  <a:pt x="0" y="1189"/>
-                </a:lnTo>
-                <a:lnTo>
-                  <a:pt x="943" y="1189"/>
-                </a:lnTo>
-                <a:lnTo>
-                  <a:pt x="1123" y="1369"/>
-                </a:lnTo>
-                <a:lnTo>
-                  <a:pt x="1123" y="1369"/>
-                </a:lnTo>
-                <a:lnTo>
-                  <a:pt x="1127" y="1371"/>
-                </a:lnTo>
-                <a:lnTo>
-                  <a:pt x="1133" y="1374"/>
-                </a:lnTo>
-                <a:lnTo>
-                  <a:pt x="1139" y="1377"/>
-                </a:lnTo>
-                <a:lnTo>
-                  <a:pt x="1144" y="1377"/>
-                </a:lnTo>
-                <a:lnTo>
-                  <a:pt x="1150" y="1377"/>
-                </a:lnTo>
-                <a:lnTo>
-                  <a:pt x="1155" y="1374"/>
-                </a:lnTo>
-                <a:lnTo>
-                  <a:pt x="1161" y="1371"/>
-                </a:lnTo>
-                <a:lnTo>
-                  <a:pt x="1165" y="1369"/>
-                </a:lnTo>
-                <a:lnTo>
-                  <a:pt x="1345" y="1189"/>
-                </a:lnTo>
-                <a:lnTo>
-                  <a:pt x="5760" y="1189"/>
-                </a:lnTo>
-                <a:lnTo>
-                  <a:pt x="5760" y="0"/>
-                </a:lnTo>
-                <a:close/>
-              </a:path>
-            </a:pathLst>
-          </a:custGeom>
-          <a:ln/>
-          <a:extLst>
-            <a:ext uri="{91240B29-F687-4f45-9708-019B960494DF}">
-              <a14:hiddenLine xmlns:a14="http://schemas.microsoft.com/office/drawing/2010/main" xmlns="" w="9525">
-                <a:solidFill>
-                  <a:srgbClr val="000000"/>
-                </a:solidFill>
-                <a:round/>
-                <a:headEnd/>
-                <a:tailEnd/>
-              </a14:hiddenLine>
-            </a:ext>
-          </a:extLst>
-        </p:spPr>
-        <p:style>
-          <a:lnRef idx="1">
-            <a:schemeClr val="accent1"/>
-          </a:lnRef>
-          <a:fillRef idx="3">
-            <a:schemeClr val="accent1"/>
-          </a:fillRef>
-          <a:effectRef idx="2">
-            <a:schemeClr val="accent1"/>
-          </a:effectRef>
-          <a:fontRef idx="minor">
-            <a:schemeClr val="lt1"/>
-          </a:fontRef>
-        </p:style>
-      </p:sp>
-      <p:sp>
-        <p:nvSpPr>
           <p:cNvPr id="2" name="Title 1"/>
           <p:cNvSpPr>
             <a:spLocks noGrp="1"/>
@@ -2332,15 +2901,16 @@
             <p:ph type="title"/>
           </p:nvPr>
         </p:nvSpPr>
-        <p:spPr>
-          <a:xfrm>
-            <a:off x="810000" y="447188"/>
-            <a:ext cx="10571998" cy="970450"/>
-          </a:xfrm>
-        </p:spPr>
-        <p:txBody>
-          <a:bodyPr/>
-          <a:lstStyle/>
+        <p:spPr/>
+        <p:txBody>
+          <a:bodyPr>
+            <a:normAutofit/>
+          </a:bodyPr>
+          <a:lstStyle>
+            <a:lvl1pPr>
+              <a:defRPr sz="3600"/>
+            </a:lvl1pPr>
+          </a:lstStyle>
           <a:p>
             <a:r>
               <a:rPr lang="en-US"/>
@@ -2360,12 +2930,7 @@
             <p:ph idx="1"/>
           </p:nvPr>
         </p:nvSpPr>
-        <p:spPr>
-          <a:xfrm>
-            <a:off x="818712" y="2222287"/>
-            <a:ext cx="10554574" cy="3636511"/>
-          </a:xfrm>
-        </p:spPr>
+        <p:spPr/>
         <p:txBody>
           <a:bodyPr/>
           <a:lstStyle/>
@@ -2475,7 +3040,7 @@
     </p:spTree>
     <p:extLst>
       <p:ext uri="{BB962C8B-B14F-4D97-AF65-F5344CB8AC3E}">
-        <p14:creationId xmlns:p14="http://schemas.microsoft.com/office/powerpoint/2010/main" val="799399846"/>
+        <p14:creationId xmlns:p14="http://schemas.microsoft.com/office/powerpoint/2010/main" val="1323663202"/>
       </p:ext>
     </p:extLst>
   </p:cSld>
@@ -2504,103 +3069,6 @@
       </p:grpSpPr>
       <p:sp>
         <p:nvSpPr>
-          <p:cNvPr id="10" name="Freeform 7"/>
-          <p:cNvSpPr/>
-          <p:nvPr/>
-        </p:nvSpPr>
-        <p:spPr bwMode="auto">
-          <a:xfrm>
-            <a:off x="0" y="1"/>
-            <a:ext cx="12192000" cy="5203825"/>
-          </a:xfrm>
-          <a:custGeom>
-            <a:avLst/>
-            <a:gdLst/>
-            <a:ahLst/>
-            <a:cxnLst/>
-            <a:rect l="0" t="0" r="r" b="b"/>
-            <a:pathLst>
-              <a:path w="5760" h="3278">
-                <a:moveTo>
-                  <a:pt x="0" y="0"/>
-                </a:moveTo>
-                <a:lnTo>
-                  <a:pt x="5760" y="0"/>
-                </a:lnTo>
-                <a:lnTo>
-                  <a:pt x="5760" y="3090"/>
-                </a:lnTo>
-                <a:lnTo>
-                  <a:pt x="4817" y="3090"/>
-                </a:lnTo>
-                <a:lnTo>
-                  <a:pt x="4637" y="3270"/>
-                </a:lnTo>
-                <a:lnTo>
-                  <a:pt x="4637" y="3270"/>
-                </a:lnTo>
-                <a:lnTo>
-                  <a:pt x="4633" y="3272"/>
-                </a:lnTo>
-                <a:lnTo>
-                  <a:pt x="4627" y="3275"/>
-                </a:lnTo>
-                <a:lnTo>
-                  <a:pt x="4621" y="3278"/>
-                </a:lnTo>
-                <a:lnTo>
-                  <a:pt x="4616" y="3278"/>
-                </a:lnTo>
-                <a:lnTo>
-                  <a:pt x="4610" y="3278"/>
-                </a:lnTo>
-                <a:lnTo>
-                  <a:pt x="4605" y="3275"/>
-                </a:lnTo>
-                <a:lnTo>
-                  <a:pt x="4599" y="3272"/>
-                </a:lnTo>
-                <a:lnTo>
-                  <a:pt x="4595" y="3270"/>
-                </a:lnTo>
-                <a:lnTo>
-                  <a:pt x="4415" y="3090"/>
-                </a:lnTo>
-                <a:lnTo>
-                  <a:pt x="0" y="3090"/>
-                </a:lnTo>
-                <a:lnTo>
-                  <a:pt x="0" y="0"/>
-                </a:lnTo>
-                <a:lnTo>
-                  <a:pt x="0" y="0"/>
-                </a:lnTo>
-                <a:close/>
-              </a:path>
-            </a:pathLst>
-          </a:custGeom>
-          <a:ln>
-            <a:headEnd/>
-            <a:tailEnd/>
-          </a:ln>
-        </p:spPr>
-        <p:style>
-          <a:lnRef idx="1">
-            <a:schemeClr val="accent1"/>
-          </a:lnRef>
-          <a:fillRef idx="3">
-            <a:schemeClr val="accent1"/>
-          </a:fillRef>
-          <a:effectRef idx="2">
-            <a:schemeClr val="accent1"/>
-          </a:effectRef>
-          <a:fontRef idx="minor">
-            <a:schemeClr val="lt1"/>
-          </a:fontRef>
-        </p:style>
-      </p:sp>
-      <p:sp>
-        <p:nvSpPr>
           <p:cNvPr id="2" name="Title 1"/>
           <p:cNvSpPr>
             <a:spLocks noGrp="1"/>
@@ -2611,15 +3079,15 @@
         </p:nvSpPr>
         <p:spPr>
           <a:xfrm>
-            <a:off x="810000" y="2951396"/>
-            <a:ext cx="10561418" cy="1468800"/>
+            <a:off x="677335" y="2700867"/>
+            <a:ext cx="8596668" cy="1826581"/>
           </a:xfrm>
         </p:spPr>
         <p:txBody>
           <a:bodyPr anchor="b"/>
           <a:lstStyle>
-            <a:lvl1pPr algn="r">
-              <a:defRPr sz="4800" b="1" cap="none"/>
+            <a:lvl1pPr algn="l">
+              <a:defRPr sz="4000" b="0" cap="none"/>
             </a:lvl1pPr>
           </a:lstStyle>
           <a:p>
@@ -2643,20 +3111,21 @@
         </p:nvSpPr>
         <p:spPr>
           <a:xfrm>
-            <a:off x="810000" y="5281201"/>
-            <a:ext cx="10561418" cy="433955"/>
+            <a:off x="677335" y="4527448"/>
+            <a:ext cx="8596668" cy="860400"/>
           </a:xfrm>
         </p:spPr>
         <p:txBody>
-          <a:bodyPr anchor="t">
-            <a:noAutofit/>
-          </a:bodyPr>
+          <a:bodyPr anchor="t"/>
           <a:lstStyle>
-            <a:lvl1pPr marL="0" indent="0" algn="r">
-              <a:buNone/>
-              <a:defRPr sz="1800">
+            <a:lvl1pPr marL="0" indent="0" algn="l">
+              <a:buNone/>
+              <a:defRPr sz="2000">
                 <a:solidFill>
-                  <a:schemeClr val="tx1"/>
+                  <a:schemeClr val="tx1">
+                    <a:lumMod val="50000"/>
+                    <a:lumOff val="50000"/>
+                  </a:schemeClr>
                 </a:solidFill>
               </a:defRPr>
             </a:lvl1pPr>
@@ -2818,7 +3287,7 @@
     </p:spTree>
     <p:extLst>
       <p:ext uri="{BB962C8B-B14F-4D97-AF65-F5344CB8AC3E}">
-        <p14:creationId xmlns:p14="http://schemas.microsoft.com/office/powerpoint/2010/main" val="2917466879"/>
+        <p14:creationId xmlns:p14="http://schemas.microsoft.com/office/powerpoint/2010/main" val="4293670850"/>
       </p:ext>
     </p:extLst>
   </p:cSld>
@@ -2847,109 +3316,6 @@
       </p:grpSpPr>
       <p:sp>
         <p:nvSpPr>
-          <p:cNvPr id="8" name="Freeform 6"/>
-          <p:cNvSpPr/>
-          <p:nvPr/>
-        </p:nvSpPr>
-        <p:spPr bwMode="auto">
-          <a:xfrm>
-            <a:off x="0" y="0"/>
-            <a:ext cx="12192000" cy="2185988"/>
-          </a:xfrm>
-          <a:custGeom>
-            <a:avLst/>
-            <a:gdLst/>
-            <a:ahLst/>
-            <a:cxnLst/>
-            <a:rect l="0" t="0" r="r" b="b"/>
-            <a:pathLst>
-              <a:path w="5760" h="1377">
-                <a:moveTo>
-                  <a:pt x="5760" y="0"/>
-                </a:moveTo>
-                <a:lnTo>
-                  <a:pt x="0" y="0"/>
-                </a:lnTo>
-                <a:lnTo>
-                  <a:pt x="0" y="1189"/>
-                </a:lnTo>
-                <a:lnTo>
-                  <a:pt x="943" y="1189"/>
-                </a:lnTo>
-                <a:lnTo>
-                  <a:pt x="1123" y="1369"/>
-                </a:lnTo>
-                <a:lnTo>
-                  <a:pt x="1123" y="1369"/>
-                </a:lnTo>
-                <a:lnTo>
-                  <a:pt x="1127" y="1371"/>
-                </a:lnTo>
-                <a:lnTo>
-                  <a:pt x="1133" y="1374"/>
-                </a:lnTo>
-                <a:lnTo>
-                  <a:pt x="1139" y="1377"/>
-                </a:lnTo>
-                <a:lnTo>
-                  <a:pt x="1144" y="1377"/>
-                </a:lnTo>
-                <a:lnTo>
-                  <a:pt x="1150" y="1377"/>
-                </a:lnTo>
-                <a:lnTo>
-                  <a:pt x="1155" y="1374"/>
-                </a:lnTo>
-                <a:lnTo>
-                  <a:pt x="1161" y="1371"/>
-                </a:lnTo>
-                <a:lnTo>
-                  <a:pt x="1165" y="1369"/>
-                </a:lnTo>
-                <a:lnTo>
-                  <a:pt x="1345" y="1189"/>
-                </a:lnTo>
-                <a:lnTo>
-                  <a:pt x="5760" y="1189"/>
-                </a:lnTo>
-                <a:lnTo>
-                  <a:pt x="5760" y="0"/>
-                </a:lnTo>
-                <a:close/>
-              </a:path>
-            </a:pathLst>
-          </a:custGeom>
-          <a:ln/>
-          <a:extLst>
-            <a:ext uri="{91240B29-F687-4f45-9708-019B960494DF}">
-              <a14:hiddenLine xmlns:a14="http://schemas.microsoft.com/office/drawing/2010/main" xmlns="" w="9525">
-                <a:solidFill>
-                  <a:srgbClr val="000000"/>
-                </a:solidFill>
-                <a:round/>
-                <a:headEnd/>
-                <a:tailEnd/>
-              </a14:hiddenLine>
-            </a:ext>
-          </a:extLst>
-        </p:spPr>
-        <p:style>
-          <a:lnRef idx="1">
-            <a:schemeClr val="accent1"/>
-          </a:lnRef>
-          <a:fillRef idx="3">
-            <a:schemeClr val="accent1"/>
-          </a:fillRef>
-          <a:effectRef idx="2">
-            <a:schemeClr val="accent1"/>
-          </a:effectRef>
-          <a:fontRef idx="minor">
-            <a:schemeClr val="lt1"/>
-          </a:fontRef>
-        </p:style>
-      </p:sp>
-      <p:sp>
-        <p:nvSpPr>
           <p:cNvPr id="2" name="Title 1"/>
           <p:cNvSpPr>
             <a:spLocks noGrp="1"/>
@@ -2983,14 +3349,12 @@
         </p:nvSpPr>
         <p:spPr>
           <a:xfrm>
-            <a:off x="818712" y="2222287"/>
-            <a:ext cx="5185873" cy="3638763"/>
+            <a:off x="677334" y="2160589"/>
+            <a:ext cx="4184035" cy="3880772"/>
           </a:xfrm>
         </p:spPr>
         <p:txBody>
-          <a:bodyPr>
-            <a:normAutofit/>
-          </a:bodyPr>
+          <a:bodyPr/>
           <a:lstStyle/>
           <a:p>
             <a:pPr lvl="0"/>
@@ -3042,14 +3406,12 @@
         </p:nvSpPr>
         <p:spPr>
           <a:xfrm>
-            <a:off x="6187415" y="2222287"/>
-            <a:ext cx="5194583" cy="3638764"/>
+            <a:off x="5089970" y="2160589"/>
+            <a:ext cx="4184034" cy="3880773"/>
           </a:xfrm>
         </p:spPr>
         <p:txBody>
-          <a:bodyPr>
-            <a:normAutofit/>
-          </a:bodyPr>
+          <a:bodyPr/>
           <a:lstStyle/>
           <a:p>
             <a:pPr lvl="0"/>
@@ -3157,7 +3519,7 @@
     </p:spTree>
     <p:extLst>
       <p:ext uri="{BB962C8B-B14F-4D97-AF65-F5344CB8AC3E}">
-        <p14:creationId xmlns:p14="http://schemas.microsoft.com/office/powerpoint/2010/main" val="1925958840"/>
+        <p14:creationId xmlns:p14="http://schemas.microsoft.com/office/powerpoint/2010/main" val="1160290215"/>
       </p:ext>
     </p:extLst>
   </p:cSld>
@@ -3186,109 +3548,6 @@
       </p:grpSpPr>
       <p:sp>
         <p:nvSpPr>
-          <p:cNvPr id="10" name="Freeform 6"/>
-          <p:cNvSpPr/>
-          <p:nvPr/>
-        </p:nvSpPr>
-        <p:spPr bwMode="auto">
-          <a:xfrm>
-            <a:off x="0" y="0"/>
-            <a:ext cx="12192000" cy="2185988"/>
-          </a:xfrm>
-          <a:custGeom>
-            <a:avLst/>
-            <a:gdLst/>
-            <a:ahLst/>
-            <a:cxnLst/>
-            <a:rect l="0" t="0" r="r" b="b"/>
-            <a:pathLst>
-              <a:path w="5760" h="1377">
-                <a:moveTo>
-                  <a:pt x="5760" y="0"/>
-                </a:moveTo>
-                <a:lnTo>
-                  <a:pt x="0" y="0"/>
-                </a:lnTo>
-                <a:lnTo>
-                  <a:pt x="0" y="1189"/>
-                </a:lnTo>
-                <a:lnTo>
-                  <a:pt x="943" y="1189"/>
-                </a:lnTo>
-                <a:lnTo>
-                  <a:pt x="1123" y="1369"/>
-                </a:lnTo>
-                <a:lnTo>
-                  <a:pt x="1123" y="1369"/>
-                </a:lnTo>
-                <a:lnTo>
-                  <a:pt x="1127" y="1371"/>
-                </a:lnTo>
-                <a:lnTo>
-                  <a:pt x="1133" y="1374"/>
-                </a:lnTo>
-                <a:lnTo>
-                  <a:pt x="1139" y="1377"/>
-                </a:lnTo>
-                <a:lnTo>
-                  <a:pt x="1144" y="1377"/>
-                </a:lnTo>
-                <a:lnTo>
-                  <a:pt x="1150" y="1377"/>
-                </a:lnTo>
-                <a:lnTo>
-                  <a:pt x="1155" y="1374"/>
-                </a:lnTo>
-                <a:lnTo>
-                  <a:pt x="1161" y="1371"/>
-                </a:lnTo>
-                <a:lnTo>
-                  <a:pt x="1165" y="1369"/>
-                </a:lnTo>
-                <a:lnTo>
-                  <a:pt x="1345" y="1189"/>
-                </a:lnTo>
-                <a:lnTo>
-                  <a:pt x="5760" y="1189"/>
-                </a:lnTo>
-                <a:lnTo>
-                  <a:pt x="5760" y="0"/>
-                </a:lnTo>
-                <a:close/>
-              </a:path>
-            </a:pathLst>
-          </a:custGeom>
-          <a:ln/>
-          <a:extLst>
-            <a:ext uri="{91240B29-F687-4f45-9708-019B960494DF}">
-              <a14:hiddenLine xmlns:a14="http://schemas.microsoft.com/office/drawing/2010/main" xmlns="" w="9525">
-                <a:solidFill>
-                  <a:srgbClr val="000000"/>
-                </a:solidFill>
-                <a:round/>
-                <a:headEnd/>
-                <a:tailEnd/>
-              </a14:hiddenLine>
-            </a:ext>
-          </a:extLst>
-        </p:spPr>
-        <p:style>
-          <a:lnRef idx="1">
-            <a:schemeClr val="accent1"/>
-          </a:lnRef>
-          <a:fillRef idx="3">
-            <a:schemeClr val="accent1"/>
-          </a:fillRef>
-          <a:effectRef idx="2">
-            <a:schemeClr val="accent1"/>
-          </a:effectRef>
-          <a:fontRef idx="minor">
-            <a:schemeClr val="lt1"/>
-          </a:fontRef>
-        </p:style>
-      </p:sp>
-      <p:sp>
-        <p:nvSpPr>
           <p:cNvPr id="2" name="Title 1"/>
           <p:cNvSpPr>
             <a:spLocks noGrp="1"/>
@@ -3326,8 +3585,8 @@
         </p:nvSpPr>
         <p:spPr>
           <a:xfrm>
-            <a:off x="814728" y="2174875"/>
-            <a:ext cx="5189857" cy="576262"/>
+            <a:off x="675745" y="2160983"/>
+            <a:ext cx="4185623" cy="576262"/>
           </a:xfrm>
         </p:spPr>
         <p:txBody>
@@ -3335,9 +3594,9 @@
             <a:noAutofit/>
           </a:bodyPr>
           <a:lstStyle>
-            <a:lvl1pPr marL="0" indent="0" algn="ctr">
-              <a:buNone/>
-              <a:defRPr sz="2000" b="0"/>
+            <a:lvl1pPr marL="0" indent="0">
+              <a:buNone/>
+              <a:defRPr sz="2400" b="0"/>
             </a:lvl1pPr>
             <a:lvl2pPr marL="457200" indent="0">
               <a:buNone/>
@@ -3393,12 +3652,12 @@
         </p:nvSpPr>
         <p:spPr>
           <a:xfrm>
-            <a:off x="814729" y="2751138"/>
-            <a:ext cx="5189856" cy="3109913"/>
+            <a:off x="675745" y="2737245"/>
+            <a:ext cx="4185623" cy="3304117"/>
           </a:xfrm>
         </p:spPr>
         <p:txBody>
-          <a:bodyPr anchor="t">
+          <a:bodyPr>
             <a:normAutofit/>
           </a:bodyPr>
           <a:lstStyle/>
@@ -3452,8 +3711,8 @@
         </p:nvSpPr>
         <p:spPr>
           <a:xfrm>
-            <a:off x="6187415" y="2174875"/>
-            <a:ext cx="5194583" cy="576262"/>
+            <a:off x="5088383" y="2160983"/>
+            <a:ext cx="4185618" cy="576262"/>
           </a:xfrm>
         </p:spPr>
         <p:txBody>
@@ -3461,9 +3720,9 @@
             <a:noAutofit/>
           </a:bodyPr>
           <a:lstStyle>
-            <a:lvl1pPr marL="0" indent="0" algn="ctr">
-              <a:buNone/>
-              <a:defRPr sz="2000" b="0"/>
+            <a:lvl1pPr marL="0" indent="0">
+              <a:buNone/>
+              <a:defRPr sz="2400" b="0"/>
             </a:lvl1pPr>
             <a:lvl2pPr marL="457200" indent="0">
               <a:buNone/>
@@ -3519,12 +3778,12 @@
         </p:nvSpPr>
         <p:spPr>
           <a:xfrm>
-            <a:off x="6187415" y="2751138"/>
-            <a:ext cx="5194583" cy="3109913"/>
+            <a:off x="5088384" y="2737245"/>
+            <a:ext cx="4185617" cy="3304117"/>
           </a:xfrm>
         </p:spPr>
         <p:txBody>
-          <a:bodyPr anchor="t">
+          <a:bodyPr>
             <a:normAutofit/>
           </a:bodyPr>
           <a:lstStyle/>
@@ -3634,7 +3893,7 @@
     </p:spTree>
     <p:extLst>
       <p:ext uri="{BB962C8B-B14F-4D97-AF65-F5344CB8AC3E}">
-        <p14:creationId xmlns:p14="http://schemas.microsoft.com/office/powerpoint/2010/main" val="1843962898"/>
+        <p14:creationId xmlns:p14="http://schemas.microsoft.com/office/powerpoint/2010/main" val="3045727141"/>
       </p:ext>
     </p:extLst>
   </p:cSld>
@@ -3663,118 +3922,20 @@
       </p:grpSpPr>
       <p:sp>
         <p:nvSpPr>
-          <p:cNvPr id="6" name="Freeform 6"/>
-          <p:cNvSpPr/>
-          <p:nvPr/>
-        </p:nvSpPr>
-        <p:spPr bwMode="auto">
+          <p:cNvPr id="2" name="Title 1"/>
+          <p:cNvSpPr>
+            <a:spLocks noGrp="1"/>
+          </p:cNvSpPr>
+          <p:nvPr>
+            <p:ph type="title"/>
+          </p:nvPr>
+        </p:nvSpPr>
+        <p:spPr>
           <a:xfrm>
-            <a:off x="0" y="0"/>
-            <a:ext cx="12192000" cy="2185988"/>
+            <a:off x="677334" y="609600"/>
+            <a:ext cx="8596668" cy="1320800"/>
           </a:xfrm>
-          <a:custGeom>
-            <a:avLst/>
-            <a:gdLst/>
-            <a:ahLst/>
-            <a:cxnLst/>
-            <a:rect l="0" t="0" r="r" b="b"/>
-            <a:pathLst>
-              <a:path w="5760" h="1377">
-                <a:moveTo>
-                  <a:pt x="5760" y="0"/>
-                </a:moveTo>
-                <a:lnTo>
-                  <a:pt x="0" y="0"/>
-                </a:lnTo>
-                <a:lnTo>
-                  <a:pt x="0" y="1189"/>
-                </a:lnTo>
-                <a:lnTo>
-                  <a:pt x="943" y="1189"/>
-                </a:lnTo>
-                <a:lnTo>
-                  <a:pt x="1123" y="1369"/>
-                </a:lnTo>
-                <a:lnTo>
-                  <a:pt x="1123" y="1369"/>
-                </a:lnTo>
-                <a:lnTo>
-                  <a:pt x="1127" y="1371"/>
-                </a:lnTo>
-                <a:lnTo>
-                  <a:pt x="1133" y="1374"/>
-                </a:lnTo>
-                <a:lnTo>
-                  <a:pt x="1139" y="1377"/>
-                </a:lnTo>
-                <a:lnTo>
-                  <a:pt x="1144" y="1377"/>
-                </a:lnTo>
-                <a:lnTo>
-                  <a:pt x="1150" y="1377"/>
-                </a:lnTo>
-                <a:lnTo>
-                  <a:pt x="1155" y="1374"/>
-                </a:lnTo>
-                <a:lnTo>
-                  <a:pt x="1161" y="1371"/>
-                </a:lnTo>
-                <a:lnTo>
-                  <a:pt x="1165" y="1369"/>
-                </a:lnTo>
-                <a:lnTo>
-                  <a:pt x="1345" y="1189"/>
-                </a:lnTo>
-                <a:lnTo>
-                  <a:pt x="5760" y="1189"/>
-                </a:lnTo>
-                <a:lnTo>
-                  <a:pt x="5760" y="0"/>
-                </a:lnTo>
-                <a:close/>
-              </a:path>
-            </a:pathLst>
-          </a:custGeom>
-          <a:ln/>
-          <a:extLst>
-            <a:ext uri="{91240B29-F687-4f45-9708-019B960494DF}">
-              <a14:hiddenLine xmlns:a14="http://schemas.microsoft.com/office/drawing/2010/main" xmlns="" w="9525">
-                <a:solidFill>
-                  <a:srgbClr val="000000"/>
-                </a:solidFill>
-                <a:round/>
-                <a:headEnd/>
-                <a:tailEnd/>
-              </a14:hiddenLine>
-            </a:ext>
-          </a:extLst>
         </p:spPr>
-        <p:style>
-          <a:lnRef idx="1">
-            <a:schemeClr val="accent1"/>
-          </a:lnRef>
-          <a:fillRef idx="3">
-            <a:schemeClr val="accent1"/>
-          </a:fillRef>
-          <a:effectRef idx="2">
-            <a:schemeClr val="accent1"/>
-          </a:effectRef>
-          <a:fontRef idx="minor">
-            <a:schemeClr val="lt1"/>
-          </a:fontRef>
-        </p:style>
-      </p:sp>
-      <p:sp>
-        <p:nvSpPr>
-          <p:cNvPr id="2" name="Title 1"/>
-          <p:cNvSpPr>
-            <a:spLocks noGrp="1"/>
-          </p:cNvSpPr>
-          <p:nvPr>
-            <p:ph type="title"/>
-          </p:nvPr>
-        </p:nvSpPr>
-        <p:spPr/>
         <p:txBody>
           <a:bodyPr/>
           <a:lstStyle/>
@@ -3855,7 +4016,7 @@
     </p:spTree>
     <p:extLst>
       <p:ext uri="{BB962C8B-B14F-4D97-AF65-F5344CB8AC3E}">
-        <p14:creationId xmlns:p14="http://schemas.microsoft.com/office/powerpoint/2010/main" val="3744588321"/>
+        <p14:creationId xmlns:p14="http://schemas.microsoft.com/office/powerpoint/2010/main" val="695061986"/>
       </p:ext>
     </p:extLst>
   </p:cSld>
@@ -3950,7 +4111,7 @@
     </p:spTree>
     <p:extLst>
       <p:ext uri="{BB962C8B-B14F-4D97-AF65-F5344CB8AC3E}">
-        <p14:creationId xmlns:p14="http://schemas.microsoft.com/office/powerpoint/2010/main" val="1534833311"/>
+        <p14:creationId xmlns:p14="http://schemas.microsoft.com/office/powerpoint/2010/main" val="2008004010"/>
       </p:ext>
     </p:extLst>
   </p:cSld>
@@ -3979,222 +4140,6 @@
       </p:grpSpPr>
       <p:sp>
         <p:nvSpPr>
-          <p:cNvPr id="12" name="Freeform 6"/>
-          <p:cNvSpPr>
-            <a:spLocks noChangeAspect="1"/>
-          </p:cNvSpPr>
-          <p:nvPr/>
-        </p:nvSpPr>
-        <p:spPr bwMode="auto">
-          <a:xfrm>
-            <a:off x="1073151" y="446087"/>
-            <a:ext cx="3547533" cy="1814651"/>
-          </a:xfrm>
-          <a:custGeom>
-            <a:avLst/>
-            <a:gdLst/>
-            <a:ahLst/>
-            <a:cxnLst/>
-            <a:rect l="0" t="0" r="r" b="b"/>
-            <a:pathLst>
-              <a:path w="3384" h="2308">
-                <a:moveTo>
-                  <a:pt x="3340" y="0"/>
-                </a:moveTo>
-                <a:lnTo>
-                  <a:pt x="44" y="0"/>
-                </a:lnTo>
-                <a:lnTo>
-                  <a:pt x="44" y="0"/>
-                </a:lnTo>
-                <a:lnTo>
-                  <a:pt x="34" y="0"/>
-                </a:lnTo>
-                <a:lnTo>
-                  <a:pt x="26" y="4"/>
-                </a:lnTo>
-                <a:lnTo>
-                  <a:pt x="20" y="8"/>
-                </a:lnTo>
-                <a:lnTo>
-                  <a:pt x="12" y="12"/>
-                </a:lnTo>
-                <a:lnTo>
-                  <a:pt x="8" y="20"/>
-                </a:lnTo>
-                <a:lnTo>
-                  <a:pt x="4" y="26"/>
-                </a:lnTo>
-                <a:lnTo>
-                  <a:pt x="0" y="34"/>
-                </a:lnTo>
-                <a:lnTo>
-                  <a:pt x="0" y="44"/>
-                </a:lnTo>
-                <a:lnTo>
-                  <a:pt x="0" y="2076"/>
-                </a:lnTo>
-                <a:lnTo>
-                  <a:pt x="0" y="2076"/>
-                </a:lnTo>
-                <a:lnTo>
-                  <a:pt x="0" y="2086"/>
-                </a:lnTo>
-                <a:lnTo>
-                  <a:pt x="4" y="2094"/>
-                </a:lnTo>
-                <a:lnTo>
-                  <a:pt x="8" y="2100"/>
-                </a:lnTo>
-                <a:lnTo>
-                  <a:pt x="12" y="2108"/>
-                </a:lnTo>
-                <a:lnTo>
-                  <a:pt x="20" y="2112"/>
-                </a:lnTo>
-                <a:lnTo>
-                  <a:pt x="26" y="2116"/>
-                </a:lnTo>
-                <a:lnTo>
-                  <a:pt x="34" y="2120"/>
-                </a:lnTo>
-                <a:lnTo>
-                  <a:pt x="44" y="2120"/>
-                </a:lnTo>
-                <a:lnTo>
-                  <a:pt x="474" y="2120"/>
-                </a:lnTo>
-                <a:lnTo>
-                  <a:pt x="650" y="2296"/>
-                </a:lnTo>
-                <a:lnTo>
-                  <a:pt x="650" y="2296"/>
-                </a:lnTo>
-                <a:lnTo>
-                  <a:pt x="656" y="2300"/>
-                </a:lnTo>
-                <a:lnTo>
-                  <a:pt x="664" y="2304"/>
-                </a:lnTo>
-                <a:lnTo>
-                  <a:pt x="672" y="2308"/>
-                </a:lnTo>
-                <a:lnTo>
-                  <a:pt x="680" y="2308"/>
-                </a:lnTo>
-                <a:lnTo>
-                  <a:pt x="688" y="2308"/>
-                </a:lnTo>
-                <a:lnTo>
-                  <a:pt x="696" y="2304"/>
-                </a:lnTo>
-                <a:lnTo>
-                  <a:pt x="704" y="2300"/>
-                </a:lnTo>
-                <a:lnTo>
-                  <a:pt x="710" y="2296"/>
-                </a:lnTo>
-                <a:lnTo>
-                  <a:pt x="886" y="2120"/>
-                </a:lnTo>
-                <a:lnTo>
-                  <a:pt x="3340" y="2120"/>
-                </a:lnTo>
-                <a:lnTo>
-                  <a:pt x="3340" y="2120"/>
-                </a:lnTo>
-                <a:lnTo>
-                  <a:pt x="3350" y="2120"/>
-                </a:lnTo>
-                <a:lnTo>
-                  <a:pt x="3358" y="2116"/>
-                </a:lnTo>
-                <a:lnTo>
-                  <a:pt x="3364" y="2112"/>
-                </a:lnTo>
-                <a:lnTo>
-                  <a:pt x="3372" y="2108"/>
-                </a:lnTo>
-                <a:lnTo>
-                  <a:pt x="3376" y="2100"/>
-                </a:lnTo>
-                <a:lnTo>
-                  <a:pt x="3380" y="2094"/>
-                </a:lnTo>
-                <a:lnTo>
-                  <a:pt x="3384" y="2086"/>
-                </a:lnTo>
-                <a:lnTo>
-                  <a:pt x="3384" y="2076"/>
-                </a:lnTo>
-                <a:lnTo>
-                  <a:pt x="3384" y="44"/>
-                </a:lnTo>
-                <a:lnTo>
-                  <a:pt x="3384" y="44"/>
-                </a:lnTo>
-                <a:lnTo>
-                  <a:pt x="3384" y="34"/>
-                </a:lnTo>
-                <a:lnTo>
-                  <a:pt x="3380" y="26"/>
-                </a:lnTo>
-                <a:lnTo>
-                  <a:pt x="3376" y="20"/>
-                </a:lnTo>
-                <a:lnTo>
-                  <a:pt x="3372" y="12"/>
-                </a:lnTo>
-                <a:lnTo>
-                  <a:pt x="3364" y="8"/>
-                </a:lnTo>
-                <a:lnTo>
-                  <a:pt x="3358" y="4"/>
-                </a:lnTo>
-                <a:lnTo>
-                  <a:pt x="3350" y="0"/>
-                </a:lnTo>
-                <a:lnTo>
-                  <a:pt x="3340" y="0"/>
-                </a:lnTo>
-                <a:lnTo>
-                  <a:pt x="3340" y="0"/>
-                </a:lnTo>
-                <a:close/>
-              </a:path>
-            </a:pathLst>
-          </a:custGeom>
-          <a:ln/>
-          <a:extLst>
-            <a:ext uri="{91240B29-F687-4f45-9708-019B960494DF}">
-              <a14:hiddenLine xmlns:a14="http://schemas.microsoft.com/office/drawing/2010/main" xmlns="" w="9525">
-                <a:solidFill>
-                  <a:srgbClr val="000000"/>
-                </a:solidFill>
-                <a:round/>
-                <a:headEnd/>
-                <a:tailEnd/>
-              </a14:hiddenLine>
-            </a:ext>
-          </a:extLst>
-        </p:spPr>
-        <p:style>
-          <a:lnRef idx="1">
-            <a:schemeClr val="accent1"/>
-          </a:lnRef>
-          <a:fillRef idx="3">
-            <a:schemeClr val="accent1"/>
-          </a:fillRef>
-          <a:effectRef idx="2">
-            <a:schemeClr val="accent1"/>
-          </a:effectRef>
-          <a:fontRef idx="minor">
-            <a:schemeClr val="lt1"/>
-          </a:fontRef>
-        </p:style>
-      </p:sp>
-      <p:sp>
-        <p:nvSpPr>
           <p:cNvPr id="2" name="Title 1"/>
           <p:cNvSpPr>
             <a:spLocks noGrp="1"/>
@@ -4205,15 +4150,17 @@
         </p:nvSpPr>
         <p:spPr>
           <a:xfrm>
-            <a:off x="1073151" y="446088"/>
-            <a:ext cx="3547533" cy="1618396"/>
+            <a:off x="677334" y="1498604"/>
+            <a:ext cx="3854528" cy="1278466"/>
           </a:xfrm>
         </p:spPr>
         <p:txBody>
-          <a:bodyPr anchor="b"/>
+          <a:bodyPr anchor="b">
+            <a:normAutofit/>
+          </a:bodyPr>
           <a:lstStyle>
-            <a:lvl1pPr algn="l">
-              <a:defRPr sz="2000" b="1"/>
+            <a:lvl1pPr>
+              <a:defRPr sz="2000"/>
             </a:lvl1pPr>
           </a:lstStyle>
           <a:p>
@@ -4237,8 +4184,8 @@
         </p:nvSpPr>
         <p:spPr>
           <a:xfrm>
-            <a:off x="4855633" y="446088"/>
-            <a:ext cx="6252633" cy="5414963"/>
+            <a:off x="4760461" y="514924"/>
+            <a:ext cx="4513541" cy="5526437"/>
           </a:xfrm>
         </p:spPr>
         <p:txBody>
@@ -4296,48 +4243,50 @@
         </p:nvSpPr>
         <p:spPr>
           <a:xfrm>
-            <a:off x="1073151" y="2260738"/>
-            <a:ext cx="3547533" cy="3600311"/>
+            <a:off x="677334" y="2777069"/>
+            <a:ext cx="3854528" cy="2584449"/>
           </a:xfrm>
         </p:spPr>
         <p:txBody>
-          <a:bodyPr/>
+          <a:bodyPr>
+            <a:normAutofit/>
+          </a:bodyPr>
           <a:lstStyle>
             <a:lvl1pPr marL="0" indent="0">
               <a:buNone/>
               <a:defRPr sz="1400"/>
             </a:lvl1pPr>
-            <a:lvl2pPr marL="457200" indent="0">
+            <a:lvl2pPr marL="457063" indent="0">
+              <a:buNone/>
+              <a:defRPr sz="1400"/>
+            </a:lvl2pPr>
+            <a:lvl3pPr marL="914126" indent="0">
               <a:buNone/>
               <a:defRPr sz="1200"/>
-            </a:lvl2pPr>
-            <a:lvl3pPr marL="914400" indent="0">
+            </a:lvl3pPr>
+            <a:lvl4pPr marL="1371189" indent="0">
               <a:buNone/>
               <a:defRPr sz="1000"/>
-            </a:lvl3pPr>
-            <a:lvl4pPr marL="1371600" indent="0">
-              <a:buNone/>
-              <a:defRPr sz="900"/>
             </a:lvl4pPr>
-            <a:lvl5pPr marL="1828800" indent="0">
-              <a:buNone/>
-              <a:defRPr sz="900"/>
+            <a:lvl5pPr marL="1828251" indent="0">
+              <a:buNone/>
+              <a:defRPr sz="1000"/>
             </a:lvl5pPr>
-            <a:lvl6pPr marL="2286000" indent="0">
-              <a:buNone/>
-              <a:defRPr sz="900"/>
+            <a:lvl6pPr marL="2285314" indent="0">
+              <a:buNone/>
+              <a:defRPr sz="1000"/>
             </a:lvl6pPr>
-            <a:lvl7pPr marL="2743200" indent="0">
-              <a:buNone/>
-              <a:defRPr sz="900"/>
+            <a:lvl7pPr marL="2742377" indent="0">
+              <a:buNone/>
+              <a:defRPr sz="1000"/>
             </a:lvl7pPr>
-            <a:lvl8pPr marL="3200400" indent="0">
-              <a:buNone/>
-              <a:defRPr sz="900"/>
+            <a:lvl8pPr marL="3199440" indent="0">
+              <a:buNone/>
+              <a:defRPr sz="1000"/>
             </a:lvl8pPr>
-            <a:lvl9pPr marL="3657600" indent="0">
-              <a:buNone/>
-              <a:defRPr sz="900"/>
+            <a:lvl9pPr marL="3656503" indent="0">
+              <a:buNone/>
+              <a:defRPr sz="1000"/>
             </a:lvl9pPr>
           </a:lstStyle>
           <a:p>
@@ -4417,7 +4366,7 @@
     </p:spTree>
     <p:extLst>
       <p:ext uri="{BB962C8B-B14F-4D97-AF65-F5344CB8AC3E}">
-        <p14:creationId xmlns:p14="http://schemas.microsoft.com/office/powerpoint/2010/main" val="3354033300"/>
+        <p14:creationId xmlns:p14="http://schemas.microsoft.com/office/powerpoint/2010/main" val="2743898720"/>
       </p:ext>
     </p:extLst>
   </p:cSld>
@@ -4456,8 +4405,8 @@
         </p:nvSpPr>
         <p:spPr>
           <a:xfrm>
-            <a:off x="814728" y="727522"/>
-            <a:ext cx="4852988" cy="1617163"/>
+            <a:off x="677334" y="4800600"/>
+            <a:ext cx="8596667" cy="566738"/>
           </a:xfrm>
         </p:spPr>
         <p:txBody>
@@ -4480,130 +4429,18 @@
       </p:sp>
       <p:sp>
         <p:nvSpPr>
-          <p:cNvPr id="9" name="Picture Placeholder 11"/>
+          <p:cNvPr id="3" name="Picture Placeholder 2"/>
           <p:cNvSpPr>
             <a:spLocks noGrp="1" noChangeAspect="1"/>
           </p:cNvSpPr>
           <p:nvPr>
-            <p:ph type="pic" sz="quarter" idx="13"/>
-          </p:nvPr>
-        </p:nvSpPr>
-        <p:spPr bwMode="auto">
-          <a:xfrm>
-            <a:off x="6098117" y="0"/>
-            <a:ext cx="6093883" cy="6858000"/>
-          </a:xfrm>
-          <a:custGeom>
-            <a:avLst/>
-            <a:gdLst/>
-            <a:ahLst/>
-            <a:cxnLst/>
-            <a:rect l="0" t="0" r="r" b="b"/>
-            <a:pathLst>
-              <a:path w="2879" h="4320">
-                <a:moveTo>
-                  <a:pt x="183" y="0"/>
-                </a:moveTo>
-                <a:lnTo>
-                  <a:pt x="183" y="1197"/>
-                </a:lnTo>
-                <a:lnTo>
-                  <a:pt x="8" y="1372"/>
-                </a:lnTo>
-                <a:lnTo>
-                  <a:pt x="8" y="1372"/>
-                </a:lnTo>
-                <a:lnTo>
-                  <a:pt x="6" y="1376"/>
-                </a:lnTo>
-                <a:lnTo>
-                  <a:pt x="3" y="1382"/>
-                </a:lnTo>
-                <a:lnTo>
-                  <a:pt x="0" y="1387"/>
-                </a:lnTo>
-                <a:lnTo>
-                  <a:pt x="0" y="1393"/>
-                </a:lnTo>
-                <a:lnTo>
-                  <a:pt x="0" y="1399"/>
-                </a:lnTo>
-                <a:lnTo>
-                  <a:pt x="3" y="1404"/>
-                </a:lnTo>
-                <a:lnTo>
-                  <a:pt x="6" y="1410"/>
-                </a:lnTo>
-                <a:lnTo>
-                  <a:pt x="8" y="1414"/>
-                </a:lnTo>
-                <a:lnTo>
-                  <a:pt x="183" y="1589"/>
-                </a:lnTo>
-                <a:lnTo>
-                  <a:pt x="183" y="4320"/>
-                </a:lnTo>
-                <a:lnTo>
-                  <a:pt x="2879" y="4320"/>
-                </a:lnTo>
-                <a:lnTo>
-                  <a:pt x="2879" y="0"/>
-                </a:lnTo>
-                <a:lnTo>
-                  <a:pt x="183" y="0"/>
-                </a:lnTo>
-                <a:close/>
-              </a:path>
-            </a:pathLst>
-          </a:custGeom>
-          <a:noFill/>
-          <a:ln w="9525">
-            <a:solidFill>
-              <a:schemeClr val="tx2"/>
-            </a:solidFill>
-            <a:round/>
-            <a:headEnd/>
-            <a:tailEnd/>
-          </a:ln>
-          <a:effectLst/>
-        </p:spPr>
-        <p:txBody>
-          <a:bodyPr wrap="square" numCol="1" anchor="t" anchorCtr="0" compatLnSpc="1">
-            <a:prstTxWarp prst="textNoShape">
-              <a:avLst/>
-            </a:prstTxWarp>
-            <a:normAutofit/>
-          </a:bodyPr>
-          <a:lstStyle>
-            <a:lvl1pPr algn="ctr">
-              <a:buFontTx/>
-              <a:buNone/>
-              <a:defRPr sz="1400"/>
-            </a:lvl1pPr>
-          </a:lstStyle>
-          <a:p>
-            <a:r>
-              <a:rPr lang="en-US"/>
-              <a:t>Click icon to add picture</a:t>
-            </a:r>
-            <a:endParaRPr lang="en-US" dirty="0"/>
-          </a:p>
-        </p:txBody>
-      </p:sp>
-      <p:sp>
-        <p:nvSpPr>
-          <p:cNvPr id="4" name="Text Placeholder 3"/>
-          <p:cNvSpPr>
-            <a:spLocks noGrp="1"/>
-          </p:cNvSpPr>
-          <p:nvPr>
-            <p:ph type="body" sz="half" idx="2"/>
+            <p:ph type="pic" idx="1"/>
           </p:nvPr>
         </p:nvSpPr>
         <p:spPr>
           <a:xfrm>
-            <a:off x="814728" y="2344684"/>
-            <a:ext cx="4852988" cy="3516365"/>
+            <a:off x="677334" y="609600"/>
+            <a:ext cx="8596668" cy="3845718"/>
           </a:xfrm>
         </p:spPr>
         <p:txBody>
@@ -4611,6 +4448,73 @@
             <a:normAutofit/>
           </a:bodyPr>
           <a:lstStyle>
+            <a:lvl1pPr marL="0" indent="0" algn="ctr">
+              <a:buNone/>
+              <a:defRPr sz="1600"/>
+            </a:lvl1pPr>
+            <a:lvl2pPr marL="457200" indent="0">
+              <a:buNone/>
+              <a:defRPr sz="1600"/>
+            </a:lvl2pPr>
+            <a:lvl3pPr marL="914400" indent="0">
+              <a:buNone/>
+              <a:defRPr sz="1600"/>
+            </a:lvl3pPr>
+            <a:lvl4pPr marL="1371600" indent="0">
+              <a:buNone/>
+              <a:defRPr sz="1600"/>
+            </a:lvl4pPr>
+            <a:lvl5pPr marL="1828800" indent="0">
+              <a:buNone/>
+              <a:defRPr sz="1600"/>
+            </a:lvl5pPr>
+            <a:lvl6pPr marL="2286000" indent="0">
+              <a:buNone/>
+              <a:defRPr sz="1600"/>
+            </a:lvl6pPr>
+            <a:lvl7pPr marL="2743200" indent="0">
+              <a:buNone/>
+              <a:defRPr sz="1600"/>
+            </a:lvl7pPr>
+            <a:lvl8pPr marL="3200400" indent="0">
+              <a:buNone/>
+              <a:defRPr sz="1600"/>
+            </a:lvl8pPr>
+            <a:lvl9pPr marL="3657600" indent="0">
+              <a:buNone/>
+              <a:defRPr sz="1600"/>
+            </a:lvl9pPr>
+          </a:lstStyle>
+          <a:p>
+            <a:r>
+              <a:rPr lang="en-US"/>
+              <a:t>Click icon to add picture</a:t>
+            </a:r>
+            <a:endParaRPr lang="en-US" dirty="0"/>
+          </a:p>
+        </p:txBody>
+      </p:sp>
+      <p:sp>
+        <p:nvSpPr>
+          <p:cNvPr id="4" name="Text Placeholder 3"/>
+          <p:cNvSpPr>
+            <a:spLocks noGrp="1"/>
+          </p:cNvSpPr>
+          <p:nvPr>
+            <p:ph type="body" sz="half" idx="2"/>
+          </p:nvPr>
+        </p:nvSpPr>
+        <p:spPr>
+          <a:xfrm>
+            <a:off x="677334" y="5367338"/>
+            <a:ext cx="8596667" cy="674024"/>
+          </a:xfrm>
+        </p:spPr>
+        <p:txBody>
+          <a:bodyPr>
+            <a:normAutofit/>
+          </a:bodyPr>
+          <a:lstStyle>
             <a:lvl1pPr marL="0" indent="0">
               <a:buNone/>
               <a:defRPr sz="1200"/>
@@ -4667,12 +4571,7 @@
             <p:ph type="dt" sz="half" idx="10"/>
           </p:nvPr>
         </p:nvSpPr>
-        <p:spPr>
-          <a:xfrm>
-            <a:off x="3885810" y="6041362"/>
-            <a:ext cx="976879" cy="365125"/>
-          </a:xfrm>
-        </p:spPr>
+        <p:spPr/>
         <p:txBody>
           <a:bodyPr/>
           <a:lstStyle/>
@@ -4695,12 +4594,7 @@
             <p:ph type="ftr" sz="quarter" idx="11"/>
           </p:nvPr>
         </p:nvSpPr>
-        <p:spPr>
-          <a:xfrm>
-            <a:off x="590396" y="6041362"/>
-            <a:ext cx="3295413" cy="365125"/>
-          </a:xfrm>
-        </p:spPr>
+        <p:spPr/>
         <p:txBody>
           <a:bodyPr/>
           <a:lstStyle/>
@@ -4719,12 +4613,7 @@
             <p:ph type="sldNum" sz="quarter" idx="12"/>
           </p:nvPr>
         </p:nvSpPr>
-        <p:spPr>
-          <a:xfrm>
-            <a:off x="4862689" y="5915888"/>
-            <a:ext cx="1062155" cy="490599"/>
-          </a:xfrm>
-        </p:spPr>
+        <p:spPr/>
         <p:txBody>
           <a:bodyPr/>
           <a:lstStyle/>
@@ -4740,7 +4629,7 @@
     </p:spTree>
     <p:extLst>
       <p:ext uri="{BB962C8B-B14F-4D97-AF65-F5344CB8AC3E}">
-        <p14:creationId xmlns:p14="http://schemas.microsoft.com/office/powerpoint/2010/main" val="3913614731"/>
+        <p14:creationId xmlns:p14="http://schemas.microsoft.com/office/powerpoint/2010/main" val="1485714340"/>
       </p:ext>
     </p:extLst>
   </p:cSld>
@@ -4755,7 +4644,7 @@
   <p:cSld>
     <p:bg>
       <p:bgRef idx="1001">
-        <a:schemeClr val="bg2"/>
+        <a:schemeClr val="bg1"/>
       </p:bgRef>
     </p:bg>
     <p:spTree>
@@ -4772,6 +4661,536 @@
           <a:chExt cx="0" cy="0"/>
         </a:xfrm>
       </p:grpSpPr>
+      <p:grpSp>
+        <p:nvGrpSpPr>
+          <p:cNvPr id="7" name="Group 6"/>
+          <p:cNvGrpSpPr/>
+          <p:nvPr/>
+        </p:nvGrpSpPr>
+        <p:grpSpPr>
+          <a:xfrm>
+            <a:off x="0" y="-8467"/>
+            <a:ext cx="12192000" cy="6866467"/>
+            <a:chOff x="0" y="-8467"/>
+            <a:chExt cx="12192000" cy="6866467"/>
+          </a:xfrm>
+        </p:grpSpPr>
+        <p:cxnSp>
+          <p:nvCxnSpPr>
+            <p:cNvPr id="20" name="Straight Connector 19"/>
+            <p:cNvCxnSpPr/>
+            <p:nvPr/>
+          </p:nvCxnSpPr>
+          <p:spPr>
+            <a:xfrm>
+              <a:off x="9371012" y="0"/>
+              <a:ext cx="1219200" cy="6858000"/>
+            </a:xfrm>
+            <a:prstGeom prst="line">
+              <a:avLst/>
+            </a:prstGeom>
+            <a:ln w="9525">
+              <a:solidFill>
+                <a:schemeClr val="bg1">
+                  <a:lumMod val="75000"/>
+                </a:schemeClr>
+              </a:solidFill>
+            </a:ln>
+          </p:spPr>
+          <p:style>
+            <a:lnRef idx="2">
+              <a:schemeClr val="accent1"/>
+            </a:lnRef>
+            <a:fillRef idx="0">
+              <a:schemeClr val="accent1"/>
+            </a:fillRef>
+            <a:effectRef idx="1">
+              <a:schemeClr val="accent1"/>
+            </a:effectRef>
+            <a:fontRef idx="minor">
+              <a:schemeClr val="tx1"/>
+            </a:fontRef>
+          </p:style>
+        </p:cxnSp>
+        <p:cxnSp>
+          <p:nvCxnSpPr>
+            <p:cNvPr id="21" name="Straight Connector 20"/>
+            <p:cNvCxnSpPr/>
+            <p:nvPr/>
+          </p:nvCxnSpPr>
+          <p:spPr>
+            <a:xfrm flipH="1">
+              <a:off x="7425267" y="3681413"/>
+              <a:ext cx="4763558" cy="3176587"/>
+            </a:xfrm>
+            <a:prstGeom prst="line">
+              <a:avLst/>
+            </a:prstGeom>
+            <a:ln w="9525">
+              <a:solidFill>
+                <a:schemeClr val="bg1">
+                  <a:lumMod val="85000"/>
+                </a:schemeClr>
+              </a:solidFill>
+            </a:ln>
+          </p:spPr>
+          <p:style>
+            <a:lnRef idx="2">
+              <a:schemeClr val="accent1"/>
+            </a:lnRef>
+            <a:fillRef idx="0">
+              <a:schemeClr val="accent1"/>
+            </a:fillRef>
+            <a:effectRef idx="1">
+              <a:schemeClr val="accent1"/>
+            </a:effectRef>
+            <a:fontRef idx="minor">
+              <a:schemeClr val="tx1"/>
+            </a:fontRef>
+          </p:style>
+        </p:cxnSp>
+        <p:sp>
+          <p:nvSpPr>
+            <p:cNvPr id="22" name="Rectangle 23"/>
+            <p:cNvSpPr/>
+            <p:nvPr/>
+          </p:nvSpPr>
+          <p:spPr>
+            <a:xfrm>
+              <a:off x="9181476" y="-8467"/>
+              <a:ext cx="3007349" cy="6866467"/>
+            </a:xfrm>
+            <a:custGeom>
+              <a:avLst/>
+              <a:gdLst/>
+              <a:ahLst/>
+              <a:cxnLst/>
+              <a:rect l="l" t="t" r="r" b="b"/>
+              <a:pathLst>
+                <a:path w="3007349" h="6866467">
+                  <a:moveTo>
+                    <a:pt x="2045532" y="0"/>
+                  </a:moveTo>
+                  <a:lnTo>
+                    <a:pt x="3007349" y="0"/>
+                  </a:lnTo>
+                  <a:lnTo>
+                    <a:pt x="3007349" y="6866467"/>
+                  </a:lnTo>
+                  <a:lnTo>
+                    <a:pt x="0" y="6866467"/>
+                  </a:lnTo>
+                  <a:lnTo>
+                    <a:pt x="2045532" y="0"/>
+                  </a:lnTo>
+                  <a:close/>
+                </a:path>
+              </a:pathLst>
+            </a:custGeom>
+            <a:solidFill>
+              <a:schemeClr val="accent1">
+                <a:alpha val="30000"/>
+              </a:schemeClr>
+            </a:solidFill>
+            <a:ln>
+              <a:noFill/>
+            </a:ln>
+            <a:effectLst/>
+          </p:spPr>
+          <p:style>
+            <a:lnRef idx="1">
+              <a:schemeClr val="accent1"/>
+            </a:lnRef>
+            <a:fillRef idx="3">
+              <a:schemeClr val="accent1"/>
+            </a:fillRef>
+            <a:effectRef idx="2">
+              <a:schemeClr val="accent1"/>
+            </a:effectRef>
+            <a:fontRef idx="minor">
+              <a:schemeClr val="lt1"/>
+            </a:fontRef>
+          </p:style>
+        </p:sp>
+        <p:sp>
+          <p:nvSpPr>
+            <p:cNvPr id="23" name="Rectangle 25"/>
+            <p:cNvSpPr/>
+            <p:nvPr/>
+          </p:nvSpPr>
+          <p:spPr>
+            <a:xfrm>
+              <a:off x="9603442" y="-8467"/>
+              <a:ext cx="2588558" cy="6866467"/>
+            </a:xfrm>
+            <a:custGeom>
+              <a:avLst/>
+              <a:gdLst/>
+              <a:ahLst/>
+              <a:cxnLst/>
+              <a:rect l="l" t="t" r="r" b="b"/>
+              <a:pathLst>
+                <a:path w="2573311" h="6866467">
+                  <a:moveTo>
+                    <a:pt x="0" y="0"/>
+                  </a:moveTo>
+                  <a:lnTo>
+                    <a:pt x="2573311" y="0"/>
+                  </a:lnTo>
+                  <a:lnTo>
+                    <a:pt x="2573311" y="6866467"/>
+                  </a:lnTo>
+                  <a:lnTo>
+                    <a:pt x="1202336" y="6866467"/>
+                  </a:lnTo>
+                  <a:lnTo>
+                    <a:pt x="0" y="0"/>
+                  </a:lnTo>
+                  <a:close/>
+                </a:path>
+              </a:pathLst>
+            </a:custGeom>
+            <a:solidFill>
+              <a:schemeClr val="accent1">
+                <a:alpha val="20000"/>
+              </a:schemeClr>
+            </a:solidFill>
+            <a:ln>
+              <a:noFill/>
+            </a:ln>
+            <a:effectLst/>
+          </p:spPr>
+          <p:style>
+            <a:lnRef idx="1">
+              <a:schemeClr val="accent1"/>
+            </a:lnRef>
+            <a:fillRef idx="3">
+              <a:schemeClr val="accent1"/>
+            </a:fillRef>
+            <a:effectRef idx="2">
+              <a:schemeClr val="accent1"/>
+            </a:effectRef>
+            <a:fontRef idx="minor">
+              <a:schemeClr val="lt1"/>
+            </a:fontRef>
+          </p:style>
+        </p:sp>
+        <p:sp>
+          <p:nvSpPr>
+            <p:cNvPr id="24" name="Isosceles Triangle 23"/>
+            <p:cNvSpPr/>
+            <p:nvPr/>
+          </p:nvSpPr>
+          <p:spPr>
+            <a:xfrm>
+              <a:off x="8932333" y="3048000"/>
+              <a:ext cx="3259667" cy="3810000"/>
+            </a:xfrm>
+            <a:prstGeom prst="triangle">
+              <a:avLst>
+                <a:gd name="adj" fmla="val 100000"/>
+              </a:avLst>
+            </a:prstGeom>
+            <a:solidFill>
+              <a:schemeClr val="accent2">
+                <a:alpha val="72000"/>
+              </a:schemeClr>
+            </a:solidFill>
+            <a:ln>
+              <a:noFill/>
+            </a:ln>
+            <a:effectLst/>
+          </p:spPr>
+          <p:style>
+            <a:lnRef idx="1">
+              <a:schemeClr val="accent1"/>
+            </a:lnRef>
+            <a:fillRef idx="3">
+              <a:schemeClr val="accent1"/>
+            </a:fillRef>
+            <a:effectRef idx="2">
+              <a:schemeClr val="accent1"/>
+            </a:effectRef>
+            <a:fontRef idx="minor">
+              <a:schemeClr val="lt1"/>
+            </a:fontRef>
+          </p:style>
+        </p:sp>
+        <p:sp>
+          <p:nvSpPr>
+            <p:cNvPr id="25" name="Rectangle 27"/>
+            <p:cNvSpPr/>
+            <p:nvPr/>
+          </p:nvSpPr>
+          <p:spPr>
+            <a:xfrm>
+              <a:off x="9334500" y="-8467"/>
+              <a:ext cx="2854326" cy="6866467"/>
+            </a:xfrm>
+            <a:custGeom>
+              <a:avLst/>
+              <a:gdLst/>
+              <a:ahLst/>
+              <a:cxnLst/>
+              <a:rect l="l" t="t" r="r" b="b"/>
+              <a:pathLst>
+                <a:path w="2858013" h="6866467">
+                  <a:moveTo>
+                    <a:pt x="0" y="0"/>
+                  </a:moveTo>
+                  <a:lnTo>
+                    <a:pt x="2858013" y="0"/>
+                  </a:lnTo>
+                  <a:lnTo>
+                    <a:pt x="2858013" y="6866467"/>
+                  </a:lnTo>
+                  <a:lnTo>
+                    <a:pt x="2473942" y="6866467"/>
+                  </a:lnTo>
+                  <a:lnTo>
+                    <a:pt x="0" y="0"/>
+                  </a:lnTo>
+                  <a:close/>
+                </a:path>
+              </a:pathLst>
+            </a:custGeom>
+            <a:solidFill>
+              <a:schemeClr val="accent2">
+                <a:lumMod val="75000"/>
+                <a:alpha val="70000"/>
+              </a:schemeClr>
+            </a:solidFill>
+            <a:ln>
+              <a:noFill/>
+            </a:ln>
+            <a:effectLst/>
+          </p:spPr>
+          <p:style>
+            <a:lnRef idx="1">
+              <a:schemeClr val="accent1"/>
+            </a:lnRef>
+            <a:fillRef idx="3">
+              <a:schemeClr val="accent1"/>
+            </a:fillRef>
+            <a:effectRef idx="2">
+              <a:schemeClr val="accent1"/>
+            </a:effectRef>
+            <a:fontRef idx="minor">
+              <a:schemeClr val="lt1"/>
+            </a:fontRef>
+          </p:style>
+        </p:sp>
+        <p:sp>
+          <p:nvSpPr>
+            <p:cNvPr id="26" name="Rectangle 28"/>
+            <p:cNvSpPr/>
+            <p:nvPr/>
+          </p:nvSpPr>
+          <p:spPr>
+            <a:xfrm>
+              <a:off x="10898730" y="-8467"/>
+              <a:ext cx="1290094" cy="6866467"/>
+            </a:xfrm>
+            <a:custGeom>
+              <a:avLst/>
+              <a:gdLst/>
+              <a:ahLst/>
+              <a:cxnLst/>
+              <a:rect l="l" t="t" r="r" b="b"/>
+              <a:pathLst>
+                <a:path w="1290094" h="6858000">
+                  <a:moveTo>
+                    <a:pt x="1019735" y="0"/>
+                  </a:moveTo>
+                  <a:lnTo>
+                    <a:pt x="1290094" y="0"/>
+                  </a:lnTo>
+                  <a:lnTo>
+                    <a:pt x="1290094" y="6858000"/>
+                  </a:lnTo>
+                  <a:lnTo>
+                    <a:pt x="0" y="6858000"/>
+                  </a:lnTo>
+                  <a:lnTo>
+                    <a:pt x="1019735" y="0"/>
+                  </a:lnTo>
+                  <a:close/>
+                </a:path>
+              </a:pathLst>
+            </a:custGeom>
+            <a:solidFill>
+              <a:schemeClr val="accent1">
+                <a:lumMod val="60000"/>
+                <a:lumOff val="40000"/>
+                <a:alpha val="70000"/>
+              </a:schemeClr>
+            </a:solidFill>
+            <a:ln>
+              <a:noFill/>
+            </a:ln>
+            <a:effectLst/>
+          </p:spPr>
+          <p:style>
+            <a:lnRef idx="1">
+              <a:schemeClr val="accent1"/>
+            </a:lnRef>
+            <a:fillRef idx="3">
+              <a:schemeClr val="accent1"/>
+            </a:fillRef>
+            <a:effectRef idx="2">
+              <a:schemeClr val="accent1"/>
+            </a:effectRef>
+            <a:fontRef idx="minor">
+              <a:schemeClr val="lt1"/>
+            </a:fontRef>
+          </p:style>
+        </p:sp>
+        <p:sp>
+          <p:nvSpPr>
+            <p:cNvPr id="27" name="Rectangle 29"/>
+            <p:cNvSpPr/>
+            <p:nvPr/>
+          </p:nvSpPr>
+          <p:spPr>
+            <a:xfrm>
+              <a:off x="10938999" y="-8467"/>
+              <a:ext cx="1249825" cy="6866467"/>
+            </a:xfrm>
+            <a:custGeom>
+              <a:avLst/>
+              <a:gdLst/>
+              <a:ahLst/>
+              <a:cxnLst/>
+              <a:rect l="l" t="t" r="r" b="b"/>
+              <a:pathLst>
+                <a:path w="1249825" h="6858000">
+                  <a:moveTo>
+                    <a:pt x="0" y="0"/>
+                  </a:moveTo>
+                  <a:lnTo>
+                    <a:pt x="1249825" y="0"/>
+                  </a:lnTo>
+                  <a:lnTo>
+                    <a:pt x="1249825" y="6858000"/>
+                  </a:lnTo>
+                  <a:lnTo>
+                    <a:pt x="1109382" y="6858000"/>
+                  </a:lnTo>
+                  <a:lnTo>
+                    <a:pt x="0" y="0"/>
+                  </a:lnTo>
+                  <a:close/>
+                </a:path>
+              </a:pathLst>
+            </a:custGeom>
+            <a:solidFill>
+              <a:schemeClr val="accent1">
+                <a:alpha val="65000"/>
+              </a:schemeClr>
+            </a:solidFill>
+            <a:ln>
+              <a:noFill/>
+            </a:ln>
+            <a:effectLst/>
+          </p:spPr>
+          <p:style>
+            <a:lnRef idx="1">
+              <a:schemeClr val="accent1"/>
+            </a:lnRef>
+            <a:fillRef idx="3">
+              <a:schemeClr val="accent1"/>
+            </a:fillRef>
+            <a:effectRef idx="2">
+              <a:schemeClr val="accent1"/>
+            </a:effectRef>
+            <a:fontRef idx="minor">
+              <a:schemeClr val="lt1"/>
+            </a:fontRef>
+          </p:style>
+        </p:sp>
+        <p:sp>
+          <p:nvSpPr>
+            <p:cNvPr id="28" name="Isosceles Triangle 27"/>
+            <p:cNvSpPr/>
+            <p:nvPr/>
+          </p:nvSpPr>
+          <p:spPr>
+            <a:xfrm>
+              <a:off x="10371666" y="3589867"/>
+              <a:ext cx="1817159" cy="3268133"/>
+            </a:xfrm>
+            <a:prstGeom prst="triangle">
+              <a:avLst>
+                <a:gd name="adj" fmla="val 100000"/>
+              </a:avLst>
+            </a:prstGeom>
+            <a:solidFill>
+              <a:schemeClr val="accent1">
+                <a:alpha val="80000"/>
+              </a:schemeClr>
+            </a:solidFill>
+            <a:ln>
+              <a:noFill/>
+            </a:ln>
+            <a:effectLst/>
+          </p:spPr>
+          <p:style>
+            <a:lnRef idx="1">
+              <a:schemeClr val="accent1"/>
+            </a:lnRef>
+            <a:fillRef idx="3">
+              <a:schemeClr val="accent1"/>
+            </a:fillRef>
+            <a:effectRef idx="2">
+              <a:schemeClr val="accent1"/>
+            </a:effectRef>
+            <a:fontRef idx="minor">
+              <a:schemeClr val="lt1"/>
+            </a:fontRef>
+          </p:style>
+        </p:sp>
+        <p:sp>
+          <p:nvSpPr>
+            <p:cNvPr id="29" name="Isosceles Triangle 28"/>
+            <p:cNvSpPr/>
+            <p:nvPr/>
+          </p:nvSpPr>
+          <p:spPr>
+            <a:xfrm>
+              <a:off x="0" y="4013200"/>
+              <a:ext cx="448733" cy="2844800"/>
+            </a:xfrm>
+            <a:prstGeom prst="triangle">
+              <a:avLst>
+                <a:gd name="adj" fmla="val 0"/>
+              </a:avLst>
+            </a:prstGeom>
+            <a:solidFill>
+              <a:schemeClr val="accent1">
+                <a:alpha val="85000"/>
+              </a:schemeClr>
+            </a:solidFill>
+            <a:ln>
+              <a:noFill/>
+            </a:ln>
+            <a:effectLst/>
+          </p:spPr>
+          <p:style>
+            <a:lnRef idx="1">
+              <a:schemeClr val="accent1"/>
+            </a:lnRef>
+            <a:fillRef idx="3">
+              <a:schemeClr val="accent1"/>
+            </a:fillRef>
+            <a:effectRef idx="2">
+              <a:schemeClr val="accent1"/>
+            </a:effectRef>
+            <a:fontRef idx="minor">
+              <a:schemeClr val="lt1"/>
+            </a:fontRef>
+          </p:style>
+        </p:sp>
+      </p:grpSp>
       <p:sp>
         <p:nvSpPr>
           <p:cNvPr id="2" name="Title Placeholder 1"/>
@@ -4784,164 +5203,117 @@
         </p:nvSpPr>
         <p:spPr>
           <a:xfrm>
-            <a:off x="810000" y="447188"/>
-            <a:ext cx="10571998" cy="970450"/>
-          </a:xfrm>
-          <a:prstGeom prst="rect">
-            <a:avLst/>
-          </a:prstGeom>
-          <a:effectLst>
-            <a:outerShdw blurRad="50800" dir="14400000">
-              <a:srgbClr val="000000">
-                <a:alpha val="60000"/>
-              </a:srgbClr>
-            </a:outerShdw>
-          </a:effectLst>
-        </p:spPr>
-        <p:txBody>
-          <a:bodyPr vert="horz" lIns="91440" tIns="45720" rIns="91440" bIns="45720" rtlCol="0" anchor="b">
-            <a:noAutofit/>
-          </a:bodyPr>
-          <a:lstStyle/>
-          <a:p>
-            <a:r>
-              <a:rPr lang="en-US"/>
-              <a:t>Click to edit Master title style</a:t>
-            </a:r>
-            <a:endParaRPr lang="en-US" dirty="0"/>
-          </a:p>
-        </p:txBody>
-      </p:sp>
-      <p:sp>
-        <p:nvSpPr>
-          <p:cNvPr id="3" name="Text Placeholder 2"/>
-          <p:cNvSpPr>
-            <a:spLocks noGrp="1"/>
-          </p:cNvSpPr>
-          <p:nvPr>
-            <p:ph type="body" idx="1"/>
-          </p:nvPr>
-        </p:nvSpPr>
-        <p:spPr>
-          <a:xfrm>
-            <a:off x="810000" y="2184401"/>
-            <a:ext cx="10563285" cy="3674397"/>
-          </a:xfrm>
-          <a:prstGeom prst="rect">
-            <a:avLst/>
-          </a:prstGeom>
-          <a:effectLst>
-            <a:outerShdw blurRad="50800" dir="14400000">
-              <a:srgbClr val="000000">
-                <a:alpha val="40000"/>
-              </a:srgbClr>
-            </a:outerShdw>
-          </a:effectLst>
-        </p:spPr>
-        <p:txBody>
-          <a:bodyPr vert="horz" lIns="91440" tIns="45720" rIns="91440" bIns="45720" rtlCol="0" anchor="ctr">
-            <a:normAutofit/>
-          </a:bodyPr>
-          <a:lstStyle/>
-          <a:p>
-            <a:pPr lvl="0"/>
-            <a:r>
-              <a:rPr lang="en-US"/>
-              <a:t>Click to edit Master text styles</a:t>
-            </a:r>
-          </a:p>
-          <a:p>
-            <a:pPr lvl="1"/>
-            <a:r>
-              <a:rPr lang="en-US"/>
-              <a:t>Second level</a:t>
-            </a:r>
-          </a:p>
-          <a:p>
-            <a:pPr lvl="2"/>
-            <a:r>
-              <a:rPr lang="en-US"/>
-              <a:t>Third level</a:t>
-            </a:r>
-          </a:p>
-          <a:p>
-            <a:pPr lvl="3"/>
-            <a:r>
-              <a:rPr lang="en-US"/>
-              <a:t>Fourth level</a:t>
-            </a:r>
-          </a:p>
-          <a:p>
-            <a:pPr lvl="4"/>
-            <a:r>
-              <a:rPr lang="en-US"/>
-              <a:t>Fifth level</a:t>
-            </a:r>
-            <a:endParaRPr lang="en-US" dirty="0"/>
-          </a:p>
-        </p:txBody>
-      </p:sp>
-      <p:sp>
-        <p:nvSpPr>
-          <p:cNvPr id="5" name="Footer Placeholder 4"/>
-          <p:cNvSpPr>
-            <a:spLocks noGrp="1"/>
-          </p:cNvSpPr>
-          <p:nvPr>
-            <p:ph type="ftr" sz="quarter" idx="3"/>
-          </p:nvPr>
-        </p:nvSpPr>
-        <p:spPr>
-          <a:xfrm>
-            <a:off x="451514" y="6041362"/>
-            <a:ext cx="8644320" cy="365125"/>
+            <a:off x="677334" y="609600"/>
+            <a:ext cx="8596668" cy="1320800"/>
           </a:xfrm>
           <a:prstGeom prst="rect">
             <a:avLst/>
           </a:prstGeom>
         </p:spPr>
         <p:txBody>
-          <a:bodyPr vert="horz" lIns="91440" tIns="45720" rIns="91440" bIns="45720" rtlCol="0" anchor="b"/>
-          <a:lstStyle>
-            <a:lvl1pPr algn="l">
-              <a:defRPr sz="900">
-                <a:solidFill>
-                  <a:schemeClr val="tx1"/>
-                </a:solidFill>
-              </a:defRPr>
-            </a:lvl1pPr>
-          </a:lstStyle>
-          <a:p>
-            <a:endParaRPr lang="en-IN"/>
-          </a:p>
-        </p:txBody>
-      </p:sp>
-      <p:sp>
-        <p:nvSpPr>
-          <p:cNvPr id="4" name="Date Placeholder 3"/>
-          <p:cNvSpPr>
-            <a:spLocks noGrp="1"/>
-          </p:cNvSpPr>
-          <p:nvPr>
-            <p:ph type="dt" sz="half" idx="2"/>
+          <a:bodyPr vert="horz" lIns="91440" tIns="45720" rIns="91440" bIns="45720" rtlCol="0" anchor="t">
+            <a:normAutofit/>
+          </a:bodyPr>
+          <a:lstStyle/>
+          <a:p>
+            <a:r>
+              <a:rPr lang="en-US"/>
+              <a:t>Click to edit Master title style</a:t>
+            </a:r>
+            <a:endParaRPr lang="en-US" dirty="0"/>
+          </a:p>
+        </p:txBody>
+      </p:sp>
+      <p:sp>
+        <p:nvSpPr>
+          <p:cNvPr id="3" name="Text Placeholder 2"/>
+          <p:cNvSpPr>
+            <a:spLocks noGrp="1"/>
+          </p:cNvSpPr>
+          <p:nvPr>
+            <p:ph type="body" idx="1"/>
           </p:nvPr>
         </p:nvSpPr>
         <p:spPr>
           <a:xfrm>
-            <a:off x="9334626" y="6041362"/>
-            <a:ext cx="1343706" cy="365125"/>
+            <a:off x="677334" y="2160589"/>
+            <a:ext cx="8596668" cy="3880773"/>
           </a:xfrm>
           <a:prstGeom prst="rect">
             <a:avLst/>
           </a:prstGeom>
         </p:spPr>
         <p:txBody>
-          <a:bodyPr vert="horz" lIns="91440" tIns="45720" rIns="91440" bIns="45720" rtlCol="0" anchor="b"/>
+          <a:bodyPr vert="horz" lIns="91440" tIns="45720" rIns="91440" bIns="45720" rtlCol="0">
+            <a:normAutofit/>
+          </a:bodyPr>
+          <a:lstStyle/>
+          <a:p>
+            <a:pPr lvl="0"/>
+            <a:r>
+              <a:rPr lang="en-US"/>
+              <a:t>Click to edit Master text styles</a:t>
+            </a:r>
+          </a:p>
+          <a:p>
+            <a:pPr lvl="1"/>
+            <a:r>
+              <a:rPr lang="en-US"/>
+              <a:t>Second level</a:t>
+            </a:r>
+          </a:p>
+          <a:p>
+            <a:pPr lvl="2"/>
+            <a:r>
+              <a:rPr lang="en-US"/>
+              <a:t>Third level</a:t>
+            </a:r>
+          </a:p>
+          <a:p>
+            <a:pPr lvl="3"/>
+            <a:r>
+              <a:rPr lang="en-US"/>
+              <a:t>Fourth level</a:t>
+            </a:r>
+          </a:p>
+          <a:p>
+            <a:pPr lvl="4"/>
+            <a:r>
+              <a:rPr lang="en-US"/>
+              <a:t>Fifth level</a:t>
+            </a:r>
+            <a:endParaRPr lang="en-US" dirty="0"/>
+          </a:p>
+        </p:txBody>
+      </p:sp>
+      <p:sp>
+        <p:nvSpPr>
+          <p:cNvPr id="4" name="Date Placeholder 3"/>
+          <p:cNvSpPr>
+            <a:spLocks noGrp="1"/>
+          </p:cNvSpPr>
+          <p:nvPr>
+            <p:ph type="dt" sz="half" idx="2"/>
+          </p:nvPr>
+        </p:nvSpPr>
+        <p:spPr>
+          <a:xfrm>
+            <a:off x="7205133" y="6041362"/>
+            <a:ext cx="911939" cy="365125"/>
+          </a:xfrm>
+          <a:prstGeom prst="rect">
+            <a:avLst/>
+          </a:prstGeom>
+        </p:spPr>
+        <p:txBody>
+          <a:bodyPr vert="horz" lIns="91440" tIns="45720" rIns="91440" bIns="45720" rtlCol="0" anchor="ctr"/>
           <a:lstStyle>
             <a:lvl1pPr algn="r">
               <a:defRPr sz="900">
                 <a:solidFill>
-                  <a:schemeClr val="tx1"/>
+                  <a:schemeClr val="tx1">
+                    <a:tint val="75000"/>
+                  </a:schemeClr>
                 </a:solidFill>
               </a:defRPr>
             </a:lvl1pPr>
@@ -4957,28 +5329,65 @@
       </p:sp>
       <p:sp>
         <p:nvSpPr>
-          <p:cNvPr id="6" name="Slide Number Placeholder 5"/>
-          <p:cNvSpPr>
-            <a:spLocks noGrp="1"/>
-          </p:cNvSpPr>
-          <p:nvPr>
-            <p:ph type="sldNum" sz="quarter" idx="4"/>
+          <p:cNvPr id="5" name="Footer Placeholder 4"/>
+          <p:cNvSpPr>
+            <a:spLocks noGrp="1"/>
+          </p:cNvSpPr>
+          <p:nvPr>
+            <p:ph type="ftr" sz="quarter" idx="3"/>
           </p:nvPr>
         </p:nvSpPr>
         <p:spPr>
           <a:xfrm>
-            <a:off x="10678331" y="5915888"/>
-            <a:ext cx="1062155" cy="490599"/>
+            <a:off x="677334" y="6041362"/>
+            <a:ext cx="6297612" cy="365125"/>
           </a:xfrm>
           <a:prstGeom prst="rect">
             <a:avLst/>
           </a:prstGeom>
         </p:spPr>
         <p:txBody>
-          <a:bodyPr vert="horz" lIns="91440" tIns="45720" rIns="91440" bIns="10800" rtlCol="0" anchor="b"/>
+          <a:bodyPr vert="horz" lIns="91440" tIns="45720" rIns="91440" bIns="45720" rtlCol="0" anchor="ctr"/>
+          <a:lstStyle>
+            <a:lvl1pPr algn="l">
+              <a:defRPr sz="900">
+                <a:solidFill>
+                  <a:schemeClr val="tx1">
+                    <a:tint val="75000"/>
+                  </a:schemeClr>
+                </a:solidFill>
+              </a:defRPr>
+            </a:lvl1pPr>
+          </a:lstStyle>
+          <a:p>
+            <a:endParaRPr lang="en-IN"/>
+          </a:p>
+        </p:txBody>
+      </p:sp>
+      <p:sp>
+        <p:nvSpPr>
+          <p:cNvPr id="6" name="Slide Number Placeholder 5"/>
+          <p:cNvSpPr>
+            <a:spLocks noGrp="1"/>
+          </p:cNvSpPr>
+          <p:nvPr>
+            <p:ph type="sldNum" sz="quarter" idx="4"/>
+          </p:nvPr>
+        </p:nvSpPr>
+        <p:spPr>
+          <a:xfrm>
+            <a:off x="8590663" y="6041362"/>
+            <a:ext cx="683339" cy="365125"/>
+          </a:xfrm>
+          <a:prstGeom prst="rect">
+            <a:avLst/>
+          </a:prstGeom>
+        </p:spPr>
+        <p:txBody>
+          <a:bodyPr vert="horz" lIns="91440" tIns="45720" rIns="91440" bIns="45720" rtlCol="0" anchor="ctr"/>
           <a:lstStyle>
             <a:lvl1pPr algn="r">
-              <a:defRPr sz="2000">
+              <a:defRPr sz="900">
                 <a:solidFill>
                   <a:schemeClr val="accent1"/>
                 </a:solidFill>
@@ -4997,26 +5406,28 @@
     </p:spTree>
     <p:extLst>
       <p:ext uri="{BB962C8B-B14F-4D97-AF65-F5344CB8AC3E}">
-        <p14:creationId xmlns:p14="http://schemas.microsoft.com/office/powerpoint/2010/main" val="1943100110"/>
+        <p14:creationId xmlns:p14="http://schemas.microsoft.com/office/powerpoint/2010/main" val="3199557256"/>
       </p:ext>
     </p:extLst>
   </p:cSld>
-  <p:clrMap bg1="dk1" tx1="lt1" bg2="dk2" tx2="lt2" accent1="accent1" accent2="accent2" accent3="accent3" accent4="accent4" accent5="accent5" accent6="accent6" hlink="hlink" folHlink="folHlink"/>
+  <p:clrMap bg1="lt1" tx1="dk1" bg2="lt2" tx2="dk2" accent1="accent1" accent2="accent2" accent3="accent3" accent4="accent4" accent5="accent5" accent6="accent6" hlink="hlink" folHlink="folHlink"/>
   <p:sldLayoutIdLst>
-    <p:sldLayoutId id="2147483742" r:id="rId1"/>
-    <p:sldLayoutId id="2147483743" r:id="rId2"/>
-    <p:sldLayoutId id="2147483744" r:id="rId3"/>
-    <p:sldLayoutId id="2147483745" r:id="rId4"/>
-    <p:sldLayoutId id="2147483746" r:id="rId5"/>
-    <p:sldLayoutId id="2147483747" r:id="rId6"/>
-    <p:sldLayoutId id="2147483748" r:id="rId7"/>
-    <p:sldLayoutId id="2147483749" r:id="rId8"/>
-    <p:sldLayoutId id="2147483750" r:id="rId9"/>
-    <p:sldLayoutId id="2147483751" r:id="rId10"/>
-    <p:sldLayoutId id="2147483752" r:id="rId11"/>
-    <p:sldLayoutId id="2147483753" r:id="rId12"/>
-    <p:sldLayoutId id="2147483754" r:id="rId13"/>
-    <p:sldLayoutId id="2147483755" r:id="rId14"/>
+    <p:sldLayoutId id="2147483805" r:id="rId1"/>
+    <p:sldLayoutId id="2147483806" r:id="rId2"/>
+    <p:sldLayoutId id="2147483807" r:id="rId3"/>
+    <p:sldLayoutId id="2147483808" r:id="rId4"/>
+    <p:sldLayoutId id="2147483809" r:id="rId5"/>
+    <p:sldLayoutId id="2147483810" r:id="rId6"/>
+    <p:sldLayoutId id="2147483811" r:id="rId7"/>
+    <p:sldLayoutId id="2147483812" r:id="rId8"/>
+    <p:sldLayoutId id="2147483813" r:id="rId9"/>
+    <p:sldLayoutId id="2147483814" r:id="rId10"/>
+    <p:sldLayoutId id="2147483815" r:id="rId11"/>
+    <p:sldLayoutId id="2147483816" r:id="rId12"/>
+    <p:sldLayoutId id="2147483817" r:id="rId13"/>
+    <p:sldLayoutId id="2147483818" r:id="rId14"/>
+    <p:sldLayoutId id="2147483819" r:id="rId15"/>
+    <p:sldLayoutId id="2147483820" r:id="rId16"/>
   </p:sldLayoutIdLst>
   <p:txStyles>
     <p:titleStyle>
@@ -5025,9 +5436,9 @@
           <a:spcPct val="0"/>
         </a:spcBef>
         <a:buNone/>
-        <a:defRPr sz="4000" b="1" kern="1200">
+        <a:defRPr sz="3600" kern="1200">
           <a:solidFill>
-            <a:srgbClr val="FEFEFE"/>
+            <a:schemeClr val="accent1"/>
           </a:solidFill>
           <a:latin typeface="+mj-lt"/>
           <a:ea typeface="+mj-ea"/>
@@ -5094,19 +5505,23 @@
     <p:bodyStyle>
       <a:lvl1pPr marL="342900" indent="-342900" algn="l" defTabSz="457200" rtl="0" eaLnBrk="1" latinLnBrk="0" hangingPunct="1">
         <a:spcBef>
-          <a:spcPct val="20000"/>
+          <a:spcPts val="1000"/>
         </a:spcBef>
         <a:spcAft>
-          <a:spcPts val="600"/>
+          <a:spcPts val="0"/>
         </a:spcAft>
         <a:buClr>
           <a:schemeClr val="accent1"/>
         </a:buClr>
-        <a:buFont typeface="Wingdings 2" charset="2"/>
-        <a:buChar char=""/>
+        <a:buSzPct val="80000"/>
+        <a:buFont typeface="Wingdings 3" charset="2"/>
+        <a:buChar char=""/>
         <a:defRPr sz="1800" kern="1200">
           <a:solidFill>
-            <a:schemeClr val="tx1"/>
+            <a:schemeClr val="tx1">
+              <a:lumMod val="75000"/>
+              <a:lumOff val="25000"/>
+            </a:schemeClr>
           </a:solidFill>
           <a:latin typeface="+mn-lt"/>
           <a:ea typeface="+mn-ea"/>
@@ -5115,19 +5530,23 @@
       </a:lvl1pPr>
       <a:lvl2pPr marL="742950" indent="-285750" algn="l" defTabSz="457200" rtl="0" eaLnBrk="1" latinLnBrk="0" hangingPunct="1">
         <a:spcBef>
-          <a:spcPct val="20000"/>
+          <a:spcPts val="1000"/>
         </a:spcBef>
         <a:spcAft>
-          <a:spcPts val="600"/>
+          <a:spcPts val="0"/>
         </a:spcAft>
         <a:buClr>
           <a:schemeClr val="accent1"/>
         </a:buClr>
-        <a:buFont typeface="Wingdings 2" charset="2"/>
-        <a:buChar char=""/>
+        <a:buSzPct val="80000"/>
+        <a:buFont typeface="Wingdings 3" charset="2"/>
+        <a:buChar char=""/>
         <a:defRPr sz="1600" kern="1200">
           <a:solidFill>
-            <a:schemeClr val="tx1"/>
+            <a:schemeClr val="tx1">
+              <a:lumMod val="75000"/>
+              <a:lumOff val="25000"/>
+            </a:schemeClr>
           </a:solidFill>
           <a:latin typeface="+mn-lt"/>
           <a:ea typeface="+mn-ea"/>
@@ -5136,19 +5555,23 @@
       </a:lvl2pPr>
       <a:lvl3pPr marL="1143000" indent="-228600" algn="l" defTabSz="457200" rtl="0" eaLnBrk="1" latinLnBrk="0" hangingPunct="1">
         <a:spcBef>
-          <a:spcPct val="20000"/>
+          <a:spcPts val="1000"/>
         </a:spcBef>
         <a:spcAft>
-          <a:spcPts val="600"/>
+          <a:spcPts val="0"/>
         </a:spcAft>
         <a:buClr>
           <a:schemeClr val="accent1"/>
         </a:buClr>
-        <a:buFont typeface="Wingdings 2" charset="2"/>
-        <a:buChar char=""/>
+        <a:buSzPct val="80000"/>
+        <a:buFont typeface="Wingdings 3" charset="2"/>
+        <a:buChar char=""/>
         <a:defRPr sz="1400" kern="1200">
           <a:solidFill>
-            <a:schemeClr val="tx1"/>
+            <a:schemeClr val="tx1">
+              <a:lumMod val="75000"/>
+              <a:lumOff val="25000"/>
+            </a:schemeClr>
           </a:solidFill>
           <a:latin typeface="+mn-lt"/>
           <a:ea typeface="+mn-ea"/>
@@ -5157,19 +5580,23 @@
       </a:lvl3pPr>
       <a:lvl4pPr marL="1600200" indent="-228600" algn="l" defTabSz="457200" rtl="0" eaLnBrk="1" latinLnBrk="0" hangingPunct="1">
         <a:spcBef>
-          <a:spcPct val="20000"/>
+          <a:spcPts val="1000"/>
         </a:spcBef>
         <a:spcAft>
-          <a:spcPts val="600"/>
+          <a:spcPts val="0"/>
         </a:spcAft>
         <a:buClr>
           <a:schemeClr val="accent1"/>
         </a:buClr>
-        <a:buFont typeface="Wingdings 2" charset="2"/>
-        <a:buChar char=""/>
+        <a:buSzPct val="80000"/>
+        <a:buFont typeface="Wingdings 3" charset="2"/>
+        <a:buChar char=""/>
         <a:defRPr sz="1200" kern="1200">
           <a:solidFill>
-            <a:schemeClr val="tx1"/>
+            <a:schemeClr val="tx1">
+              <a:lumMod val="75000"/>
+              <a:lumOff val="25000"/>
+            </a:schemeClr>
           </a:solidFill>
           <a:latin typeface="+mn-lt"/>
           <a:ea typeface="+mn-ea"/>
@@ -5178,103 +5605,123 @@
       </a:lvl4pPr>
       <a:lvl5pPr marL="2057400" indent="-228600" algn="l" defTabSz="457200" rtl="0" eaLnBrk="1" latinLnBrk="0" hangingPunct="1">
         <a:spcBef>
-          <a:spcPct val="20000"/>
+          <a:spcPts val="1000"/>
         </a:spcBef>
         <a:spcAft>
-          <a:spcPts val="600"/>
+          <a:spcPts val="0"/>
         </a:spcAft>
         <a:buClr>
           <a:schemeClr val="accent1"/>
         </a:buClr>
-        <a:buFont typeface="Wingdings 2" charset="2"/>
-        <a:buChar char=""/>
+        <a:buSzPct val="80000"/>
+        <a:buFont typeface="Wingdings 3" charset="2"/>
+        <a:buChar char=""/>
         <a:defRPr sz="1200" kern="1200">
           <a:solidFill>
-            <a:schemeClr val="tx1"/>
+            <a:schemeClr val="tx1">
+              <a:lumMod val="75000"/>
+              <a:lumOff val="25000"/>
+            </a:schemeClr>
           </a:solidFill>
           <a:latin typeface="+mn-lt"/>
           <a:ea typeface="+mn-ea"/>
           <a:cs typeface="+mn-cs"/>
         </a:defRPr>
       </a:lvl5pPr>
-      <a:lvl6pPr marL="2400000" indent="-228600" algn="l" defTabSz="457200" rtl="0" eaLnBrk="1" latinLnBrk="0" hangingPunct="1">
+      <a:lvl6pPr marL="2514600" indent="-228600" algn="l" defTabSz="457200" rtl="0" eaLnBrk="1" latinLnBrk="0" hangingPunct="1">
         <a:spcBef>
-          <a:spcPct val="20000"/>
+          <a:spcPts val="1000"/>
         </a:spcBef>
         <a:spcAft>
-          <a:spcPts val="600"/>
+          <a:spcPts val="0"/>
         </a:spcAft>
         <a:buClr>
           <a:schemeClr val="accent1"/>
         </a:buClr>
-        <a:buFont typeface="Wingdings 2" charset="2"/>
-        <a:buChar char=""/>
+        <a:buSzPct val="80000"/>
+        <a:buFont typeface="Wingdings 3" charset="2"/>
+        <a:buChar char=""/>
         <a:defRPr sz="1200" kern="1200">
           <a:solidFill>
-            <a:schemeClr val="tx1"/>
+            <a:schemeClr val="tx1">
+              <a:lumMod val="75000"/>
+              <a:lumOff val="25000"/>
+            </a:schemeClr>
           </a:solidFill>
           <a:latin typeface="+mn-lt"/>
           <a:ea typeface="+mn-ea"/>
           <a:cs typeface="+mn-cs"/>
         </a:defRPr>
       </a:lvl6pPr>
-      <a:lvl7pPr marL="2800000" indent="-228600" algn="l" defTabSz="457200" rtl="0" eaLnBrk="1" latinLnBrk="0" hangingPunct="1">
+      <a:lvl7pPr marL="2971800" indent="-228600" algn="l" defTabSz="457200" rtl="0" eaLnBrk="1" latinLnBrk="0" hangingPunct="1">
         <a:spcBef>
-          <a:spcPct val="20000"/>
+          <a:spcPts val="1000"/>
         </a:spcBef>
         <a:spcAft>
-          <a:spcPts val="600"/>
+          <a:spcPts val="0"/>
         </a:spcAft>
         <a:buClr>
           <a:schemeClr val="accent1"/>
         </a:buClr>
-        <a:buFont typeface="Wingdings 2" charset="2"/>
-        <a:buChar char=""/>
+        <a:buSzPct val="80000"/>
+        <a:buFont typeface="Wingdings 3" charset="2"/>
+        <a:buChar char=""/>
         <a:defRPr sz="1200" kern="1200">
           <a:solidFill>
-            <a:schemeClr val="tx1"/>
+            <a:schemeClr val="tx1">
+              <a:lumMod val="75000"/>
+              <a:lumOff val="25000"/>
+            </a:schemeClr>
           </a:solidFill>
           <a:latin typeface="+mn-lt"/>
           <a:ea typeface="+mn-ea"/>
           <a:cs typeface="+mn-cs"/>
         </a:defRPr>
       </a:lvl7pPr>
-      <a:lvl8pPr marL="3200000" indent="-228600" algn="l" defTabSz="457200" rtl="0" eaLnBrk="1" latinLnBrk="0" hangingPunct="1">
+      <a:lvl8pPr marL="3429000" indent="-228600" algn="l" defTabSz="457200" rtl="0" eaLnBrk="1" latinLnBrk="0" hangingPunct="1">
         <a:spcBef>
-          <a:spcPct val="20000"/>
+          <a:spcPts val="1000"/>
         </a:spcBef>
         <a:spcAft>
-          <a:spcPts val="600"/>
+          <a:spcPts val="0"/>
         </a:spcAft>
         <a:buClr>
           <a:schemeClr val="accent1"/>
         </a:buClr>
-        <a:buFont typeface="Wingdings 2" charset="2"/>
-        <a:buChar char=""/>
+        <a:buSzPct val="80000"/>
+        <a:buFont typeface="Wingdings 3" charset="2"/>
+        <a:buChar char=""/>
         <a:defRPr sz="1200" kern="1200">
           <a:solidFill>
-            <a:schemeClr val="tx1"/>
+            <a:schemeClr val="tx1">
+              <a:lumMod val="75000"/>
+              <a:lumOff val="25000"/>
+            </a:schemeClr>
           </a:solidFill>
           <a:latin typeface="+mn-lt"/>
           <a:ea typeface="+mn-ea"/>
           <a:cs typeface="+mn-cs"/>
         </a:defRPr>
       </a:lvl8pPr>
-      <a:lvl9pPr marL="3600000" indent="-228600" algn="l" defTabSz="457200" rtl="0" eaLnBrk="1" latinLnBrk="0" hangingPunct="1">
+      <a:lvl9pPr marL="3886200" indent="-228600" algn="l" defTabSz="457200" rtl="0" eaLnBrk="1" latinLnBrk="0" hangingPunct="1">
         <a:spcBef>
-          <a:spcPct val="20000"/>
+          <a:spcPts val="1000"/>
         </a:spcBef>
         <a:spcAft>
-          <a:spcPts val="600"/>
+          <a:spcPts val="0"/>
         </a:spcAft>
         <a:buClr>
           <a:schemeClr val="accent1"/>
         </a:buClr>
-        <a:buFont typeface="Wingdings 2" charset="2"/>
-        <a:buChar char=""/>
+        <a:buSzPct val="80000"/>
+        <a:buFont typeface="Wingdings 3" charset="2"/>
+        <a:buChar char=""/>
         <a:defRPr sz="1200" kern="1200">
           <a:solidFill>
-            <a:schemeClr val="tx1"/>
+            <a:schemeClr val="tx1">
+              <a:lumMod val="75000"/>
+              <a:lumOff val="25000"/>
+            </a:schemeClr>
           </a:solidFill>
           <a:latin typeface="+mn-lt"/>
           <a:ea typeface="+mn-ea"/>
@@ -5452,7 +5899,7 @@
         <p:spPr/>
         <p:txBody>
           <a:bodyPr>
-            <a:normAutofit fontScale="85000" lnSpcReduction="10000"/>
+            <a:normAutofit/>
           </a:bodyPr>
           <a:lstStyle/>
           <a:p>
@@ -5591,6 +6038,165 @@
       <p:grpSpPr/>
       <p:sp>
         <p:nvSpPr>
+          <p:cNvPr id="2" name="TextBox 1"/>
+          <p:cNvSpPr txBox="1"/>
+          <p:nvPr/>
+        </p:nvSpPr>
+        <p:spPr>
+          <a:xfrm>
+            <a:off x="457200" y="457200"/>
+            <a:ext cx="8229600" cy="914400"/>
+          </a:xfrm>
+          <a:prstGeom prst="rect">
+            <a:avLst/>
+          </a:prstGeom>
+          <a:noFill/>
+        </p:spPr>
+        <p:txBody>
+          <a:bodyPr wrap="none">
+            <a:spAutoFit/>
+          </a:bodyPr>
+          <a:lstStyle/>
+          <a:p>
+            <a:pPr>
+              <a:defRPr sz="3200" b="1"/>
+            </a:pPr>
+            <a:r>
+              <a:t>Advantages of Using an RTOS - Visual Content</a:t>
+            </a:r>
+          </a:p>
+        </p:txBody>
+      </p:sp>
+      <p:pic>
+        <p:nvPicPr>
+          <p:cNvPr id="3" name="Picture 2" descr="page_6_img_5.jpg"/>
+          <p:cNvPicPr>
+            <a:picLocks noChangeAspect="1"/>
+          </p:cNvPicPr>
+          <p:nvPr/>
+        </p:nvPicPr>
+        <p:blipFill>
+          <a:blip r:embed="rId2"/>
+          <a:stretch>
+            <a:fillRect/>
+          </a:stretch>
+        </p:blipFill>
+        <p:spPr>
+          <a:xfrm>
+            <a:off x="914400" y="1371600"/>
+            <a:ext cx="3657600" cy="2743200"/>
+          </a:xfrm>
+          <a:prstGeom prst="rect">
+            <a:avLst/>
+          </a:prstGeom>
+        </p:spPr>
+      </p:pic>
+      <p:sp>
+        <p:nvSpPr>
+          <p:cNvPr id="4" name="TextBox 3"/>
+          <p:cNvSpPr txBox="1"/>
+          <p:nvPr/>
+        </p:nvSpPr>
+        <p:spPr>
+          <a:xfrm>
+            <a:off x="914400" y="4206240"/>
+            <a:ext cx="3657600" cy="274320"/>
+          </a:xfrm>
+          <a:prstGeom prst="rect">
+            <a:avLst/>
+          </a:prstGeom>
+          <a:noFill/>
+        </p:spPr>
+        <p:txBody>
+          <a:bodyPr wrap="none">
+            <a:spAutoFit/>
+          </a:bodyPr>
+          <a:lstStyle/>
+          <a:p>
+            <a:pPr algn="ctr">
+              <a:defRPr sz="1000" i="1"/>
+            </a:pPr>
+            <a:r>
+              <a:t>advantages using rtos</a:t>
+            </a:r>
+          </a:p>
+        </p:txBody>
+      </p:sp>
+      <p:pic>
+        <p:nvPicPr>
+          <p:cNvPr id="5" name="Picture 4" descr="page_6_img_6.jpg"/>
+          <p:cNvPicPr>
+            <a:picLocks noChangeAspect="1"/>
+          </p:cNvPicPr>
+          <p:nvPr/>
+        </p:nvPicPr>
+        <p:blipFill>
+          <a:blip r:embed="rId3"/>
+          <a:stretch>
+            <a:fillRect/>
+          </a:stretch>
+        </p:blipFill>
+        <p:spPr>
+          <a:xfrm>
+            <a:off x="5029200" y="1371600"/>
+            <a:ext cx="3657600" cy="2743200"/>
+          </a:xfrm>
+          <a:prstGeom prst="rect">
+            <a:avLst/>
+          </a:prstGeom>
+        </p:spPr>
+      </p:pic>
+      <p:sp>
+        <p:nvSpPr>
+          <p:cNvPr id="6" name="TextBox 5"/>
+          <p:cNvSpPr txBox="1"/>
+          <p:nvPr/>
+        </p:nvSpPr>
+        <p:spPr>
+          <a:xfrm>
+            <a:off x="5029200" y="4206240"/>
+            <a:ext cx="3657600" cy="274320"/>
+          </a:xfrm>
+          <a:prstGeom prst="rect">
+            <a:avLst/>
+          </a:prstGeom>
+          <a:noFill/>
+        </p:spPr>
+        <p:txBody>
+          <a:bodyPr wrap="none">
+            <a:spAutoFit/>
+          </a:bodyPr>
+          <a:lstStyle/>
+          <a:p>
+            <a:pPr algn="ctr">
+              <a:defRPr sz="1000" i="1"/>
+            </a:pPr>
+            <a:r>
+              <a:t>advantages using rtos</a:t>
+            </a:r>
+          </a:p>
+        </p:txBody>
+      </p:sp>
+    </p:spTree>
+  </p:cSld>
+  <p:clrMapOvr>
+    <a:masterClrMapping/>
+  </p:clrMapOvr>
+</p:sld>
+</file>
+
+<file path=ppt/slides/slide11.xml><?xml version="1.0" encoding="utf-8"?>
+<p:sld xmlns:a="http://schemas.openxmlformats.org/drawingml/2006/main" xmlns:p="http://schemas.openxmlformats.org/presentationml/2006/main" xmlns:r="http://schemas.openxmlformats.org/officeDocument/2006/relationships">
+  <p:cSld>
+    <p:spTree>
+      <p:nvGrpSpPr>
+        <p:cNvPr id="1" name=""/>
+        <p:cNvGrpSpPr/>
+        <p:nvPr/>
+      </p:nvGrpSpPr>
+      <p:grpSpPr/>
+      <p:sp>
+        <p:nvSpPr>
           <p:cNvPr id="2" name="Title 1"/>
           <p:cNvSpPr>
             <a:spLocks noGrp="1"/>
@@ -5605,7 +6211,7 @@
           <a:lstStyle/>
           <a:p>
             <a:r>
-              <a:t>Conclusion: Summary and Future Trends</a:t>
+              <a:t>Common RTOS Implementations</a:t>
             </a:r>
           </a:p>
         </p:txBody>
@@ -5626,9 +6232,666 @@
           <a:lstStyle/>
           <a:p/>
           <a:p>
-            <a:pPr/>
-            <a:r>
-              <a:t>Summary of Key Concepts: Recap of RTOS features, architectures, and common implementations.Takeaways:  Understanding the importance of RTOS in real-time applications.Future Trends:  Evolution of RTOS towards AI integration, cloud connectivity, and enhanced security.Q&amp;A: Open the floor for questions and discussion.</a:t>
+            <a:pPr>
+              <a:lnSpc>
+                <a:spcPct val="115000"/>
+              </a:lnSpc>
+              <a:defRPr sz="1800"/>
+            </a:pPr>
+            <a:r>
+              <a:t>• FreeRTOS: Popular open-source RTOS.</a:t>
+            </a:r>
+          </a:p>
+          <a:p>
+            <a:pPr>
+              <a:lnSpc>
+                <a:spcPct val="115000"/>
+              </a:lnSpc>
+              <a:defRPr sz="1800"/>
+            </a:pPr>
+            <a:r>
+              <a:t>• VxWorks: Widely used in aerospace and industrial applications.</a:t>
+            </a:r>
+          </a:p>
+          <a:p>
+            <a:pPr>
+              <a:lnSpc>
+                <a:spcPct val="115000"/>
+              </a:lnSpc>
+              <a:defRPr sz="1800"/>
+            </a:pPr>
+            <a:r>
+              <a:t>• QNX: Real-time OS used in automotive and medical devices.</a:t>
+            </a:r>
+          </a:p>
+          <a:p>
+            <a:pPr>
+              <a:lnSpc>
+                <a:spcPct val="115000"/>
+              </a:lnSpc>
+              <a:defRPr sz="1800"/>
+            </a:pPr>
+            <a:r>
+              <a:t>• ThreadX: High-performance RTOS with a small footprint.</a:t>
+            </a:r>
+          </a:p>
+          <a:p>
+            <a:pPr>
+              <a:lnSpc>
+                <a:spcPct val="115000"/>
+              </a:lnSpc>
+              <a:defRPr sz="1800"/>
+            </a:pPr>
+            <a:r>
+              <a:t>• Zephyr:  A scalable, real-time operating system for resource-constrained devices.</a:t>
+            </a:r>
+          </a:p>
+        </p:txBody>
+      </p:sp>
+    </p:spTree>
+  </p:cSld>
+  <p:clrMapOvr>
+    <a:masterClrMapping/>
+  </p:clrMapOvr>
+</p:sld>
+</file>
+
+<file path=ppt/slides/slide12.xml><?xml version="1.0" encoding="utf-8"?>
+<p:sld xmlns:a="http://schemas.openxmlformats.org/drawingml/2006/main" xmlns:p="http://schemas.openxmlformats.org/presentationml/2006/main" xmlns:r="http://schemas.openxmlformats.org/officeDocument/2006/relationships">
+  <p:cSld>
+    <p:spTree>
+      <p:nvGrpSpPr>
+        <p:cNvPr id="1" name=""/>
+        <p:cNvGrpSpPr/>
+        <p:nvPr/>
+      </p:nvGrpSpPr>
+      <p:grpSpPr/>
+      <p:sp>
+        <p:nvSpPr>
+          <p:cNvPr id="2" name="Title 1"/>
+          <p:cNvSpPr>
+            <a:spLocks noGrp="1"/>
+          </p:cNvSpPr>
+          <p:nvPr>
+            <p:ph type="title"/>
+          </p:nvPr>
+        </p:nvSpPr>
+        <p:spPr/>
+        <p:txBody>
+          <a:bodyPr/>
+          <a:lstStyle/>
+          <a:p>
+            <a:r>
+              <a:t>RTOS Application Examples</a:t>
+            </a:r>
+          </a:p>
+        </p:txBody>
+      </p:sp>
+      <p:sp>
+        <p:nvSpPr>
+          <p:cNvPr id="3" name="Content Placeholder 2"/>
+          <p:cNvSpPr>
+            <a:spLocks noGrp="1"/>
+          </p:cNvSpPr>
+          <p:nvPr>
+            <p:ph idx="1"/>
+          </p:nvPr>
+        </p:nvSpPr>
+        <p:spPr/>
+        <p:txBody>
+          <a:bodyPr/>
+          <a:lstStyle/>
+          <a:p/>
+          <a:p>
+            <a:pPr>
+              <a:lnSpc>
+                <a:spcPct val="115000"/>
+              </a:lnSpc>
+              <a:defRPr sz="1800"/>
+            </a:pPr>
+            <a:r>
+              <a:t>• Automotive Systems: Engine control, ABS, airbag deployment.</a:t>
+            </a:r>
+          </a:p>
+          <a:p>
+            <a:pPr>
+              <a:lnSpc>
+                <a:spcPct val="115000"/>
+              </a:lnSpc>
+              <a:defRPr sz="1800"/>
+            </a:pPr>
+            <a:r>
+              <a:t>• Industrial Automation: Robotics, process control, PLC systems.</a:t>
+            </a:r>
+          </a:p>
+          <a:p>
+            <a:pPr>
+              <a:lnSpc>
+                <a:spcPct val="115000"/>
+              </a:lnSpc>
+              <a:defRPr sz="1800"/>
+            </a:pPr>
+            <a:r>
+              <a:t>• Medical Devices: Pacemakers, ventilators, imaging systems.</a:t>
+            </a:r>
+          </a:p>
+          <a:p>
+            <a:pPr>
+              <a:lnSpc>
+                <a:spcPct val="115000"/>
+              </a:lnSpc>
+              <a:defRPr sz="1800"/>
+            </a:pPr>
+            <a:r>
+              <a:t>• Aerospace and Defense: Flight control, navigation, satellite systems.</a:t>
+            </a:r>
+          </a:p>
+          <a:p>
+            <a:pPr>
+              <a:lnSpc>
+                <a:spcPct val="115000"/>
+              </a:lnSpc>
+              <a:defRPr sz="1800"/>
+            </a:pPr>
+            <a:r>
+              <a:t>• IoT Devices: Smart home appliances, wearable sensors.</a:t>
+            </a:r>
+          </a:p>
+        </p:txBody>
+      </p:sp>
+    </p:spTree>
+  </p:cSld>
+  <p:clrMapOvr>
+    <a:masterClrMapping/>
+  </p:clrMapOvr>
+</p:sld>
+</file>
+
+<file path=ppt/slides/slide13.xml><?xml version="1.0" encoding="utf-8"?>
+<p:sld xmlns:a="http://schemas.openxmlformats.org/drawingml/2006/main" xmlns:p="http://schemas.openxmlformats.org/presentationml/2006/main" xmlns:r="http://schemas.openxmlformats.org/officeDocument/2006/relationships">
+  <p:cSld>
+    <p:spTree>
+      <p:nvGrpSpPr>
+        <p:cNvPr id="1" name=""/>
+        <p:cNvGrpSpPr/>
+        <p:nvPr/>
+      </p:nvGrpSpPr>
+      <p:grpSpPr/>
+      <p:sp>
+        <p:nvSpPr>
+          <p:cNvPr id="2" name="TextBox 1"/>
+          <p:cNvSpPr txBox="1"/>
+          <p:nvPr/>
+        </p:nvSpPr>
+        <p:spPr>
+          <a:xfrm>
+            <a:off x="457200" y="457200"/>
+            <a:ext cx="8229600" cy="914400"/>
+          </a:xfrm>
+          <a:prstGeom prst="rect">
+            <a:avLst/>
+          </a:prstGeom>
+          <a:noFill/>
+        </p:spPr>
+        <p:txBody>
+          <a:bodyPr wrap="none">
+            <a:spAutoFit/>
+          </a:bodyPr>
+          <a:lstStyle/>
+          <a:p>
+            <a:pPr>
+              <a:defRPr sz="3200" b="1"/>
+            </a:pPr>
+            <a:r>
+              <a:t>RTOS Application Examples - Visual Content</a:t>
+            </a:r>
+          </a:p>
+        </p:txBody>
+      </p:sp>
+      <p:pic>
+        <p:nvPicPr>
+          <p:cNvPr id="3" name="Picture 2" descr="page_8_img_7.jpg"/>
+          <p:cNvPicPr>
+            <a:picLocks noChangeAspect="1"/>
+          </p:cNvPicPr>
+          <p:nvPr/>
+        </p:nvPicPr>
+        <p:blipFill>
+          <a:blip r:embed="rId2"/>
+          <a:stretch>
+            <a:fillRect/>
+          </a:stretch>
+        </p:blipFill>
+        <p:spPr>
+          <a:xfrm>
+            <a:off x="914400" y="1371600"/>
+            <a:ext cx="7315200" cy="4114800"/>
+          </a:xfrm>
+          <a:prstGeom prst="rect">
+            <a:avLst/>
+          </a:prstGeom>
+        </p:spPr>
+      </p:pic>
+      <p:sp>
+        <p:nvSpPr>
+          <p:cNvPr id="4" name="TextBox 3"/>
+          <p:cNvSpPr txBox="1"/>
+          <p:nvPr/>
+        </p:nvSpPr>
+        <p:spPr>
+          <a:xfrm>
+            <a:off x="914400" y="5577840"/>
+            <a:ext cx="7315200" cy="274320"/>
+          </a:xfrm>
+          <a:prstGeom prst="rect">
+            <a:avLst/>
+          </a:prstGeom>
+          <a:noFill/>
+        </p:spPr>
+        <p:txBody>
+          <a:bodyPr wrap="none">
+            <a:spAutoFit/>
+          </a:bodyPr>
+          <a:lstStyle/>
+          <a:p>
+            <a:pPr algn="ctr">
+              <a:defRPr sz="1000" i="1"/>
+            </a:pPr>
+            <a:r>
+              <a:t>rtos application examples</a:t>
+            </a:r>
+          </a:p>
+        </p:txBody>
+      </p:sp>
+    </p:spTree>
+  </p:cSld>
+  <p:clrMapOvr>
+    <a:masterClrMapping/>
+  </p:clrMapOvr>
+</p:sld>
+</file>
+
+<file path=ppt/slides/slide14.xml><?xml version="1.0" encoding="utf-8"?>
+<p:sld xmlns:a="http://schemas.openxmlformats.org/drawingml/2006/main" xmlns:p="http://schemas.openxmlformats.org/presentationml/2006/main" xmlns:r="http://schemas.openxmlformats.org/officeDocument/2006/relationships">
+  <p:cSld>
+    <p:spTree>
+      <p:nvGrpSpPr>
+        <p:cNvPr id="1" name=""/>
+        <p:cNvGrpSpPr/>
+        <p:nvPr/>
+      </p:nvGrpSpPr>
+      <p:grpSpPr/>
+      <p:sp>
+        <p:nvSpPr>
+          <p:cNvPr id="2" name="Title 1"/>
+          <p:cNvSpPr>
+            <a:spLocks noGrp="1"/>
+          </p:cNvSpPr>
+          <p:nvPr>
+            <p:ph type="title"/>
+          </p:nvPr>
+        </p:nvSpPr>
+        <p:spPr/>
+        <p:txBody>
+          <a:bodyPr/>
+          <a:lstStyle/>
+          <a:p>
+            <a:r>
+              <a:t>Choosing the Right RTOS and Development/Debugging</a:t>
+            </a:r>
+          </a:p>
+        </p:txBody>
+      </p:sp>
+      <p:sp>
+        <p:nvSpPr>
+          <p:cNvPr id="3" name="Content Placeholder 2"/>
+          <p:cNvSpPr>
+            <a:spLocks noGrp="1"/>
+          </p:cNvSpPr>
+          <p:nvPr>
+            <p:ph idx="1"/>
+          </p:nvPr>
+        </p:nvSpPr>
+        <p:spPr/>
+        <p:txBody>
+          <a:bodyPr/>
+          <a:lstStyle/>
+          <a:p/>
+          <a:p>
+            <a:pPr>
+              <a:lnSpc>
+                <a:spcPct val="115000"/>
+              </a:lnSpc>
+              <a:defRPr sz="1800"/>
+            </a:pPr>
+            <a:r>
+              <a:t>• Factors to consider: Real-time requirements, hardware platform, memory constraints, cost.</a:t>
+            </a:r>
+          </a:p>
+          <a:p>
+            <a:pPr>
+              <a:lnSpc>
+                <a:spcPct val="115000"/>
+              </a:lnSpc>
+              <a:defRPr sz="1800"/>
+            </a:pPr>
+            <a:r>
+              <a:t>• Development tools and IDEs.</a:t>
+            </a:r>
+          </a:p>
+          <a:p>
+            <a:pPr>
+              <a:lnSpc>
+                <a:spcPct val="115000"/>
+              </a:lnSpc>
+              <a:defRPr sz="1800"/>
+            </a:pPr>
+            <a:r>
+              <a:t>• Debugging techniques and strategies: Real-time tracing, simulation.</a:t>
+            </a:r>
+          </a:p>
+        </p:txBody>
+      </p:sp>
+    </p:spTree>
+  </p:cSld>
+  <p:clrMapOvr>
+    <a:masterClrMapping/>
+  </p:clrMapOvr>
+</p:sld>
+</file>
+
+<file path=ppt/slides/slide15.xml><?xml version="1.0" encoding="utf-8"?>
+<p:sld xmlns:a="http://schemas.openxmlformats.org/drawingml/2006/main" xmlns:p="http://schemas.openxmlformats.org/presentationml/2006/main" xmlns:r="http://schemas.openxmlformats.org/officeDocument/2006/relationships">
+  <p:cSld>
+    <p:spTree>
+      <p:nvGrpSpPr>
+        <p:cNvPr id="1" name=""/>
+        <p:cNvGrpSpPr/>
+        <p:nvPr/>
+      </p:nvGrpSpPr>
+      <p:grpSpPr/>
+      <p:sp>
+        <p:nvSpPr>
+          <p:cNvPr id="2" name="TextBox 1"/>
+          <p:cNvSpPr txBox="1"/>
+          <p:nvPr/>
+        </p:nvSpPr>
+        <p:spPr>
+          <a:xfrm>
+            <a:off x="457200" y="457200"/>
+            <a:ext cx="8229600" cy="914400"/>
+          </a:xfrm>
+          <a:prstGeom prst="rect">
+            <a:avLst/>
+          </a:prstGeom>
+          <a:noFill/>
+        </p:spPr>
+        <p:txBody>
+          <a:bodyPr wrap="none">
+            <a:spAutoFit/>
+          </a:bodyPr>
+          <a:lstStyle/>
+          <a:p>
+            <a:pPr>
+              <a:defRPr sz="3200" b="1"/>
+            </a:pPr>
+            <a:r>
+              <a:t>Choosing the Right RTOS and Development/Debugging - Visual Content</a:t>
+            </a:r>
+          </a:p>
+        </p:txBody>
+      </p:sp>
+      <p:pic>
+        <p:nvPicPr>
+          <p:cNvPr id="3" name="Picture 2" descr="page_9_img_8.jpg"/>
+          <p:cNvPicPr>
+            <a:picLocks noChangeAspect="1"/>
+          </p:cNvPicPr>
+          <p:nvPr/>
+        </p:nvPicPr>
+        <p:blipFill>
+          <a:blip r:embed="rId2"/>
+          <a:stretch>
+            <a:fillRect/>
+          </a:stretch>
+        </p:blipFill>
+        <p:spPr>
+          <a:xfrm>
+            <a:off x="914400" y="1371600"/>
+            <a:ext cx="7315200" cy="4114800"/>
+          </a:xfrm>
+          <a:prstGeom prst="rect">
+            <a:avLst/>
+          </a:prstGeom>
+        </p:spPr>
+      </p:pic>
+      <p:sp>
+        <p:nvSpPr>
+          <p:cNvPr id="4" name="TextBox 3"/>
+          <p:cNvSpPr txBox="1"/>
+          <p:nvPr/>
+        </p:nvSpPr>
+        <p:spPr>
+          <a:xfrm>
+            <a:off x="914400" y="5577840"/>
+            <a:ext cx="7315200" cy="274320"/>
+          </a:xfrm>
+          <a:prstGeom prst="rect">
+            <a:avLst/>
+          </a:prstGeom>
+          <a:noFill/>
+        </p:spPr>
+        <p:txBody>
+          <a:bodyPr wrap="none">
+            <a:spAutoFit/>
+          </a:bodyPr>
+          <a:lstStyle/>
+          <a:p>
+            <a:pPr algn="ctr">
+              <a:defRPr sz="1000" i="1"/>
+            </a:pPr>
+            <a:r>
+              <a:t>choosing right rtos development/debugging</a:t>
+            </a:r>
+          </a:p>
+        </p:txBody>
+      </p:sp>
+    </p:spTree>
+  </p:cSld>
+  <p:clrMapOvr>
+    <a:masterClrMapping/>
+  </p:clrMapOvr>
+</p:sld>
+</file>
+
+<file path=ppt/slides/slide16.xml><?xml version="1.0" encoding="utf-8"?>
+<p:sld xmlns:a="http://schemas.openxmlformats.org/drawingml/2006/main" xmlns:p="http://schemas.openxmlformats.org/presentationml/2006/main" xmlns:r="http://schemas.openxmlformats.org/officeDocument/2006/relationships">
+  <p:cSld>
+    <p:spTree>
+      <p:nvGrpSpPr>
+        <p:cNvPr id="1" name=""/>
+        <p:cNvGrpSpPr/>
+        <p:nvPr/>
+      </p:nvGrpSpPr>
+      <p:grpSpPr/>
+      <p:sp>
+        <p:nvSpPr>
+          <p:cNvPr id="2" name="Title 1"/>
+          <p:cNvSpPr>
+            <a:spLocks noGrp="1"/>
+          </p:cNvSpPr>
+          <p:nvPr>
+            <p:ph type="title"/>
+          </p:nvPr>
+        </p:nvSpPr>
+        <p:spPr/>
+        <p:txBody>
+          <a:bodyPr/>
+          <a:lstStyle/>
+          <a:p>
+            <a:r>
+              <a:t>Future Trends in RTOS</a:t>
+            </a:r>
+          </a:p>
+        </p:txBody>
+      </p:sp>
+      <p:sp>
+        <p:nvSpPr>
+          <p:cNvPr id="3" name="Content Placeholder 2"/>
+          <p:cNvSpPr>
+            <a:spLocks noGrp="1"/>
+          </p:cNvSpPr>
+          <p:nvPr>
+            <p:ph idx="1"/>
+          </p:nvPr>
+        </p:nvSpPr>
+        <p:spPr/>
+        <p:txBody>
+          <a:bodyPr/>
+          <a:lstStyle/>
+          <a:p/>
+          <a:p>
+            <a:pPr>
+              <a:lnSpc>
+                <a:spcPct val="115000"/>
+              </a:lnSpc>
+              <a:defRPr sz="1800"/>
+            </a:pPr>
+            <a:r>
+              <a:t>• Increasing demand for AI and machine learning integration.</a:t>
+            </a:r>
+          </a:p>
+          <a:p>
+            <a:pPr>
+              <a:lnSpc>
+                <a:spcPct val="115000"/>
+              </a:lnSpc>
+              <a:defRPr sz="1800"/>
+            </a:pPr>
+            <a:r>
+              <a:t>• Growing importance of security and safety features.</a:t>
+            </a:r>
+          </a:p>
+          <a:p>
+            <a:pPr>
+              <a:lnSpc>
+                <a:spcPct val="115000"/>
+              </a:lnSpc>
+              <a:defRPr sz="1800"/>
+            </a:pPr>
+            <a:r>
+              <a:t>• Development of RTOS for edge computing and IoT.</a:t>
+            </a:r>
+          </a:p>
+          <a:p>
+            <a:pPr>
+              <a:lnSpc>
+                <a:spcPct val="115000"/>
+              </a:lnSpc>
+              <a:defRPr sz="1800"/>
+            </a:pPr>
+            <a:r>
+              <a:t>• Advancements in virtualization and containerization technologies.</a:t>
+            </a:r>
+          </a:p>
+          <a:p>
+            <a:pPr>
+              <a:lnSpc>
+                <a:spcPct val="115000"/>
+              </a:lnSpc>
+              <a:defRPr sz="1800"/>
+            </a:pPr>
+            <a:r>
+              <a:t>• Focus on energy efficiency and low-power consumption.</a:t>
+            </a:r>
+          </a:p>
+        </p:txBody>
+      </p:sp>
+    </p:spTree>
+  </p:cSld>
+  <p:clrMapOvr>
+    <a:masterClrMapping/>
+  </p:clrMapOvr>
+</p:sld>
+</file>
+
+<file path=ppt/slides/slide17.xml><?xml version="1.0" encoding="utf-8"?>
+<p:sld xmlns:a="http://schemas.openxmlformats.org/drawingml/2006/main" xmlns:p="http://schemas.openxmlformats.org/presentationml/2006/main" xmlns:r="http://schemas.openxmlformats.org/officeDocument/2006/relationships">
+  <p:cSld>
+    <p:spTree>
+      <p:nvGrpSpPr>
+        <p:cNvPr id="1" name=""/>
+        <p:cNvGrpSpPr/>
+        <p:nvPr/>
+      </p:nvGrpSpPr>
+      <p:grpSpPr/>
+      <p:sp>
+        <p:nvSpPr>
+          <p:cNvPr id="2" name="Title 1"/>
+          <p:cNvSpPr>
+            <a:spLocks noGrp="1"/>
+          </p:cNvSpPr>
+          <p:nvPr>
+            <p:ph type="title"/>
+          </p:nvPr>
+        </p:nvSpPr>
+        <p:spPr/>
+        <p:txBody>
+          <a:bodyPr/>
+          <a:lstStyle/>
+          <a:p>
+            <a:r>
+              <a:t>Conclusion: Mastering the Power of RTOS</a:t>
+            </a:r>
+          </a:p>
+        </p:txBody>
+      </p:sp>
+      <p:sp>
+        <p:nvSpPr>
+          <p:cNvPr id="3" name="Content Placeholder 2"/>
+          <p:cNvSpPr>
+            <a:spLocks noGrp="1"/>
+          </p:cNvSpPr>
+          <p:nvPr>
+            <p:ph idx="1"/>
+          </p:nvPr>
+        </p:nvSpPr>
+        <p:spPr/>
+        <p:txBody>
+          <a:bodyPr/>
+          <a:lstStyle/>
+          <a:p/>
+          <a:p>
+            <a:pPr>
+              <a:lnSpc>
+                <a:spcPct val="115000"/>
+              </a:lnSpc>
+              <a:defRPr sz="1800"/>
+            </a:pPr>
+            <a:r>
+              <a:t>• Summary of key concepts and benefits.</a:t>
+            </a:r>
+          </a:p>
+          <a:p>
+            <a:pPr>
+              <a:lnSpc>
+                <a:spcPct val="115000"/>
+              </a:lnSpc>
+              <a:defRPr sz="1800"/>
+            </a:pPr>
+            <a:r>
+              <a:t>• Takeaways:  RTOS selection considerations, future trends.</a:t>
+            </a:r>
+          </a:p>
+          <a:p>
+            <a:pPr>
+              <a:lnSpc>
+                <a:spcPct val="115000"/>
+              </a:lnSpc>
+              <a:defRPr sz="1800"/>
+            </a:pPr>
+            <a:r>
+              <a:t>• Q&amp;A Session.</a:t>
             </a:r>
           </a:p>
         </p:txBody>
@@ -5658,7 +6921,7 @@
             <a:spLocks noGrp="1"/>
           </p:cNvSpPr>
           <p:nvPr>
-            <p:ph type="title"/>
+            <p:ph type="ctrTitle"/>
           </p:nvPr>
         </p:nvSpPr>
         <p:spPr/>
@@ -5667,19 +6930,19 @@
           <a:lstStyle/>
           <a:p>
             <a:r>
-              <a:t>Unveiling the Power of RTOS: Real-Time Operating Systems</a:t>
-            </a:r>
-          </a:p>
-        </p:txBody>
-      </p:sp>
-      <p:sp>
-        <p:nvSpPr>
-          <p:cNvPr id="3" name="Content Placeholder 2"/>
-          <p:cNvSpPr>
-            <a:spLocks noGrp="1"/>
-          </p:cNvSpPr>
-          <p:nvPr>
-            <p:ph idx="1"/>
+              <a:t>Unlocking the Power of RTOS: Real-Time Operating Systems</a:t>
+            </a:r>
+          </a:p>
+        </p:txBody>
+      </p:sp>
+      <p:sp>
+        <p:nvSpPr>
+          <p:cNvPr id="3" name="Subtitle 2"/>
+          <p:cNvSpPr>
+            <a:spLocks noGrp="1"/>
+          </p:cNvSpPr>
+          <p:nvPr>
+            <p:ph type="subTitle" idx="1"/>
           </p:nvPr>
         </p:nvSpPr>
         <p:spPr/>
@@ -5687,10 +6950,39 @@
           <a:bodyPr/>
           <a:lstStyle/>
           <a:p/>
-          <a:p>
-            <a:pPr/>
-            <a:r>
-              <a:t>Created by: Aditya Bhogil</a:t>
+        </p:txBody>
+      </p:sp>
+      <p:sp>
+        <p:nvSpPr>
+          <p:cNvPr id="4" name="TextBox 3"/>
+          <p:cNvSpPr txBox="1"/>
+          <p:nvPr/>
+        </p:nvSpPr>
+        <p:spPr>
+          <a:xfrm>
+            <a:off x="914400" y="3657600"/>
+            <a:ext cx="7315200" cy="914400"/>
+          </a:xfrm>
+          <a:prstGeom prst="rect">
+            <a:avLst/>
+          </a:prstGeom>
+          <a:noFill/>
+        </p:spPr>
+        <p:txBody>
+          <a:bodyPr wrap="none">
+            <a:spAutoFit/>
+          </a:bodyPr>
+          <a:lstStyle/>
+          <a:p>
+            <a:pPr algn="ctr">
+              <a:defRPr sz="1800">
+                <a:solidFill>
+                  <a:srgbClr val="595959"/>
+                </a:solidFill>
+              </a:defRPr>
+            </a:pPr>
+            <a:r>
+              <a:t>Created by: Aditya</a:t>
             </a:r>
           </a:p>
         </p:txBody>
@@ -5750,9 +7042,102 @@
           <a:lstStyle/>
           <a:p/>
           <a:p>
-            <a:pPr/>
-            <a:r>
-              <a:t>1.Introduction to Real-Time Operating Systems (RTOS)2.Key Features and Benefits of RTOS3.RTOS Architecture: Tasks, Scheduling, and Inter-process Communication4.Common RTOS Implementations and Use Cases5.Choosing the Right RTOS for Your Application6.RTOS Development and Debugging Techniques7.Conclusion: Summary and Future TrendsConclusion</a:t>
+            <a:pPr>
+              <a:lnSpc>
+                <a:spcPct val="115000"/>
+              </a:lnSpc>
+              <a:defRPr sz="1800"/>
+            </a:pPr>
+            <a:r>
+              <a:t>1. Introduction to RTOS</a:t>
+            </a:r>
+          </a:p>
+          <a:p>
+            <a:pPr>
+              <a:lnSpc>
+                <a:spcPct val="115000"/>
+              </a:lnSpc>
+              <a:defRPr sz="1800"/>
+            </a:pPr>
+            <a:r>
+              <a:t>2. Key Concepts: Tasks, Scheduling, and Interrupts</a:t>
+            </a:r>
+          </a:p>
+          <a:p>
+            <a:pPr>
+              <a:lnSpc>
+                <a:spcPct val="115000"/>
+              </a:lnSpc>
+              <a:defRPr sz="1800"/>
+            </a:pPr>
+            <a:r>
+              <a:t>3. RTOS Architectures and Components</a:t>
+            </a:r>
+          </a:p>
+          <a:p>
+            <a:pPr>
+              <a:lnSpc>
+                <a:spcPct val="115000"/>
+              </a:lnSpc>
+              <a:defRPr sz="1800"/>
+            </a:pPr>
+            <a:r>
+              <a:t>4. Advantages of Using an RTOS</a:t>
+            </a:r>
+          </a:p>
+          <a:p>
+            <a:pPr>
+              <a:lnSpc>
+                <a:spcPct val="115000"/>
+              </a:lnSpc>
+              <a:defRPr sz="1800"/>
+            </a:pPr>
+            <a:r>
+              <a:t>5. Common RTOS Implementations</a:t>
+            </a:r>
+          </a:p>
+          <a:p>
+            <a:pPr>
+              <a:lnSpc>
+                <a:spcPct val="115000"/>
+              </a:lnSpc>
+              <a:defRPr sz="1800"/>
+            </a:pPr>
+            <a:r>
+              <a:t>6. RTOS Application Examples</a:t>
+            </a:r>
+          </a:p>
+          <a:p>
+            <a:pPr>
+              <a:lnSpc>
+                <a:spcPct val="115000"/>
+              </a:lnSpc>
+              <a:defRPr sz="1800"/>
+            </a:pPr>
+            <a:r>
+              <a:t>7. Choosing the Right RTOS and Development/Debugging</a:t>
+            </a:r>
+          </a:p>
+          <a:p>
+            <a:pPr>
+              <a:lnSpc>
+                <a:spcPct val="115000"/>
+              </a:lnSpc>
+              <a:defRPr sz="1800"/>
+            </a:pPr>
+            <a:r>
+              <a:t>8. Future Trends in RTOS</a:t>
+            </a:r>
+          </a:p>
+          <a:p>
+            <a:pPr>
+              <a:lnSpc>
+                <a:spcPct val="115000"/>
+              </a:lnSpc>
+              <a:defRPr sz="1800"/>
+            </a:pPr>
+            <a:r>
+              <a:t>9. Conclusion: Mastering the Power of RTOS</a:t>
             </a:r>
           </a:p>
         </p:txBody>
@@ -5791,7 +7176,7 @@
           <a:lstStyle/>
           <a:p>
             <a:r>
-              <a:t>Introduction to Real-Time Operating Systems (RTOS)</a:t>
+              <a:t>Introduction to RTOS</a:t>
             </a:r>
           </a:p>
         </p:txBody>
@@ -5812,9 +7197,58 @@
           <a:lstStyle/>
           <a:p/>
           <a:p>
-            <a:pPr/>
-            <a:r>
-              <a:t>Definition of an RTOS: A multitasking OS designed for real-time applications.Distinguishing RTOS from General-Purpose OS: Emphasis on deterministic behavior and timely response.Importance of Real-Time Constraints: Meeting deadlines is critical.Applications of RTOS: Automotive, Industrial Automation, Aerospace, Medical Devices.Key Characteristics: Predictability, Reliability, Efficiency.</a:t>
+            <a:pPr>
+              <a:lnSpc>
+                <a:spcPct val="115000"/>
+              </a:lnSpc>
+              <a:defRPr sz="1800"/>
+            </a:pPr>
+            <a:r>
+              <a:t>What is a Real-Time Operating System (RTOS)?</a:t>
+            </a:r>
+          </a:p>
+          <a:p>
+            <a:pPr>
+              <a:lnSpc>
+                <a:spcPct val="115000"/>
+              </a:lnSpc>
+              <a:defRPr sz="1800"/>
+            </a:pPr>
+            <a:r>
+              <a:t>• Defining</a:t>
+            </a:r>
+          </a:p>
+          <a:p>
+            <a:pPr>
+              <a:lnSpc>
+                <a:spcPct val="115000"/>
+              </a:lnSpc>
+              <a:defRPr sz="1800"/>
+            </a:pPr>
+            <a:r>
+              <a:t>• Core Functionality: Task Management, Resource Management</a:t>
+            </a:r>
+          </a:p>
+          <a:p>
+            <a:pPr>
+              <a:lnSpc>
+                <a:spcPct val="115000"/>
+              </a:lnSpc>
+              <a:defRPr sz="1800"/>
+            </a:pPr>
+            <a:r>
+              <a:t>• Differences between RTOS and General-Purpose OS (like Windows or Linux)</a:t>
+            </a:r>
+          </a:p>
+          <a:p>
+            <a:pPr>
+              <a:lnSpc>
+                <a:spcPct val="115000"/>
+              </a:lnSpc>
+              <a:defRPr sz="1800"/>
+            </a:pPr>
+            <a:r>
+              <a:t>Why use an RTOS?  When is it necessary?</a:t>
             </a:r>
           </a:p>
         </p:txBody>
@@ -5853,7 +7287,7 @@
           <a:lstStyle/>
           <a:p>
             <a:r>
-              <a:t>Key Features and Benefits of RTOS</a:t>
+              <a:t>Key Concepts: Tasks, Scheduling, and Interrupts</a:t>
             </a:r>
           </a:p>
         </p:txBody>
@@ -5874,9 +7308,58 @@
           <a:lstStyle/>
           <a:p/>
           <a:p>
-            <a:pPr/>
-            <a:r>
-              <a:t>Multitasking: Concurrent execution of multiple tasks.Preemptive Scheduling: Prioritized task execution.Inter-Process Communication (IPC): Mechanisms for task synchronization and data exchange (e.g., semaphores, mutexes, ...Memory Management: Efficient allocation and deallocation of memory resources.Real-Time Capabilities: Guaranteed response times within specified deadlines.Deterministic Behavior: Predictable system behavior.Improved System Reliability: Robust error handling and fault tolerance.</a:t>
+            <a:pPr>
+              <a:lnSpc>
+                <a:spcPct val="115000"/>
+              </a:lnSpc>
+              <a:defRPr sz="1800"/>
+            </a:pPr>
+            <a:r>
+              <a:t>• Tasks (Threads): Concurrent execution of multiple processes.</a:t>
+            </a:r>
+          </a:p>
+          <a:p>
+            <a:pPr>
+              <a:lnSpc>
+                <a:spcPct val="115000"/>
+              </a:lnSpc>
+              <a:defRPr sz="1800"/>
+            </a:pPr>
+            <a:r>
+              <a:t>• Scheduling Algorithms: Round-robin, priority-based, rate monotonic.</a:t>
+            </a:r>
+          </a:p>
+          <a:p>
+            <a:pPr>
+              <a:lnSpc>
+                <a:spcPct val="115000"/>
+              </a:lnSpc>
+              <a:defRPr sz="1800"/>
+            </a:pPr>
+            <a:r>
+              <a:t>• Interrupts: Handling external events and system signals.</a:t>
+            </a:r>
+          </a:p>
+          <a:p>
+            <a:pPr>
+              <a:lnSpc>
+                <a:spcPct val="115000"/>
+              </a:lnSpc>
+              <a:defRPr sz="1800"/>
+            </a:pPr>
+            <a:r>
+              <a:t>• Context Switching: Efficiently switching between tasks.</a:t>
+            </a:r>
+          </a:p>
+          <a:p>
+            <a:pPr>
+              <a:lnSpc>
+                <a:spcPct val="115000"/>
+              </a:lnSpc>
+              <a:defRPr sz="1800"/>
+            </a:pPr>
+            <a:r>
+              <a:t>• Semaphores and Mutexes: Synchronization mechanisms for shared resources.</a:t>
             </a:r>
           </a:p>
         </p:txBody>
@@ -5901,44 +7384,141 @@
       <p:grpSpPr/>
       <p:sp>
         <p:nvSpPr>
-          <p:cNvPr id="2" name="Title 1"/>
-          <p:cNvSpPr>
-            <a:spLocks noGrp="1"/>
-          </p:cNvSpPr>
-          <p:nvPr>
-            <p:ph type="title"/>
-          </p:nvPr>
-        </p:nvSpPr>
-        <p:spPr/>
-        <p:txBody>
-          <a:bodyPr/>
-          <a:lstStyle/>
-          <a:p>
-            <a:r>
-              <a:t>RTOS Architecture: Tasks, Scheduling, and Inter-process Communication</a:t>
-            </a:r>
-          </a:p>
-        </p:txBody>
-      </p:sp>
-      <p:sp>
-        <p:nvSpPr>
-          <p:cNvPr id="3" name="Content Placeholder 2"/>
-          <p:cNvSpPr>
-            <a:spLocks noGrp="1"/>
-          </p:cNvSpPr>
-          <p:nvPr>
-            <p:ph idx="1"/>
-          </p:nvPr>
-        </p:nvSpPr>
-        <p:spPr/>
-        <p:txBody>
-          <a:bodyPr/>
-          <a:lstStyle/>
-          <a:p/>
-          <a:p>
-            <a:pPr/>
-            <a:r>
-              <a:t>Task Management: Creation, deletion, and management of tasks.Scheduling Algorithms: Round-robin, priority-based, rate-monotonic.Context Switching: Efficient switching between tasks.Inter-Process Communication (IPC) Mechanisms: Semaphores, mutexes, message queues, mailboxes.Synchronization Techniques: Avoiding race conditions and deadlocks.Interrupt Handling: Efficient handling of hardware interrupts.</a:t>
+          <p:cNvPr id="2" name="TextBox 1"/>
+          <p:cNvSpPr txBox="1"/>
+          <p:nvPr/>
+        </p:nvSpPr>
+        <p:spPr>
+          <a:xfrm>
+            <a:off x="457200" y="457200"/>
+            <a:ext cx="8229600" cy="914400"/>
+          </a:xfrm>
+          <a:prstGeom prst="rect">
+            <a:avLst/>
+          </a:prstGeom>
+          <a:noFill/>
+        </p:spPr>
+        <p:txBody>
+          <a:bodyPr wrap="none">
+            <a:spAutoFit/>
+          </a:bodyPr>
+          <a:lstStyle/>
+          <a:p>
+            <a:pPr>
+              <a:defRPr sz="3200" b="1"/>
+            </a:pPr>
+            <a:r>
+              <a:t>Key Concepts: Tasks, Scheduling, and Interrupts - Visual Content</a:t>
+            </a:r>
+          </a:p>
+        </p:txBody>
+      </p:sp>
+      <p:pic>
+        <p:nvPicPr>
+          <p:cNvPr id="3" name="Picture 2" descr="page_4_img_2.jpg"/>
+          <p:cNvPicPr>
+            <a:picLocks noChangeAspect="1"/>
+          </p:cNvPicPr>
+          <p:nvPr/>
+        </p:nvPicPr>
+        <p:blipFill>
+          <a:blip r:embed="rId2"/>
+          <a:stretch>
+            <a:fillRect/>
+          </a:stretch>
+        </p:blipFill>
+        <p:spPr>
+          <a:xfrm>
+            <a:off x="914400" y="1371600"/>
+            <a:ext cx="3657600" cy="2743200"/>
+          </a:xfrm>
+          <a:prstGeom prst="rect">
+            <a:avLst/>
+          </a:prstGeom>
+        </p:spPr>
+      </p:pic>
+      <p:sp>
+        <p:nvSpPr>
+          <p:cNvPr id="4" name="TextBox 3"/>
+          <p:cNvSpPr txBox="1"/>
+          <p:nvPr/>
+        </p:nvSpPr>
+        <p:spPr>
+          <a:xfrm>
+            <a:off x="914400" y="4206240"/>
+            <a:ext cx="3657600" cy="274320"/>
+          </a:xfrm>
+          <a:prstGeom prst="rect">
+            <a:avLst/>
+          </a:prstGeom>
+          <a:noFill/>
+        </p:spPr>
+        <p:txBody>
+          <a:bodyPr wrap="none">
+            <a:spAutoFit/>
+          </a:bodyPr>
+          <a:lstStyle/>
+          <a:p>
+            <a:pPr algn="ctr">
+              <a:defRPr sz="1000" i="1"/>
+            </a:pPr>
+            <a:r>
+              <a:t>key concepts</a:t>
+            </a:r>
+          </a:p>
+        </p:txBody>
+      </p:sp>
+      <p:pic>
+        <p:nvPicPr>
+          <p:cNvPr id="5" name="Picture 4" descr="page_4_img_3.jpg"/>
+          <p:cNvPicPr>
+            <a:picLocks noChangeAspect="1"/>
+          </p:cNvPicPr>
+          <p:nvPr/>
+        </p:nvPicPr>
+        <p:blipFill>
+          <a:blip r:embed="rId3"/>
+          <a:stretch>
+            <a:fillRect/>
+          </a:stretch>
+        </p:blipFill>
+        <p:spPr>
+          <a:xfrm>
+            <a:off x="5029200" y="1371600"/>
+            <a:ext cx="3657600" cy="2743200"/>
+          </a:xfrm>
+          <a:prstGeom prst="rect">
+            <a:avLst/>
+          </a:prstGeom>
+        </p:spPr>
+      </p:pic>
+      <p:sp>
+        <p:nvSpPr>
+          <p:cNvPr id="6" name="TextBox 5"/>
+          <p:cNvSpPr txBox="1"/>
+          <p:nvPr/>
+        </p:nvSpPr>
+        <p:spPr>
+          <a:xfrm>
+            <a:off x="5029200" y="4206240"/>
+            <a:ext cx="3657600" cy="274320"/>
+          </a:xfrm>
+          <a:prstGeom prst="rect">
+            <a:avLst/>
+          </a:prstGeom>
+          <a:noFill/>
+        </p:spPr>
+        <p:txBody>
+          <a:bodyPr wrap="none">
+            <a:spAutoFit/>
+          </a:bodyPr>
+          <a:lstStyle/>
+          <a:p>
+            <a:pPr algn="ctr">
+              <a:defRPr sz="1000" i="1"/>
+            </a:pPr>
+            <a:r>
+              <a:t>key concepts</a:t>
             </a:r>
           </a:p>
         </p:txBody>
@@ -5977,7 +7557,7 @@
           <a:lstStyle/>
           <a:p>
             <a:r>
-              <a:t>Common RTOS Implementations and Use Cases</a:t>
+              <a:t>RTOS Architectures and Components</a:t>
             </a:r>
           </a:p>
         </p:txBody>
@@ -5998,9 +7578,58 @@
           <a:lstStyle/>
           <a:p/>
           <a:p>
-            <a:pPr/>
-            <a:r>
-              <a:t>FreeRTOS: A widely used, open-source RTOS.VxWorks: A commercial RTOS known for its reliability and performance.QNX: A robust RTOS used in safety-critical applications.ThreadX: A royalty-free RTOS with a small footprint.Embedded Linux: A modified Linux kernel for embedded systems (often not strictly an RTOS).Use Case Examples:  Automotive engine control, industrial robotics, medical imaging equipment, flight control systems.</a:t>
+            <a:pPr>
+              <a:lnSpc>
+                <a:spcPct val="115000"/>
+              </a:lnSpc>
+              <a:defRPr sz="1800"/>
+            </a:pPr>
+            <a:r>
+              <a:t>• Kernel: The core of the RTOS.</a:t>
+            </a:r>
+          </a:p>
+          <a:p>
+            <a:pPr>
+              <a:lnSpc>
+                <a:spcPct val="115000"/>
+              </a:lnSpc>
+              <a:defRPr sz="1800"/>
+            </a:pPr>
+            <a:r>
+              <a:t>• Memory Management: Allocation and deallocation of memory resources.</a:t>
+            </a:r>
+          </a:p>
+          <a:p>
+            <a:pPr>
+              <a:lnSpc>
+                <a:spcPct val="115000"/>
+              </a:lnSpc>
+              <a:defRPr sz="1800"/>
+            </a:pPr>
+            <a:r>
+              <a:t>• Inter-Process Communication (IPC): Mechanisms for tasks to communicate.</a:t>
+            </a:r>
+          </a:p>
+          <a:p>
+            <a:pPr>
+              <a:lnSpc>
+                <a:spcPct val="115000"/>
+              </a:lnSpc>
+              <a:defRPr sz="1800"/>
+            </a:pPr>
+            <a:r>
+              <a:t>• Device Drivers: Interfaces to hardware peripherals.</a:t>
+            </a:r>
+          </a:p>
+          <a:p>
+            <a:pPr>
+              <a:lnSpc>
+                <a:spcPct val="115000"/>
+              </a:lnSpc>
+              <a:defRPr sz="1800"/>
+            </a:pPr>
+            <a:r>
+              <a:t>• Real-Time Clock (RTC): Precise timekeeping.</a:t>
             </a:r>
           </a:p>
         </p:txBody>
@@ -6025,44 +7654,86 @@
       <p:grpSpPr/>
       <p:sp>
         <p:nvSpPr>
-          <p:cNvPr id="2" name="Title 1"/>
-          <p:cNvSpPr>
-            <a:spLocks noGrp="1"/>
-          </p:cNvSpPr>
-          <p:nvPr>
-            <p:ph type="title"/>
-          </p:nvPr>
-        </p:nvSpPr>
-        <p:spPr/>
-        <p:txBody>
-          <a:bodyPr/>
-          <a:lstStyle/>
-          <a:p>
-            <a:r>
-              <a:t>Choosing the Right RTOS for Your Application</a:t>
-            </a:r>
-          </a:p>
-        </p:txBody>
-      </p:sp>
-      <p:sp>
-        <p:nvSpPr>
-          <p:cNvPr id="3" name="Content Placeholder 2"/>
-          <p:cNvSpPr>
-            <a:spLocks noGrp="1"/>
-          </p:cNvSpPr>
-          <p:nvPr>
-            <p:ph idx="1"/>
-          </p:nvPr>
-        </p:nvSpPr>
-        <p:spPr/>
-        <p:txBody>
-          <a:bodyPr/>
-          <a:lstStyle/>
-          <a:p/>
-          <a:p>
-            <a:pPr/>
-            <a:r>
-              <a:t>Requirements Analysis: Defining real-time constraints, memory limitations, and processing power.RTOS Feature Comparison: Evaluating features such as scheduling algorithms, IPC mechanisms, and memory management.Scalability and Performance: Considering the future growth and performance needs of the application.Cost and Licensing: Evaluating the cost of the RTOS and its licensing model.Support and Community: Assessing the availability of support and community resources.Certification and Standards Compliance: Ensuring the RTOS meets relevant safety and security standards.</a:t>
+          <p:cNvPr id="2" name="TextBox 1"/>
+          <p:cNvSpPr txBox="1"/>
+          <p:nvPr/>
+        </p:nvSpPr>
+        <p:spPr>
+          <a:xfrm>
+            <a:off x="457200" y="457200"/>
+            <a:ext cx="8229600" cy="914400"/>
+          </a:xfrm>
+          <a:prstGeom prst="rect">
+            <a:avLst/>
+          </a:prstGeom>
+          <a:noFill/>
+        </p:spPr>
+        <p:txBody>
+          <a:bodyPr wrap="none">
+            <a:spAutoFit/>
+          </a:bodyPr>
+          <a:lstStyle/>
+          <a:p>
+            <a:pPr>
+              <a:defRPr sz="3200" b="1"/>
+            </a:pPr>
+            <a:r>
+              <a:t>RTOS Architectures and Components - Visual Content</a:t>
+            </a:r>
+          </a:p>
+        </p:txBody>
+      </p:sp>
+      <p:pic>
+        <p:nvPicPr>
+          <p:cNvPr id="3" name="Picture 2" descr="page_5_img_4.jpg"/>
+          <p:cNvPicPr>
+            <a:picLocks noChangeAspect="1"/>
+          </p:cNvPicPr>
+          <p:nvPr/>
+        </p:nvPicPr>
+        <p:blipFill>
+          <a:blip r:embed="rId2"/>
+          <a:stretch>
+            <a:fillRect/>
+          </a:stretch>
+        </p:blipFill>
+        <p:spPr>
+          <a:xfrm>
+            <a:off x="914400" y="1371600"/>
+            <a:ext cx="7315200" cy="4114800"/>
+          </a:xfrm>
+          <a:prstGeom prst="rect">
+            <a:avLst/>
+          </a:prstGeom>
+        </p:spPr>
+      </p:pic>
+      <p:sp>
+        <p:nvSpPr>
+          <p:cNvPr id="4" name="TextBox 3"/>
+          <p:cNvSpPr txBox="1"/>
+          <p:nvPr/>
+        </p:nvSpPr>
+        <p:spPr>
+          <a:xfrm>
+            <a:off x="914400" y="5577840"/>
+            <a:ext cx="7315200" cy="274320"/>
+          </a:xfrm>
+          <a:prstGeom prst="rect">
+            <a:avLst/>
+          </a:prstGeom>
+          <a:noFill/>
+        </p:spPr>
+        <p:txBody>
+          <a:bodyPr wrap="none">
+            <a:spAutoFit/>
+          </a:bodyPr>
+          <a:lstStyle/>
+          <a:p>
+            <a:pPr algn="ctr">
+              <a:defRPr sz="1000" i="1"/>
+            </a:pPr>
+            <a:r>
+              <a:t>rtos architectures components</a:t>
             </a:r>
           </a:p>
         </p:txBody>
@@ -6101,7 +7772,7 @@
           <a:lstStyle/>
           <a:p>
             <a:r>
-              <a:t>RTOS Development and Debugging Techniques</a:t>
+              <a:t>Advantages of Using an RTOS</a:t>
             </a:r>
           </a:p>
         </p:txBody>
@@ -6122,9 +7793,58 @@
           <a:lstStyle/>
           <a:p/>
           <a:p>
-            <a:pPr/>
-            <a:r>
-              <a:t>Development Tools and IDEs: Selecting appropriate tools for development and debugging.Debugging Strategies: Using real-time debuggers and tracing tools.Real-Time Analysis: Analyzing system performance and identifying bottlenecks.Testing and Verification: Ensuring the RTOS meets the required real-time constraints and reliability requirements.Profiling and Optimization: Optimizing the RTOS and application code for performance.</a:t>
+            <a:pPr>
+              <a:lnSpc>
+                <a:spcPct val="115000"/>
+              </a:lnSpc>
+              <a:defRPr sz="1800"/>
+            </a:pPr>
+            <a:r>
+              <a:t>• Improved Determinism: Predictable response times.</a:t>
+            </a:r>
+          </a:p>
+          <a:p>
+            <a:pPr>
+              <a:lnSpc>
+                <a:spcPct val="115000"/>
+              </a:lnSpc>
+              <a:defRPr sz="1800"/>
+            </a:pPr>
+            <a:r>
+              <a:t>• Modularity and Reusability: Easier development and maintenance.</a:t>
+            </a:r>
+          </a:p>
+          <a:p>
+            <a:pPr>
+              <a:lnSpc>
+                <a:spcPct val="115000"/>
+              </a:lnSpc>
+              <a:defRPr sz="1800"/>
+            </a:pPr>
+            <a:r>
+              <a:t>• Enhanced Reliability: Robust error handling and fault tolerance.</a:t>
+            </a:r>
+          </a:p>
+          <a:p>
+            <a:pPr>
+              <a:lnSpc>
+                <a:spcPct val="115000"/>
+              </a:lnSpc>
+              <a:defRPr sz="1800"/>
+            </a:pPr>
+            <a:r>
+              <a:t>• Increased Efficiency: Optimized resource utilization.</a:t>
+            </a:r>
+          </a:p>
+          <a:p>
+            <a:pPr>
+              <a:lnSpc>
+                <a:spcPct val="115000"/>
+              </a:lnSpc>
+              <a:defRPr sz="1800"/>
+            </a:pPr>
+            <a:r>
+              <a:t>• Parallel Processing: Concurrent execution of multiple tasks.</a:t>
             </a:r>
           </a:p>
         </p:txBody>
@@ -6138,9 +7858,9 @@
 </file>
 
 <file path=ppt/theme/theme1.xml><?xml version="1.0" encoding="utf-8"?>
-<a:theme xmlns:a="http://schemas.openxmlformats.org/drawingml/2006/main" name="Quotable">
+<a:theme xmlns:a="http://schemas.openxmlformats.org/drawingml/2006/main" name="Facet">
   <a:themeElements>
-    <a:clrScheme name="Quotable">
+    <a:clrScheme name="Facet">
       <a:dk1>
         <a:sysClr val="windowText" lastClr="000000"/>
       </a:dk1>
@@ -6148,48 +7868,48 @@
         <a:sysClr val="window" lastClr="FFFFFF"/>
       </a:lt1>
       <a:dk2>
-        <a:srgbClr val="212121"/>
+        <a:srgbClr val="2C3C43"/>
       </a:dk2>
       <a:lt2>
-        <a:srgbClr val="636363"/>
+        <a:srgbClr val="EBEBEB"/>
       </a:lt2>
       <a:accent1>
-        <a:srgbClr val="00C6BB"/>
+        <a:srgbClr val="90C226"/>
       </a:accent1>
       <a:accent2>
-        <a:srgbClr val="6FEBA0"/>
+        <a:srgbClr val="54A021"/>
       </a:accent2>
       <a:accent3>
-        <a:srgbClr val="B6DF5E"/>
+        <a:srgbClr val="E6B91E"/>
       </a:accent3>
       <a:accent4>
-        <a:srgbClr val="EFB251"/>
+        <a:srgbClr val="E76618"/>
       </a:accent4>
       <a:accent5>
-        <a:srgbClr val="EF755F"/>
+        <a:srgbClr val="C42F1A"/>
       </a:accent5>
       <a:accent6>
-        <a:srgbClr val="ED515C"/>
+        <a:srgbClr val="918655"/>
       </a:accent6>
       <a:hlink>
-        <a:srgbClr val="8F8F8F"/>
+        <a:srgbClr val="99CA3C"/>
       </a:hlink>
       <a:folHlink>
-        <a:srgbClr val="A5A5A5"/>
+        <a:srgbClr val="B9D181"/>
       </a:folHlink>
     </a:clrScheme>
-    <a:fontScheme name="Quotable">
+    <a:fontScheme name="Facet">
       <a:majorFont>
-        <a:latin typeface="Century Gothic" panose="020B0502020202020204"/>
+        <a:latin typeface="Trebuchet MS" panose="020B0603020202020204"/>
         <a:ea typeface=""/>
         <a:cs typeface=""/>
-        <a:font script="Jpan" typeface="ＭＳ ゴシック"/>
+        <a:font script="Jpan" typeface="メイリオ"/>
         <a:font script="Hang" typeface="맑은 고딕"/>
-        <a:font script="Hans" typeface="宋体"/>
-        <a:font script="Hant" typeface="新細明體"/>
+        <a:font script="Hans" typeface="方正姚体"/>
+        <a:font script="Hant" typeface="微軟正黑體"/>
         <a:font script="Arab" typeface="Tahoma"/>
-        <a:font script="Hebr" typeface="Gisha"/>
-        <a:font script="Thai" typeface="DilleniaUPC"/>
+        <a:font script="Hebr" typeface="Arial"/>
+        <a:font script="Thai" typeface="Cordia New"/>
         <a:font script="Ethi" typeface="Nyala"/>
         <a:font script="Beng" typeface="Vrinda"/>
         <a:font script="Gujr" typeface="Shruti"/>
@@ -6215,16 +7935,16 @@
         <a:font script="Geor" typeface="Sylfaen"/>
       </a:majorFont>
       <a:minorFont>
-        <a:latin typeface="Century Gothic" panose="020B0502020202020204"/>
+        <a:latin typeface="Trebuchet MS" panose="020B0603020202020204"/>
         <a:ea typeface=""/>
         <a:cs typeface=""/>
-        <a:font script="Jpan" typeface="ＭＳ ゴシック"/>
-        <a:font script="Hang" typeface="맑은 고딕"/>
-        <a:font script="Hans" typeface="宋体"/>
-        <a:font script="Hant" typeface="新細明體"/>
+        <a:font script="Jpan" typeface="メイリオ"/>
+        <a:font script="Hang" typeface="HY그래픽M"/>
+        <a:font script="Hans" typeface="华文新魏"/>
+        <a:font script="Hant" typeface="微軟正黑體"/>
         <a:font script="Arab" typeface="Tahoma"/>
         <a:font script="Hebr" typeface="Gisha"/>
-        <a:font script="Thai" typeface="DilleniaUPC"/>
+        <a:font script="Thai" typeface="IrisUPC"/>
         <a:font script="Ethi" typeface="Nyala"/>
         <a:font script="Beng" typeface="Vrinda"/>
         <a:font script="Gujr" typeface="Shruti"/>
@@ -6245,12 +7965,12 @@
         <a:font script="Laoo" typeface="DokChampa"/>
         <a:font script="Sinh" typeface="Iskoola Pota"/>
         <a:font script="Mong" typeface="Mongolian Baiti"/>
-        <a:font script="Viet" typeface="Verdana"/>
+        <a:font script="Viet" typeface="Arial"/>
         <a:font script="Uigh" typeface="Microsoft Uighur"/>
         <a:font script="Geor" typeface="Sylfaen"/>
       </a:minorFont>
     </a:fontScheme>
-    <a:fmtScheme name="Quotable">
+    <a:fmtScheme name="Facet">
       <a:fillStyleLst>
         <a:solidFill>
           <a:schemeClr val="phClr"/>
@@ -6259,11 +7979,11 @@
           <a:gsLst>
             <a:gs pos="0">
               <a:schemeClr val="phClr">
-                <a:tint val="80000"/>
-                <a:lumMod val="105000"/>
+                <a:tint val="65000"/>
+                <a:lumMod val="110000"/>
               </a:schemeClr>
             </a:gs>
-            <a:gs pos="100000">
+            <a:gs pos="88000">
               <a:schemeClr val="phClr">
                 <a:tint val="90000"/>
               </a:schemeClr>
@@ -6271,30 +7991,32 @@
           </a:gsLst>
           <a:lin ang="5400000" scaled="0"/>
         </a:gradFill>
-        <a:blipFill rotWithShape="1">
-          <a:blip xmlns:r="http://schemas.openxmlformats.org/officeDocument/2006/relationships" r:embed="rId1">
-            <a:duotone>
+        <a:gradFill rotWithShape="1">
+          <a:gsLst>
+            <a:gs pos="0">
               <a:schemeClr val="phClr">
-                <a:tint val="98000"/>
-                <a:lumMod val="102000"/>
+                <a:tint val="96000"/>
+                <a:lumMod val="100000"/>
               </a:schemeClr>
+            </a:gs>
+            <a:gs pos="78000">
               <a:schemeClr val="phClr">
-                <a:shade val="98000"/>
-                <a:lumMod val="98000"/>
+                <a:shade val="94000"/>
+                <a:lumMod val="94000"/>
               </a:schemeClr>
-            </a:duotone>
-          </a:blip>
-          <a:tile tx="0" ty="0" sx="100000" sy="100000" flip="none" algn="tl"/>
-        </a:blipFill>
+            </a:gs>
+          </a:gsLst>
+          <a:lin ang="5400000" scaled="0"/>
+        </a:gradFill>
       </a:fillStyleLst>
       <a:lnStyleLst>
-        <a:ln w="9525" cap="rnd" cmpd="sng" algn="ctr">
+        <a:ln w="12700" cap="rnd" cmpd="sng" algn="ctr">
           <a:solidFill>
             <a:schemeClr val="phClr"/>
           </a:solidFill>
           <a:prstDash val="solid"/>
         </a:ln>
-        <a:ln w="15875" cap="rnd" cmpd="sng" algn="ctr">
+        <a:ln w="19050" cap="rnd" cmpd="sng" algn="ctr">
           <a:solidFill>
             <a:schemeClr val="phClr"/>
           </a:solidFill>
@@ -6312,16 +8034,31 @@
           <a:effectLst/>
         </a:effectStyle>
         <a:effectStyle>
-          <a:effectLst/>
+          <a:effectLst>
+            <a:outerShdw blurRad="38100" dist="25400" dir="5400000" rotWithShape="0">
+              <a:srgbClr val="000000">
+                <a:alpha val="35000"/>
+              </a:srgbClr>
+            </a:outerShdw>
+          </a:effectLst>
         </a:effectStyle>
         <a:effectStyle>
           <a:effectLst>
-            <a:innerShdw blurRad="63500" dist="25400" dir="13500000">
+            <a:outerShdw blurRad="50800" dist="38100" dir="5400000" rotWithShape="0">
               <a:srgbClr val="000000">
-                <a:alpha val="75000"/>
+                <a:alpha val="35000"/>
               </a:srgbClr>
-            </a:innerShdw>
+            </a:outerShdw>
           </a:effectLst>
+          <a:scene3d>
+            <a:camera prst="orthographicFront">
+              <a:rot lat="0" lon="0" rev="0"/>
+            </a:camera>
+            <a:lightRig rig="threePt" dir="tl"/>
+          </a:scene3d>
+          <a:sp3d prstMaterial="plastic">
+            <a:bevelT w="0" h="0"/>
+          </a:sp3d>
         </a:effectStyle>
       </a:effectStyleLst>
       <a:bgFillStyleLst>
@@ -6332,14 +8069,14 @@
           <a:gsLst>
             <a:gs pos="0">
               <a:schemeClr val="phClr">
-                <a:tint val="100000"/>
+                <a:tint val="90000"/>
+                <a:lumMod val="104000"/>
               </a:schemeClr>
             </a:gs>
-            <a:gs pos="100000">
+            <a:gs pos="94000">
               <a:schemeClr val="phClr">
-                <a:tint val="84000"/>
-                <a:shade val="84000"/>
-                <a:lumMod val="90000"/>
+                <a:shade val="96000"/>
+                <a:lumMod val="82000"/>
               </a:schemeClr>
             </a:gs>
           </a:gsLst>
@@ -6349,17 +8086,20 @@
           <a:gsLst>
             <a:gs pos="0">
               <a:schemeClr val="phClr">
-                <a:tint val="84000"/>
-                <a:shade val="90000"/>
-                <a:satMod val="120000"/>
-                <a:lumMod val="90000"/>
+                <a:tint val="90000"/>
+                <a:lumMod val="110000"/>
               </a:schemeClr>
             </a:gs>
             <a:gs pos="100000">
-              <a:schemeClr val="phClr"/>
+              <a:schemeClr val="phClr">
+                <a:shade val="94000"/>
+                <a:lumMod val="96000"/>
+              </a:schemeClr>
             </a:gs>
           </a:gsLst>
-          <a:lin ang="5400000" scaled="0"/>
+          <a:path path="circle">
+            <a:fillToRect l="50000" t="50000" r="100000" b="100000"/>
+          </a:path>
         </a:gradFill>
       </a:bgFillStyleLst>
     </a:fmtScheme>
@@ -6368,7 +8108,7 @@
   <a:extraClrSchemeLst/>
   <a:extLst>
     <a:ext uri="{05A4C25C-085E-4340-85A3-A5531E510DB2}">
-      <thm15:themeFamily xmlns:thm15="http://schemas.microsoft.com/office/thememl/2012/main" name="Quotable" id="{39EC5628-30ED-4578-ACD8-9820EDB8E15A}" vid="{6F3559E9-1A4C-49D8-94D4-F41003531C49}"/>
+      <thm15:themeFamily xmlns:thm15="http://schemas.microsoft.com/office/thememl/2012/main" name="Facet" id="{C0C680CD-088A-49FC-A102-D699147F32B2}" vid="{CFBC31BA-B70F-4F30-BCAA-4F3011E16C4D}"/>
     </a:ext>
   </a:extLst>
 </a:theme>
